--- a/MyProjects/PPT/售票.pptx
+++ b/MyProjects/PPT/售票.pptx
@@ -6,11 +6,12 @@
   </p:sldMasterIdLst>
   <p:sldIdLst>
     <p:sldId id="257" r:id="rId2"/>
-    <p:sldId id="258" r:id="rId3"/>
-    <p:sldId id="260" r:id="rId4"/>
-    <p:sldId id="259" r:id="rId5"/>
-    <p:sldId id="256" r:id="rId6"/>
-    <p:sldId id="261" r:id="rId7"/>
+    <p:sldId id="262" r:id="rId3"/>
+    <p:sldId id="258" r:id="rId4"/>
+    <p:sldId id="260" r:id="rId5"/>
+    <p:sldId id="259" r:id="rId6"/>
+    <p:sldId id="256" r:id="rId7"/>
+    <p:sldId id="261" r:id="rId8"/>
   </p:sldIdLst>
   <p:sldSz cx="12192000" cy="6858000"/>
   <p:notesSz cx="6858000" cy="9144000"/>
@@ -3443,47 +3444,92 @@
           <a:chExt cx="0" cy="0"/>
         </a:xfrm>
       </p:grpSpPr>
-      <p:pic>
-        <p:nvPicPr>
-          <p:cNvPr id="6" name="內容版面配置區 5">
-            <a:extLst>
-              <a:ext uri="{FF2B5EF4-FFF2-40B4-BE49-F238E27FC236}">
-                <a16:creationId xmlns:a16="http://schemas.microsoft.com/office/drawing/2014/main" id="{15F6E13A-DF36-4B81-85CA-6E4F7B9C33E6}"/>
-              </a:ext>
-            </a:extLst>
-          </p:cNvPr>
-          <p:cNvPicPr>
-            <a:picLocks noGrp="1" noChangeAspect="1"/>
-          </p:cNvPicPr>
+      <p:sp>
+        <p:nvSpPr>
+          <p:cNvPr id="3" name="內容版面配置區 2">
+            <a:extLst>
+              <a:ext uri="{FF2B5EF4-FFF2-40B4-BE49-F238E27FC236}">
+                <a16:creationId xmlns:a16="http://schemas.microsoft.com/office/drawing/2014/main" id="{C253D719-4C17-4700-8FAC-76898476429B}"/>
+              </a:ext>
+            </a:extLst>
+          </p:cNvPr>
+          <p:cNvSpPr>
+            <a:spLocks noGrp="1"/>
+          </p:cNvSpPr>
           <p:nvPr>
             <p:ph idx="1"/>
           </p:nvPr>
-        </p:nvPicPr>
-        <p:blipFill>
-          <a:blip r:embed="rId2">
-            <a:extLst>
-              <a:ext uri="{28A0092B-C50C-407E-A947-70E740481C1C}">
-                <a14:useLocalDpi xmlns:a14="http://schemas.microsoft.com/office/drawing/2010/main" val="0"/>
-              </a:ext>
-            </a:extLst>
-          </a:blip>
-          <a:stretch>
-            <a:fillRect/>
-          </a:stretch>
-        </p:blipFill>
-        <p:spPr>
-          <a:xfrm>
-            <a:off x="1514482" y="1712011"/>
-            <a:ext cx="1716989" cy="1716989"/>
-          </a:xfrm>
-        </p:spPr>
-      </p:pic>
+        </p:nvSpPr>
+        <p:spPr>
+          <a:xfrm>
+            <a:off x="838200" y="1961965"/>
+            <a:ext cx="10515600" cy="4214998"/>
+          </a:xfrm>
+        </p:spPr>
+        <p:txBody>
+          <a:bodyPr/>
+          <a:lstStyle/>
+          <a:p>
+            <a:r>
+              <a:rPr lang="zh-TW" altLang="en-US" dirty="0">
+                <a:latin typeface="微軟正黑體" panose="020B0604030504040204" pitchFamily="34" charset="-120"/>
+                <a:ea typeface="微軟正黑體" panose="020B0604030504040204" pitchFamily="34" charset="-120"/>
+              </a:rPr>
+              <a:t>自身喜歡參與各式日系音樂演唱會</a:t>
+            </a:r>
+            <a:endParaRPr lang="en-US" altLang="zh-TW" dirty="0">
+              <a:latin typeface="微軟正黑體" panose="020B0604030504040204" pitchFamily="34" charset="-120"/>
+              <a:ea typeface="微軟正黑體" panose="020B0604030504040204" pitchFamily="34" charset="-120"/>
+            </a:endParaRPr>
+          </a:p>
+          <a:p>
+            <a:pPr marL="0" indent="0">
+              <a:buNone/>
+            </a:pPr>
+            <a:endParaRPr lang="en-US" altLang="zh-TW" dirty="0">
+              <a:latin typeface="微軟正黑體" panose="020B0604030504040204" pitchFamily="34" charset="-120"/>
+              <a:ea typeface="微軟正黑體" panose="020B0604030504040204" pitchFamily="34" charset="-120"/>
+            </a:endParaRPr>
+          </a:p>
+          <a:p>
+            <a:r>
+              <a:rPr lang="zh-TW" altLang="en-US" dirty="0">
+                <a:latin typeface="微軟正黑體" panose="020B0604030504040204" pitchFamily="34" charset="-120"/>
+                <a:ea typeface="微軟正黑體" panose="020B0604030504040204" pitchFamily="34" charset="-120"/>
+              </a:rPr>
+              <a:t>市面售票系統多且功能不同</a:t>
+            </a:r>
+            <a:endParaRPr lang="en-US" altLang="zh-TW" dirty="0">
+              <a:latin typeface="微軟正黑體" panose="020B0604030504040204" pitchFamily="34" charset="-120"/>
+              <a:ea typeface="微軟正黑體" panose="020B0604030504040204" pitchFamily="34" charset="-120"/>
+            </a:endParaRPr>
+          </a:p>
+          <a:p>
+            <a:pPr marL="0" indent="0">
+              <a:buNone/>
+            </a:pPr>
+            <a:endParaRPr lang="en-US" altLang="zh-TW" dirty="0">
+              <a:latin typeface="微軟正黑體" panose="020B0604030504040204" pitchFamily="34" charset="-120"/>
+              <a:ea typeface="微軟正黑體" panose="020B0604030504040204" pitchFamily="34" charset="-120"/>
+            </a:endParaRPr>
+          </a:p>
+          <a:p>
+            <a:r>
+              <a:rPr lang="zh-TW" altLang="en-US" dirty="0">
+                <a:latin typeface="微軟正黑體" panose="020B0604030504040204" pitchFamily="34" charset="-120"/>
+                <a:ea typeface="微軟正黑體" panose="020B0604030504040204" pitchFamily="34" charset="-120"/>
+              </a:rPr>
+              <a:t>創造一個介面舒服且能簡單操作的售票系統</a:t>
+            </a:r>
+          </a:p>
+        </p:txBody>
+      </p:sp>
       <p:sp>
         <p:nvSpPr>
           <p:cNvPr id="4" name="文字方塊 3">
             <a:extLst>
               <a:ext uri="{FF2B5EF4-FFF2-40B4-BE49-F238E27FC236}">
-                <a16:creationId xmlns:a16="http://schemas.microsoft.com/office/drawing/2014/main" id="{4DB15DD7-36D8-4D24-A67E-9408FAB95369}"/>
+                <a16:creationId xmlns:a16="http://schemas.microsoft.com/office/drawing/2014/main" id="{83988192-F3E8-4302-A12E-2D078443F8DA}"/>
               </a:ext>
             </a:extLst>
           </p:cNvPr>
@@ -3492,8 +3538,8 @@
         </p:nvSpPr>
         <p:spPr>
           <a:xfrm>
-            <a:off x="5388114" y="681037"/>
-            <a:ext cx="1415772" cy="461665"/>
+            <a:off x="4387840" y="681037"/>
+            <a:ext cx="3416320" cy="646331"/>
           </a:xfrm>
           <a:prstGeom prst="rect">
             <a:avLst/>
@@ -3507,435 +3553,11 @@
           <a:lstStyle/>
           <a:p>
             <a:r>
-              <a:rPr lang="zh-TW" altLang="en-US" sz="2400" dirty="0">
+              <a:rPr lang="zh-TW" altLang="en-US" sz="3600" b="1" dirty="0">
                 <a:latin typeface="微軟正黑體" panose="020B0604030504040204" pitchFamily="34" charset="-120"/>
                 <a:ea typeface="微軟正黑體" panose="020B0604030504040204" pitchFamily="34" charset="-120"/>
               </a:rPr>
-              <a:t>使用工具</a:t>
-            </a:r>
-          </a:p>
-        </p:txBody>
-      </p:sp>
-      <p:pic>
-        <p:nvPicPr>
-          <p:cNvPr id="8" name="圖片 7">
-            <a:extLst>
-              <a:ext uri="{FF2B5EF4-FFF2-40B4-BE49-F238E27FC236}">
-                <a16:creationId xmlns:a16="http://schemas.microsoft.com/office/drawing/2014/main" id="{10780E73-CE90-4BCA-9937-F1E94FEE1E81}"/>
-              </a:ext>
-            </a:extLst>
-          </p:cNvPr>
-          <p:cNvPicPr>
-            <a:picLocks noChangeAspect="1"/>
-          </p:cNvPicPr>
-          <p:nvPr/>
-        </p:nvPicPr>
-        <p:blipFill>
-          <a:blip r:embed="rId3">
-            <a:extLst>
-              <a:ext uri="{28A0092B-C50C-407E-A947-70E740481C1C}">
-                <a14:useLocalDpi xmlns:a14="http://schemas.microsoft.com/office/drawing/2010/main" val="0"/>
-              </a:ext>
-            </a:extLst>
-          </a:blip>
-          <a:stretch>
-            <a:fillRect/>
-          </a:stretch>
-        </p:blipFill>
-        <p:spPr>
-          <a:xfrm>
-            <a:off x="4718481" y="1707102"/>
-            <a:ext cx="2755037" cy="1721898"/>
-          </a:xfrm>
-          <a:prstGeom prst="rect">
-            <a:avLst/>
-          </a:prstGeom>
-        </p:spPr>
-      </p:pic>
-      <p:pic>
-        <p:nvPicPr>
-          <p:cNvPr id="10" name="圖片 9">
-            <a:extLst>
-              <a:ext uri="{FF2B5EF4-FFF2-40B4-BE49-F238E27FC236}">
-                <a16:creationId xmlns:a16="http://schemas.microsoft.com/office/drawing/2014/main" id="{DF2D76DC-0BD1-433D-B97F-77DCDD33DD42}"/>
-              </a:ext>
-            </a:extLst>
-          </p:cNvPr>
-          <p:cNvPicPr>
-            <a:picLocks noChangeAspect="1"/>
-          </p:cNvPicPr>
-          <p:nvPr/>
-        </p:nvPicPr>
-        <p:blipFill>
-          <a:blip r:embed="rId4">
-            <a:extLst>
-              <a:ext uri="{28A0092B-C50C-407E-A947-70E740481C1C}">
-                <a14:useLocalDpi xmlns:a14="http://schemas.microsoft.com/office/drawing/2010/main" val="0"/>
-              </a:ext>
-            </a:extLst>
-          </a:blip>
-          <a:stretch>
-            <a:fillRect/>
-          </a:stretch>
-        </p:blipFill>
-        <p:spPr>
-          <a:xfrm>
-            <a:off x="8643855" y="2050742"/>
-            <a:ext cx="1728224" cy="1378258"/>
-          </a:xfrm>
-          <a:prstGeom prst="rect">
-            <a:avLst/>
-          </a:prstGeom>
-        </p:spPr>
-      </p:pic>
-      <p:pic>
-        <p:nvPicPr>
-          <p:cNvPr id="12" name="圖片 11">
-            <a:extLst>
-              <a:ext uri="{FF2B5EF4-FFF2-40B4-BE49-F238E27FC236}">
-                <a16:creationId xmlns:a16="http://schemas.microsoft.com/office/drawing/2014/main" id="{D6C77343-16FF-4DA1-B100-9C1A0820CDCB}"/>
-              </a:ext>
-            </a:extLst>
-          </p:cNvPr>
-          <p:cNvPicPr>
-            <a:picLocks noChangeAspect="1"/>
-          </p:cNvPicPr>
-          <p:nvPr/>
-        </p:nvPicPr>
-        <p:blipFill>
-          <a:blip r:embed="rId5">
-            <a:extLst>
-              <a:ext uri="{28A0092B-C50C-407E-A947-70E740481C1C}">
-                <a14:useLocalDpi xmlns:a14="http://schemas.microsoft.com/office/drawing/2010/main" val="0"/>
-              </a:ext>
-            </a:extLst>
-          </a:blip>
-          <a:stretch>
-            <a:fillRect/>
-          </a:stretch>
-        </p:blipFill>
-        <p:spPr>
-          <a:xfrm>
-            <a:off x="1686942" y="4362064"/>
-            <a:ext cx="1392904" cy="1569968"/>
-          </a:xfrm>
-          <a:prstGeom prst="rect">
-            <a:avLst/>
-          </a:prstGeom>
-        </p:spPr>
-      </p:pic>
-      <p:pic>
-        <p:nvPicPr>
-          <p:cNvPr id="16" name="圖片 15">
-            <a:extLst>
-              <a:ext uri="{FF2B5EF4-FFF2-40B4-BE49-F238E27FC236}">
-                <a16:creationId xmlns:a16="http://schemas.microsoft.com/office/drawing/2014/main" id="{DD2DA604-ECC6-44CE-B273-0E8A14DFF5B2}"/>
-              </a:ext>
-            </a:extLst>
-          </p:cNvPr>
-          <p:cNvPicPr>
-            <a:picLocks noChangeAspect="1"/>
-          </p:cNvPicPr>
-          <p:nvPr/>
-        </p:nvPicPr>
-        <p:blipFill>
-          <a:blip r:embed="rId6">
-            <a:extLst>
-              <a:ext uri="{28A0092B-C50C-407E-A947-70E740481C1C}">
-                <a14:useLocalDpi xmlns:a14="http://schemas.microsoft.com/office/drawing/2010/main" val="0"/>
-              </a:ext>
-            </a:extLst>
-          </a:blip>
-          <a:stretch>
-            <a:fillRect/>
-          </a:stretch>
-        </p:blipFill>
-        <p:spPr>
-          <a:xfrm>
-            <a:off x="5167966" y="4406553"/>
-            <a:ext cx="1856065" cy="1525479"/>
-          </a:xfrm>
-          <a:prstGeom prst="rect">
-            <a:avLst/>
-          </a:prstGeom>
-        </p:spPr>
-      </p:pic>
-      <p:sp>
-        <p:nvSpPr>
-          <p:cNvPr id="17" name="文字方塊 16">
-            <a:extLst>
-              <a:ext uri="{FF2B5EF4-FFF2-40B4-BE49-F238E27FC236}">
-                <a16:creationId xmlns:a16="http://schemas.microsoft.com/office/drawing/2014/main" id="{63D431F7-60C1-4A32-A57E-9008BA3EC52F}"/>
-              </a:ext>
-            </a:extLst>
-          </p:cNvPr>
-          <p:cNvSpPr txBox="1"/>
-          <p:nvPr/>
-        </p:nvSpPr>
-        <p:spPr>
-          <a:xfrm>
-            <a:off x="1957637" y="3710866"/>
-            <a:ext cx="851515" cy="369332"/>
-          </a:xfrm>
-          <a:prstGeom prst="rect">
-            <a:avLst/>
-          </a:prstGeom>
-          <a:noFill/>
-        </p:spPr>
-        <p:txBody>
-          <a:bodyPr wrap="none" rtlCol="0">
-            <a:spAutoFit/>
-          </a:bodyPr>
-          <a:lstStyle/>
-          <a:p>
-            <a:r>
-              <a:rPr lang="en-US" altLang="zh-TW" b="1" dirty="0">
-                <a:latin typeface="微軟正黑體" panose="020B0604030504040204" pitchFamily="34" charset="-120"/>
-                <a:ea typeface="微軟正黑體" panose="020B0604030504040204" pitchFamily="34" charset="-120"/>
-              </a:rPr>
-              <a:t>HTML</a:t>
-            </a:r>
-          </a:p>
-        </p:txBody>
-      </p:sp>
-      <p:sp>
-        <p:nvSpPr>
-          <p:cNvPr id="18" name="文字方塊 17">
-            <a:extLst>
-              <a:ext uri="{FF2B5EF4-FFF2-40B4-BE49-F238E27FC236}">
-                <a16:creationId xmlns:a16="http://schemas.microsoft.com/office/drawing/2014/main" id="{84C1306A-5DA6-4BC1-9110-DDDC26FAB9D0}"/>
-              </a:ext>
-            </a:extLst>
-          </p:cNvPr>
-          <p:cNvSpPr txBox="1"/>
-          <p:nvPr/>
-        </p:nvSpPr>
-        <p:spPr>
-          <a:xfrm>
-            <a:off x="5791268" y="3710866"/>
-            <a:ext cx="609462" cy="369332"/>
-          </a:xfrm>
-          <a:prstGeom prst="rect">
-            <a:avLst/>
-          </a:prstGeom>
-          <a:noFill/>
-        </p:spPr>
-        <p:txBody>
-          <a:bodyPr wrap="none" rtlCol="0">
-            <a:spAutoFit/>
-          </a:bodyPr>
-          <a:lstStyle/>
-          <a:p>
-            <a:r>
-              <a:rPr lang="en-US" altLang="zh-TW" b="1" dirty="0">
-                <a:latin typeface="微軟正黑體" panose="020B0604030504040204" pitchFamily="34" charset="-120"/>
-                <a:ea typeface="微軟正黑體" panose="020B0604030504040204" pitchFamily="34" charset="-120"/>
-              </a:rPr>
-              <a:t>CSS</a:t>
-            </a:r>
-            <a:endParaRPr lang="zh-TW" altLang="en-US" b="1" dirty="0">
-              <a:latin typeface="微軟正黑體" panose="020B0604030504040204" pitchFamily="34" charset="-120"/>
-              <a:ea typeface="微軟正黑體" panose="020B0604030504040204" pitchFamily="34" charset="-120"/>
-            </a:endParaRPr>
-          </a:p>
-        </p:txBody>
-      </p:sp>
-      <p:sp>
-        <p:nvSpPr>
-          <p:cNvPr id="19" name="文字方塊 18">
-            <a:extLst>
-              <a:ext uri="{FF2B5EF4-FFF2-40B4-BE49-F238E27FC236}">
-                <a16:creationId xmlns:a16="http://schemas.microsoft.com/office/drawing/2014/main" id="{486DF267-1263-4039-AF04-2E135D6B22CE}"/>
-              </a:ext>
-            </a:extLst>
-          </p:cNvPr>
-          <p:cNvSpPr txBox="1"/>
-          <p:nvPr/>
-        </p:nvSpPr>
-        <p:spPr>
-          <a:xfrm>
-            <a:off x="8956822" y="3710866"/>
-            <a:ext cx="1287532" cy="369332"/>
-          </a:xfrm>
-          <a:prstGeom prst="rect">
-            <a:avLst/>
-          </a:prstGeom>
-          <a:noFill/>
-        </p:spPr>
-        <p:txBody>
-          <a:bodyPr wrap="none" rtlCol="0">
-            <a:spAutoFit/>
-          </a:bodyPr>
-          <a:lstStyle/>
-          <a:p>
-            <a:r>
-              <a:rPr lang="en-US" altLang="zh-TW" b="1" dirty="0">
-                <a:latin typeface="微軟正黑體" panose="020B0604030504040204" pitchFamily="34" charset="-120"/>
-                <a:ea typeface="微軟正黑體" panose="020B0604030504040204" pitchFamily="34" charset="-120"/>
-              </a:rPr>
-              <a:t>Bootstrap</a:t>
-            </a:r>
-            <a:endParaRPr lang="zh-TW" altLang="en-US" b="1" dirty="0">
-              <a:latin typeface="微軟正黑體" panose="020B0604030504040204" pitchFamily="34" charset="-120"/>
-              <a:ea typeface="微軟正黑體" panose="020B0604030504040204" pitchFamily="34" charset="-120"/>
-            </a:endParaRPr>
-          </a:p>
-        </p:txBody>
-      </p:sp>
-      <p:sp>
-        <p:nvSpPr>
-          <p:cNvPr id="20" name="文字方塊 19">
-            <a:extLst>
-              <a:ext uri="{FF2B5EF4-FFF2-40B4-BE49-F238E27FC236}">
-                <a16:creationId xmlns:a16="http://schemas.microsoft.com/office/drawing/2014/main" id="{2A12EB27-E3D0-40A9-ADD4-A4CE9FE0F63C}"/>
-              </a:ext>
-            </a:extLst>
-          </p:cNvPr>
-          <p:cNvSpPr txBox="1"/>
-          <p:nvPr/>
-        </p:nvSpPr>
-        <p:spPr>
-          <a:xfrm>
-            <a:off x="1686942" y="6125592"/>
-            <a:ext cx="1302216" cy="369332"/>
-          </a:xfrm>
-          <a:prstGeom prst="rect">
-            <a:avLst/>
-          </a:prstGeom>
-          <a:noFill/>
-        </p:spPr>
-        <p:txBody>
-          <a:bodyPr wrap="none" rtlCol="0">
-            <a:spAutoFit/>
-          </a:bodyPr>
-          <a:lstStyle/>
-          <a:p>
-            <a:r>
-              <a:rPr lang="en-US" altLang="zh-TW" b="1" dirty="0">
-                <a:latin typeface="微軟正黑體" panose="020B0604030504040204" pitchFamily="34" charset="-120"/>
-                <a:ea typeface="微軟正黑體" panose="020B0604030504040204" pitchFamily="34" charset="-120"/>
-              </a:rPr>
-              <a:t>JavaScript</a:t>
-            </a:r>
-            <a:endParaRPr lang="zh-TW" altLang="en-US" b="1" dirty="0">
-              <a:latin typeface="微軟正黑體" panose="020B0604030504040204" pitchFamily="34" charset="-120"/>
-              <a:ea typeface="微軟正黑體" panose="020B0604030504040204" pitchFamily="34" charset="-120"/>
-            </a:endParaRPr>
-          </a:p>
-        </p:txBody>
-      </p:sp>
-      <p:sp>
-        <p:nvSpPr>
-          <p:cNvPr id="21" name="文字方塊 20">
-            <a:extLst>
-              <a:ext uri="{FF2B5EF4-FFF2-40B4-BE49-F238E27FC236}">
-                <a16:creationId xmlns:a16="http://schemas.microsoft.com/office/drawing/2014/main" id="{C0AEA09D-B027-4EA0-AA14-EA52832FE27B}"/>
-              </a:ext>
-            </a:extLst>
-          </p:cNvPr>
-          <p:cNvSpPr txBox="1"/>
-          <p:nvPr/>
-        </p:nvSpPr>
-        <p:spPr>
-          <a:xfrm>
-            <a:off x="5388114" y="6125592"/>
-            <a:ext cx="1398653" cy="369332"/>
-          </a:xfrm>
-          <a:prstGeom prst="rect">
-            <a:avLst/>
-          </a:prstGeom>
-          <a:noFill/>
-        </p:spPr>
-        <p:txBody>
-          <a:bodyPr wrap="none" rtlCol="0">
-            <a:spAutoFit/>
-          </a:bodyPr>
-          <a:lstStyle/>
-          <a:p>
-            <a:r>
-              <a:rPr lang="en-US" altLang="zh-TW" b="1" dirty="0">
-                <a:latin typeface="微軟正黑體" panose="020B0604030504040204" pitchFamily="34" charset="-120"/>
-                <a:ea typeface="微軟正黑體" panose="020B0604030504040204" pitchFamily="34" charset="-120"/>
-              </a:rPr>
-              <a:t>SQL Server</a:t>
-            </a:r>
-            <a:endParaRPr lang="zh-TW" altLang="en-US" b="1" dirty="0">
-              <a:latin typeface="微軟正黑體" panose="020B0604030504040204" pitchFamily="34" charset="-120"/>
-              <a:ea typeface="微軟正黑體" panose="020B0604030504040204" pitchFamily="34" charset="-120"/>
-            </a:endParaRPr>
-          </a:p>
-        </p:txBody>
-      </p:sp>
-      <p:pic>
-        <p:nvPicPr>
-          <p:cNvPr id="3" name="圖片 2">
-            <a:extLst>
-              <a:ext uri="{FF2B5EF4-FFF2-40B4-BE49-F238E27FC236}">
-                <a16:creationId xmlns:a16="http://schemas.microsoft.com/office/drawing/2014/main" id="{E586E604-F240-4E4B-957A-D80CAF4D8DB9}"/>
-              </a:ext>
-            </a:extLst>
-          </p:cNvPr>
-          <p:cNvPicPr>
-            <a:picLocks noChangeAspect="1"/>
-          </p:cNvPicPr>
-          <p:nvPr/>
-        </p:nvPicPr>
-        <p:blipFill>
-          <a:blip r:embed="rId7">
-            <a:extLst>
-              <a:ext uri="{28A0092B-C50C-407E-A947-70E740481C1C}">
-                <a14:useLocalDpi xmlns:a14="http://schemas.microsoft.com/office/drawing/2010/main" val="0"/>
-              </a:ext>
-            </a:extLst>
-          </a:blip>
-          <a:stretch>
-            <a:fillRect/>
-          </a:stretch>
-        </p:blipFill>
-        <p:spPr>
-          <a:xfrm>
-            <a:off x="8742977" y="4289437"/>
-            <a:ext cx="1715222" cy="1715222"/>
-          </a:xfrm>
-          <a:prstGeom prst="rect">
-            <a:avLst/>
-          </a:prstGeom>
-        </p:spPr>
-      </p:pic>
-      <p:sp>
-        <p:nvSpPr>
-          <p:cNvPr id="5" name="文字方塊 4">
-            <a:extLst>
-              <a:ext uri="{FF2B5EF4-FFF2-40B4-BE49-F238E27FC236}">
-                <a16:creationId xmlns:a16="http://schemas.microsoft.com/office/drawing/2014/main" id="{88AE713F-5D46-4D48-8A4B-B449196D51BB}"/>
-              </a:ext>
-            </a:extLst>
-          </p:cNvPr>
-          <p:cNvSpPr txBox="1"/>
-          <p:nvPr/>
-        </p:nvSpPr>
-        <p:spPr>
-          <a:xfrm>
-            <a:off x="9098687" y="6125592"/>
-            <a:ext cx="1003801" cy="369332"/>
-          </a:xfrm>
-          <a:prstGeom prst="rect">
-            <a:avLst/>
-          </a:prstGeom>
-          <a:noFill/>
-        </p:spPr>
-        <p:txBody>
-          <a:bodyPr wrap="none" rtlCol="0">
-            <a:spAutoFit/>
-          </a:bodyPr>
-          <a:lstStyle/>
-          <a:p>
-            <a:r>
-              <a:rPr lang="en-US" altLang="zh-TW" b="1" dirty="0">
-                <a:latin typeface="微軟正黑體" panose="020B0604030504040204" pitchFamily="34" charset="-120"/>
-                <a:ea typeface="微軟正黑體" panose="020B0604030504040204" pitchFamily="34" charset="-120"/>
-              </a:rPr>
-              <a:t>Copilot</a:t>
+              <a:t>製作動機及目的</a:t>
             </a:r>
           </a:p>
         </p:txBody>
@@ -3943,7 +3565,7 @@
     </p:spTree>
     <p:extLst>
       <p:ext uri="{BB962C8B-B14F-4D97-AF65-F5344CB8AC3E}">
-        <p14:creationId xmlns:p14="http://schemas.microsoft.com/office/powerpoint/2010/main" val="3908993717"/>
+        <p14:creationId xmlns:p14="http://schemas.microsoft.com/office/powerpoint/2010/main" val="2797628845"/>
       </p:ext>
     </p:extLst>
   </p:cSld>
@@ -3970,216 +3592,47 @@
           <a:chExt cx="0" cy="0"/>
         </a:xfrm>
       </p:grpSpPr>
-      <p:sp>
-        <p:nvSpPr>
-          <p:cNvPr id="3" name="內容版面配置區 2">
-            <a:extLst>
-              <a:ext uri="{FF2B5EF4-FFF2-40B4-BE49-F238E27FC236}">
-                <a16:creationId xmlns:a16="http://schemas.microsoft.com/office/drawing/2014/main" id="{77E64AB2-40B6-4851-A41F-639C62CBF540}"/>
-              </a:ext>
-            </a:extLst>
-          </p:cNvPr>
-          <p:cNvSpPr>
-            <a:spLocks noGrp="1"/>
-          </p:cNvSpPr>
+      <p:pic>
+        <p:nvPicPr>
+          <p:cNvPr id="6" name="內容版面配置區 5">
+            <a:extLst>
+              <a:ext uri="{FF2B5EF4-FFF2-40B4-BE49-F238E27FC236}">
+                <a16:creationId xmlns:a16="http://schemas.microsoft.com/office/drawing/2014/main" id="{15F6E13A-DF36-4B81-85CA-6E4F7B9C33E6}"/>
+              </a:ext>
+            </a:extLst>
+          </p:cNvPr>
+          <p:cNvPicPr>
+            <a:picLocks noGrp="1" noChangeAspect="1"/>
+          </p:cNvPicPr>
           <p:nvPr>
             <p:ph idx="1"/>
           </p:nvPr>
-        </p:nvSpPr>
-        <p:spPr>
-          <a:xfrm>
-            <a:off x="577049" y="1825625"/>
-            <a:ext cx="10776751" cy="4610686"/>
-          </a:xfrm>
-        </p:spPr>
-        <p:txBody>
-          <a:bodyPr>
-            <a:normAutofit/>
-          </a:bodyPr>
-          <a:lstStyle/>
-          <a:p>
-            <a:r>
-              <a:rPr lang="zh-TW" altLang="en-US" sz="2000" dirty="0">
-                <a:latin typeface="微軟正黑體" panose="020B0604030504040204" pitchFamily="34" charset="-120"/>
-                <a:ea typeface="微軟正黑體" panose="020B0604030504040204" pitchFamily="34" charset="-120"/>
-              </a:rPr>
-              <a:t>遠大售票系統：</a:t>
-            </a:r>
-            <a:endParaRPr lang="en-US" altLang="zh-TW" sz="2000" dirty="0">
-              <a:latin typeface="微軟正黑體" panose="020B0604030504040204" pitchFamily="34" charset="-120"/>
-              <a:ea typeface="微軟正黑體" panose="020B0604030504040204" pitchFamily="34" charset="-120"/>
-            </a:endParaRPr>
-          </a:p>
-          <a:p>
-            <a:pPr marL="0" indent="0">
-              <a:buNone/>
-            </a:pPr>
-            <a:r>
-              <a:rPr lang="zh-TW" altLang="en-US" sz="2000" dirty="0">
-                <a:latin typeface="微軟正黑體" panose="020B0604030504040204" pitchFamily="34" charset="-120"/>
-                <a:ea typeface="微軟正黑體" panose="020B0604030504040204" pitchFamily="34" charset="-120"/>
-              </a:rPr>
-              <a:t>　</a:t>
-            </a:r>
-            <a:r>
-              <a:rPr lang="en-US" altLang="zh-TW" sz="2000" dirty="0">
-                <a:latin typeface="微軟正黑體" panose="020B0604030504040204" pitchFamily="34" charset="-120"/>
-                <a:ea typeface="微軟正黑體" panose="020B0604030504040204" pitchFamily="34" charset="-120"/>
-                <a:hlinkClick r:id="rId2"/>
-              </a:rPr>
-              <a:t>https://ticketplus.com.tw/</a:t>
-            </a:r>
-            <a:endParaRPr lang="en-US" altLang="zh-TW" sz="2000" dirty="0">
-              <a:latin typeface="微軟正黑體" panose="020B0604030504040204" pitchFamily="34" charset="-120"/>
-              <a:ea typeface="微軟正黑體" panose="020B0604030504040204" pitchFamily="34" charset="-120"/>
-            </a:endParaRPr>
-          </a:p>
-          <a:p>
-            <a:endParaRPr lang="en-US" altLang="zh-TW" sz="2000" dirty="0">
-              <a:latin typeface="微軟正黑體" panose="020B0604030504040204" pitchFamily="34" charset="-120"/>
-              <a:ea typeface="微軟正黑體" panose="020B0604030504040204" pitchFamily="34" charset="-120"/>
-            </a:endParaRPr>
-          </a:p>
-          <a:p>
-            <a:r>
-              <a:rPr lang="zh-TW" altLang="en-US" sz="2000" dirty="0">
-                <a:latin typeface="微軟正黑體" panose="020B0604030504040204" pitchFamily="34" charset="-120"/>
-                <a:ea typeface="微軟正黑體" panose="020B0604030504040204" pitchFamily="34" charset="-120"/>
-              </a:rPr>
-              <a:t>寬宏售票系統：</a:t>
-            </a:r>
-            <a:r>
-              <a:rPr lang="en-US" altLang="zh-TW" sz="2000" dirty="0">
-                <a:latin typeface="微軟正黑體" panose="020B0604030504040204" pitchFamily="34" charset="-120"/>
-                <a:ea typeface="微軟正黑體" panose="020B0604030504040204" pitchFamily="34" charset="-120"/>
-                <a:hlinkClick r:id="rId3"/>
-              </a:rPr>
-              <a:t>https://kham.com.tw/application/UTK02/UTK0201_00.aspx?PRODUCT_ID=P0VYZORJ</a:t>
-            </a:r>
-            <a:endParaRPr lang="en-US" altLang="zh-TW" sz="2000" dirty="0">
-              <a:latin typeface="微軟正黑體" panose="020B0604030504040204" pitchFamily="34" charset="-120"/>
-              <a:ea typeface="微軟正黑體" panose="020B0604030504040204" pitchFamily="34" charset="-120"/>
-            </a:endParaRPr>
-          </a:p>
-          <a:p>
-            <a:endParaRPr lang="en-US" altLang="zh-TW" sz="2000" dirty="0">
-              <a:latin typeface="微軟正黑體" panose="020B0604030504040204" pitchFamily="34" charset="-120"/>
-              <a:ea typeface="微軟正黑體" panose="020B0604030504040204" pitchFamily="34" charset="-120"/>
-            </a:endParaRPr>
-          </a:p>
-          <a:p>
-            <a:r>
-              <a:rPr lang="en-US" altLang="zh-TW" sz="2000" dirty="0">
-                <a:latin typeface="微軟正黑體" panose="020B0604030504040204" pitchFamily="34" charset="-120"/>
-                <a:ea typeface="微軟正黑體" panose="020B0604030504040204" pitchFamily="34" charset="-120"/>
-              </a:rPr>
-              <a:t>KKTIX</a:t>
-            </a:r>
-            <a:r>
-              <a:rPr lang="zh-TW" altLang="en-US" sz="2000" dirty="0">
-                <a:latin typeface="微軟正黑體" panose="020B0604030504040204" pitchFamily="34" charset="-120"/>
-                <a:ea typeface="微軟正黑體" panose="020B0604030504040204" pitchFamily="34" charset="-120"/>
-              </a:rPr>
-              <a:t>售票系統：</a:t>
-            </a:r>
-            <a:endParaRPr lang="en-US" altLang="zh-TW" sz="2000" dirty="0">
-              <a:latin typeface="微軟正黑體" panose="020B0604030504040204" pitchFamily="34" charset="-120"/>
-              <a:ea typeface="微軟正黑體" panose="020B0604030504040204" pitchFamily="34" charset="-120"/>
-            </a:endParaRPr>
-          </a:p>
-          <a:p>
-            <a:pPr marL="0" indent="0">
-              <a:buNone/>
-            </a:pPr>
-            <a:r>
-              <a:rPr lang="zh-TW" altLang="en-US" sz="2000" dirty="0">
-                <a:latin typeface="微軟正黑體" panose="020B0604030504040204" pitchFamily="34" charset="-120"/>
-                <a:ea typeface="微軟正黑體" panose="020B0604030504040204" pitchFamily="34" charset="-120"/>
-              </a:rPr>
-              <a:t>　</a:t>
-            </a:r>
-            <a:r>
-              <a:rPr lang="en-US" altLang="zh-TW" sz="2000" dirty="0">
-                <a:latin typeface="微軟正黑體" panose="020B0604030504040204" pitchFamily="34" charset="-120"/>
-                <a:ea typeface="微軟正黑體" panose="020B0604030504040204" pitchFamily="34" charset="-120"/>
-                <a:hlinkClick r:id="rId4"/>
-              </a:rPr>
-              <a:t>https://kktix.com/</a:t>
-            </a:r>
-            <a:endParaRPr lang="en-US" altLang="zh-TW" sz="2000" dirty="0">
-              <a:latin typeface="微軟正黑體" panose="020B0604030504040204" pitchFamily="34" charset="-120"/>
-              <a:ea typeface="微軟正黑體" panose="020B0604030504040204" pitchFamily="34" charset="-120"/>
-            </a:endParaRPr>
-          </a:p>
-          <a:p>
-            <a:pPr marL="0" indent="0">
-              <a:buNone/>
-            </a:pPr>
-            <a:endParaRPr lang="en-US" altLang="zh-TW" sz="2000" dirty="0">
-              <a:latin typeface="微軟正黑體" panose="020B0604030504040204" pitchFamily="34" charset="-120"/>
-              <a:ea typeface="微軟正黑體" panose="020B0604030504040204" pitchFamily="34" charset="-120"/>
-            </a:endParaRPr>
-          </a:p>
-          <a:p>
-            <a:r>
-              <a:rPr lang="en-US" altLang="zh-TW" sz="2000" dirty="0" err="1">
-                <a:latin typeface="Arial" panose="020B0604020202020204" pitchFamily="34" charset="0"/>
-                <a:cs typeface="Arial" panose="020B0604020202020204" pitchFamily="34" charset="0"/>
-              </a:rPr>
-              <a:t>Vaundy</a:t>
-            </a:r>
-            <a:r>
-              <a:rPr lang="en-US" altLang="zh-TW" sz="2000" dirty="0">
-                <a:latin typeface="Arial" panose="020B0604020202020204" pitchFamily="34" charset="0"/>
-                <a:cs typeface="Arial" panose="020B0604020202020204" pitchFamily="34" charset="0"/>
-              </a:rPr>
-              <a:t> DOME TOUR 2026</a:t>
-            </a:r>
-            <a:r>
-              <a:rPr lang="zh-TW" altLang="en-US" sz="2000" dirty="0">
-                <a:latin typeface="Arial" panose="020B0604020202020204" pitchFamily="34" charset="0"/>
-                <a:cs typeface="Arial" panose="020B0604020202020204" pitchFamily="34" charset="0"/>
-              </a:rPr>
-              <a:t>：</a:t>
-            </a:r>
-            <a:endParaRPr lang="en-US" altLang="zh-TW" sz="2000" dirty="0">
-              <a:latin typeface="Arial" panose="020B0604020202020204" pitchFamily="34" charset="0"/>
-              <a:ea typeface="微軟正黑體" panose="020B0604030504040204" pitchFamily="34" charset="-120"/>
-              <a:cs typeface="Arial" panose="020B0604020202020204" pitchFamily="34" charset="0"/>
-            </a:endParaRPr>
-          </a:p>
-          <a:p>
-            <a:pPr marL="0" indent="0">
-              <a:buNone/>
-            </a:pPr>
-            <a:r>
-              <a:rPr lang="zh-TW" altLang="en-US" sz="2000" dirty="0">
-                <a:latin typeface="微軟正黑體" panose="020B0604030504040204" pitchFamily="34" charset="-120"/>
-                <a:ea typeface="微軟正黑體" panose="020B0604030504040204" pitchFamily="34" charset="-120"/>
-              </a:rPr>
-              <a:t>　</a:t>
-            </a:r>
-            <a:r>
-              <a:rPr lang="en-US" altLang="zh-TW" sz="2000" dirty="0">
-                <a:latin typeface="微軟正黑體" panose="020B0604030504040204" pitchFamily="34" charset="-120"/>
-                <a:ea typeface="微軟正黑體" panose="020B0604030504040204" pitchFamily="34" charset="-120"/>
-                <a:hlinkClick r:id="rId5"/>
-              </a:rPr>
-              <a:t>https://member.vaundy.jp/feature/dome_tour_2026</a:t>
-            </a:r>
-            <a:endParaRPr lang="en-US" altLang="zh-TW" sz="2000" dirty="0">
-              <a:latin typeface="微軟正黑體" panose="020B0604030504040204" pitchFamily="34" charset="-120"/>
-              <a:ea typeface="微軟正黑體" panose="020B0604030504040204" pitchFamily="34" charset="-120"/>
-            </a:endParaRPr>
-          </a:p>
-        </p:txBody>
-      </p:sp>
+        </p:nvPicPr>
+        <p:blipFill>
+          <a:blip r:embed="rId2">
+            <a:extLst>
+              <a:ext uri="{28A0092B-C50C-407E-A947-70E740481C1C}">
+                <a14:useLocalDpi xmlns:a14="http://schemas.microsoft.com/office/drawing/2010/main" val="0"/>
+              </a:ext>
+            </a:extLst>
+          </a:blip>
+          <a:stretch>
+            <a:fillRect/>
+          </a:stretch>
+        </p:blipFill>
+        <p:spPr>
+          <a:xfrm>
+            <a:off x="1514482" y="1712011"/>
+            <a:ext cx="1716989" cy="1716989"/>
+          </a:xfrm>
+        </p:spPr>
+      </p:pic>
       <p:sp>
         <p:nvSpPr>
           <p:cNvPr id="4" name="文字方塊 3">
             <a:extLst>
               <a:ext uri="{FF2B5EF4-FFF2-40B4-BE49-F238E27FC236}">
-                <a16:creationId xmlns:a16="http://schemas.microsoft.com/office/drawing/2014/main" id="{FEDF4467-23CB-487A-B52A-65AB6E6D31DA}"/>
+                <a16:creationId xmlns:a16="http://schemas.microsoft.com/office/drawing/2014/main" id="{4DB15DD7-36D8-4D24-A67E-9408FAB95369}"/>
               </a:ext>
             </a:extLst>
           </p:cNvPr>
@@ -4188,7 +3641,7 @@
         </p:nvSpPr>
         <p:spPr>
           <a:xfrm>
-            <a:off x="5080337" y="357871"/>
+            <a:off x="5071777" y="640826"/>
             <a:ext cx="2031325" cy="646331"/>
           </a:xfrm>
           <a:prstGeom prst="rect">
@@ -4207,7 +3660,431 @@
                 <a:latin typeface="微軟正黑體" panose="020B0604030504040204" pitchFamily="34" charset="-120"/>
                 <a:ea typeface="微軟正黑體" panose="020B0604030504040204" pitchFamily="34" charset="-120"/>
               </a:rPr>
-              <a:t>參考網站</a:t>
+              <a:t>使用工具</a:t>
+            </a:r>
+          </a:p>
+        </p:txBody>
+      </p:sp>
+      <p:pic>
+        <p:nvPicPr>
+          <p:cNvPr id="8" name="圖片 7">
+            <a:extLst>
+              <a:ext uri="{FF2B5EF4-FFF2-40B4-BE49-F238E27FC236}">
+                <a16:creationId xmlns:a16="http://schemas.microsoft.com/office/drawing/2014/main" id="{10780E73-CE90-4BCA-9937-F1E94FEE1E81}"/>
+              </a:ext>
+            </a:extLst>
+          </p:cNvPr>
+          <p:cNvPicPr>
+            <a:picLocks noChangeAspect="1"/>
+          </p:cNvPicPr>
+          <p:nvPr/>
+        </p:nvPicPr>
+        <p:blipFill>
+          <a:blip r:embed="rId3">
+            <a:extLst>
+              <a:ext uri="{28A0092B-C50C-407E-A947-70E740481C1C}">
+                <a14:useLocalDpi xmlns:a14="http://schemas.microsoft.com/office/drawing/2010/main" val="0"/>
+              </a:ext>
+            </a:extLst>
+          </a:blip>
+          <a:stretch>
+            <a:fillRect/>
+          </a:stretch>
+        </p:blipFill>
+        <p:spPr>
+          <a:xfrm>
+            <a:off x="4718481" y="1707102"/>
+            <a:ext cx="2755037" cy="1721898"/>
+          </a:xfrm>
+          <a:prstGeom prst="rect">
+            <a:avLst/>
+          </a:prstGeom>
+        </p:spPr>
+      </p:pic>
+      <p:pic>
+        <p:nvPicPr>
+          <p:cNvPr id="10" name="圖片 9">
+            <a:extLst>
+              <a:ext uri="{FF2B5EF4-FFF2-40B4-BE49-F238E27FC236}">
+                <a16:creationId xmlns:a16="http://schemas.microsoft.com/office/drawing/2014/main" id="{DF2D76DC-0BD1-433D-B97F-77DCDD33DD42}"/>
+              </a:ext>
+            </a:extLst>
+          </p:cNvPr>
+          <p:cNvPicPr>
+            <a:picLocks noChangeAspect="1"/>
+          </p:cNvPicPr>
+          <p:nvPr/>
+        </p:nvPicPr>
+        <p:blipFill>
+          <a:blip r:embed="rId4">
+            <a:extLst>
+              <a:ext uri="{28A0092B-C50C-407E-A947-70E740481C1C}">
+                <a14:useLocalDpi xmlns:a14="http://schemas.microsoft.com/office/drawing/2010/main" val="0"/>
+              </a:ext>
+            </a:extLst>
+          </a:blip>
+          <a:stretch>
+            <a:fillRect/>
+          </a:stretch>
+        </p:blipFill>
+        <p:spPr>
+          <a:xfrm>
+            <a:off x="8643855" y="2050742"/>
+            <a:ext cx="1728224" cy="1378258"/>
+          </a:xfrm>
+          <a:prstGeom prst="rect">
+            <a:avLst/>
+          </a:prstGeom>
+        </p:spPr>
+      </p:pic>
+      <p:pic>
+        <p:nvPicPr>
+          <p:cNvPr id="12" name="圖片 11">
+            <a:extLst>
+              <a:ext uri="{FF2B5EF4-FFF2-40B4-BE49-F238E27FC236}">
+                <a16:creationId xmlns:a16="http://schemas.microsoft.com/office/drawing/2014/main" id="{D6C77343-16FF-4DA1-B100-9C1A0820CDCB}"/>
+              </a:ext>
+            </a:extLst>
+          </p:cNvPr>
+          <p:cNvPicPr>
+            <a:picLocks noChangeAspect="1"/>
+          </p:cNvPicPr>
+          <p:nvPr/>
+        </p:nvPicPr>
+        <p:blipFill>
+          <a:blip r:embed="rId5">
+            <a:extLst>
+              <a:ext uri="{28A0092B-C50C-407E-A947-70E740481C1C}">
+                <a14:useLocalDpi xmlns:a14="http://schemas.microsoft.com/office/drawing/2010/main" val="0"/>
+              </a:ext>
+            </a:extLst>
+          </a:blip>
+          <a:stretch>
+            <a:fillRect/>
+          </a:stretch>
+        </p:blipFill>
+        <p:spPr>
+          <a:xfrm>
+            <a:off x="1686942" y="4362064"/>
+            <a:ext cx="1392904" cy="1569968"/>
+          </a:xfrm>
+          <a:prstGeom prst="rect">
+            <a:avLst/>
+          </a:prstGeom>
+        </p:spPr>
+      </p:pic>
+      <p:pic>
+        <p:nvPicPr>
+          <p:cNvPr id="16" name="圖片 15">
+            <a:extLst>
+              <a:ext uri="{FF2B5EF4-FFF2-40B4-BE49-F238E27FC236}">
+                <a16:creationId xmlns:a16="http://schemas.microsoft.com/office/drawing/2014/main" id="{DD2DA604-ECC6-44CE-B273-0E8A14DFF5B2}"/>
+              </a:ext>
+            </a:extLst>
+          </p:cNvPr>
+          <p:cNvPicPr>
+            <a:picLocks noChangeAspect="1"/>
+          </p:cNvPicPr>
+          <p:nvPr/>
+        </p:nvPicPr>
+        <p:blipFill>
+          <a:blip r:embed="rId6">
+            <a:extLst>
+              <a:ext uri="{28A0092B-C50C-407E-A947-70E740481C1C}">
+                <a14:useLocalDpi xmlns:a14="http://schemas.microsoft.com/office/drawing/2010/main" val="0"/>
+              </a:ext>
+            </a:extLst>
+          </a:blip>
+          <a:stretch>
+            <a:fillRect/>
+          </a:stretch>
+        </p:blipFill>
+        <p:spPr>
+          <a:xfrm>
+            <a:off x="5167966" y="4406553"/>
+            <a:ext cx="1856065" cy="1525479"/>
+          </a:xfrm>
+          <a:prstGeom prst="rect">
+            <a:avLst/>
+          </a:prstGeom>
+        </p:spPr>
+      </p:pic>
+      <p:sp>
+        <p:nvSpPr>
+          <p:cNvPr id="17" name="文字方塊 16">
+            <a:extLst>
+              <a:ext uri="{FF2B5EF4-FFF2-40B4-BE49-F238E27FC236}">
+                <a16:creationId xmlns:a16="http://schemas.microsoft.com/office/drawing/2014/main" id="{63D431F7-60C1-4A32-A57E-9008BA3EC52F}"/>
+              </a:ext>
+            </a:extLst>
+          </p:cNvPr>
+          <p:cNvSpPr txBox="1"/>
+          <p:nvPr/>
+        </p:nvSpPr>
+        <p:spPr>
+          <a:xfrm>
+            <a:off x="1957637" y="3710866"/>
+            <a:ext cx="851515" cy="369332"/>
+          </a:xfrm>
+          <a:prstGeom prst="rect">
+            <a:avLst/>
+          </a:prstGeom>
+          <a:noFill/>
+        </p:spPr>
+        <p:txBody>
+          <a:bodyPr wrap="none" rtlCol="0">
+            <a:spAutoFit/>
+          </a:bodyPr>
+          <a:lstStyle/>
+          <a:p>
+            <a:r>
+              <a:rPr lang="en-US" altLang="zh-TW" b="1" dirty="0">
+                <a:latin typeface="微軟正黑體" panose="020B0604030504040204" pitchFamily="34" charset="-120"/>
+                <a:ea typeface="微軟正黑體" panose="020B0604030504040204" pitchFamily="34" charset="-120"/>
+              </a:rPr>
+              <a:t>HTML</a:t>
+            </a:r>
+          </a:p>
+        </p:txBody>
+      </p:sp>
+      <p:sp>
+        <p:nvSpPr>
+          <p:cNvPr id="18" name="文字方塊 17">
+            <a:extLst>
+              <a:ext uri="{FF2B5EF4-FFF2-40B4-BE49-F238E27FC236}">
+                <a16:creationId xmlns:a16="http://schemas.microsoft.com/office/drawing/2014/main" id="{84C1306A-5DA6-4BC1-9110-DDDC26FAB9D0}"/>
+              </a:ext>
+            </a:extLst>
+          </p:cNvPr>
+          <p:cNvSpPr txBox="1"/>
+          <p:nvPr/>
+        </p:nvSpPr>
+        <p:spPr>
+          <a:xfrm>
+            <a:off x="5791268" y="3710866"/>
+            <a:ext cx="609462" cy="369332"/>
+          </a:xfrm>
+          <a:prstGeom prst="rect">
+            <a:avLst/>
+          </a:prstGeom>
+          <a:noFill/>
+        </p:spPr>
+        <p:txBody>
+          <a:bodyPr wrap="none" rtlCol="0">
+            <a:spAutoFit/>
+          </a:bodyPr>
+          <a:lstStyle/>
+          <a:p>
+            <a:r>
+              <a:rPr lang="en-US" altLang="zh-TW" b="1" dirty="0">
+                <a:latin typeface="微軟正黑體" panose="020B0604030504040204" pitchFamily="34" charset="-120"/>
+                <a:ea typeface="微軟正黑體" panose="020B0604030504040204" pitchFamily="34" charset="-120"/>
+              </a:rPr>
+              <a:t>CSS</a:t>
+            </a:r>
+            <a:endParaRPr lang="zh-TW" altLang="en-US" b="1" dirty="0">
+              <a:latin typeface="微軟正黑體" panose="020B0604030504040204" pitchFamily="34" charset="-120"/>
+              <a:ea typeface="微軟正黑體" panose="020B0604030504040204" pitchFamily="34" charset="-120"/>
+            </a:endParaRPr>
+          </a:p>
+        </p:txBody>
+      </p:sp>
+      <p:sp>
+        <p:nvSpPr>
+          <p:cNvPr id="19" name="文字方塊 18">
+            <a:extLst>
+              <a:ext uri="{FF2B5EF4-FFF2-40B4-BE49-F238E27FC236}">
+                <a16:creationId xmlns:a16="http://schemas.microsoft.com/office/drawing/2014/main" id="{486DF267-1263-4039-AF04-2E135D6B22CE}"/>
+              </a:ext>
+            </a:extLst>
+          </p:cNvPr>
+          <p:cNvSpPr txBox="1"/>
+          <p:nvPr/>
+        </p:nvSpPr>
+        <p:spPr>
+          <a:xfrm>
+            <a:off x="8956822" y="3710866"/>
+            <a:ext cx="1287532" cy="369332"/>
+          </a:xfrm>
+          <a:prstGeom prst="rect">
+            <a:avLst/>
+          </a:prstGeom>
+          <a:noFill/>
+        </p:spPr>
+        <p:txBody>
+          <a:bodyPr wrap="none" rtlCol="0">
+            <a:spAutoFit/>
+          </a:bodyPr>
+          <a:lstStyle/>
+          <a:p>
+            <a:r>
+              <a:rPr lang="en-US" altLang="zh-TW" b="1" dirty="0">
+                <a:latin typeface="微軟正黑體" panose="020B0604030504040204" pitchFamily="34" charset="-120"/>
+                <a:ea typeface="微軟正黑體" panose="020B0604030504040204" pitchFamily="34" charset="-120"/>
+              </a:rPr>
+              <a:t>Bootstrap</a:t>
+            </a:r>
+            <a:endParaRPr lang="zh-TW" altLang="en-US" b="1" dirty="0">
+              <a:latin typeface="微軟正黑體" panose="020B0604030504040204" pitchFamily="34" charset="-120"/>
+              <a:ea typeface="微軟正黑體" panose="020B0604030504040204" pitchFamily="34" charset="-120"/>
+            </a:endParaRPr>
+          </a:p>
+        </p:txBody>
+      </p:sp>
+      <p:sp>
+        <p:nvSpPr>
+          <p:cNvPr id="20" name="文字方塊 19">
+            <a:extLst>
+              <a:ext uri="{FF2B5EF4-FFF2-40B4-BE49-F238E27FC236}">
+                <a16:creationId xmlns:a16="http://schemas.microsoft.com/office/drawing/2014/main" id="{2A12EB27-E3D0-40A9-ADD4-A4CE9FE0F63C}"/>
+              </a:ext>
+            </a:extLst>
+          </p:cNvPr>
+          <p:cNvSpPr txBox="1"/>
+          <p:nvPr/>
+        </p:nvSpPr>
+        <p:spPr>
+          <a:xfrm>
+            <a:off x="1686942" y="6125592"/>
+            <a:ext cx="1302216" cy="369332"/>
+          </a:xfrm>
+          <a:prstGeom prst="rect">
+            <a:avLst/>
+          </a:prstGeom>
+          <a:noFill/>
+        </p:spPr>
+        <p:txBody>
+          <a:bodyPr wrap="none" rtlCol="0">
+            <a:spAutoFit/>
+          </a:bodyPr>
+          <a:lstStyle/>
+          <a:p>
+            <a:r>
+              <a:rPr lang="en-US" altLang="zh-TW" b="1" dirty="0">
+                <a:latin typeface="微軟正黑體" panose="020B0604030504040204" pitchFamily="34" charset="-120"/>
+                <a:ea typeface="微軟正黑體" panose="020B0604030504040204" pitchFamily="34" charset="-120"/>
+              </a:rPr>
+              <a:t>JavaScript</a:t>
+            </a:r>
+            <a:endParaRPr lang="zh-TW" altLang="en-US" b="1" dirty="0">
+              <a:latin typeface="微軟正黑體" panose="020B0604030504040204" pitchFamily="34" charset="-120"/>
+              <a:ea typeface="微軟正黑體" panose="020B0604030504040204" pitchFamily="34" charset="-120"/>
+            </a:endParaRPr>
+          </a:p>
+        </p:txBody>
+      </p:sp>
+      <p:sp>
+        <p:nvSpPr>
+          <p:cNvPr id="21" name="文字方塊 20">
+            <a:extLst>
+              <a:ext uri="{FF2B5EF4-FFF2-40B4-BE49-F238E27FC236}">
+                <a16:creationId xmlns:a16="http://schemas.microsoft.com/office/drawing/2014/main" id="{C0AEA09D-B027-4EA0-AA14-EA52832FE27B}"/>
+              </a:ext>
+            </a:extLst>
+          </p:cNvPr>
+          <p:cNvSpPr txBox="1"/>
+          <p:nvPr/>
+        </p:nvSpPr>
+        <p:spPr>
+          <a:xfrm>
+            <a:off x="5388114" y="6125592"/>
+            <a:ext cx="1398653" cy="369332"/>
+          </a:xfrm>
+          <a:prstGeom prst="rect">
+            <a:avLst/>
+          </a:prstGeom>
+          <a:noFill/>
+        </p:spPr>
+        <p:txBody>
+          <a:bodyPr wrap="none" rtlCol="0">
+            <a:spAutoFit/>
+          </a:bodyPr>
+          <a:lstStyle/>
+          <a:p>
+            <a:r>
+              <a:rPr lang="en-US" altLang="zh-TW" b="1" dirty="0">
+                <a:latin typeface="微軟正黑體" panose="020B0604030504040204" pitchFamily="34" charset="-120"/>
+                <a:ea typeface="微軟正黑體" panose="020B0604030504040204" pitchFamily="34" charset="-120"/>
+              </a:rPr>
+              <a:t>SQL Server</a:t>
+            </a:r>
+            <a:endParaRPr lang="zh-TW" altLang="en-US" b="1" dirty="0">
+              <a:latin typeface="微軟正黑體" panose="020B0604030504040204" pitchFamily="34" charset="-120"/>
+              <a:ea typeface="微軟正黑體" panose="020B0604030504040204" pitchFamily="34" charset="-120"/>
+            </a:endParaRPr>
+          </a:p>
+        </p:txBody>
+      </p:sp>
+      <p:pic>
+        <p:nvPicPr>
+          <p:cNvPr id="3" name="圖片 2">
+            <a:extLst>
+              <a:ext uri="{FF2B5EF4-FFF2-40B4-BE49-F238E27FC236}">
+                <a16:creationId xmlns:a16="http://schemas.microsoft.com/office/drawing/2014/main" id="{E586E604-F240-4E4B-957A-D80CAF4D8DB9}"/>
+              </a:ext>
+            </a:extLst>
+          </p:cNvPr>
+          <p:cNvPicPr>
+            <a:picLocks noChangeAspect="1"/>
+          </p:cNvPicPr>
+          <p:nvPr/>
+        </p:nvPicPr>
+        <p:blipFill>
+          <a:blip r:embed="rId7">
+            <a:extLst>
+              <a:ext uri="{28A0092B-C50C-407E-A947-70E740481C1C}">
+                <a14:useLocalDpi xmlns:a14="http://schemas.microsoft.com/office/drawing/2010/main" val="0"/>
+              </a:ext>
+            </a:extLst>
+          </a:blip>
+          <a:stretch>
+            <a:fillRect/>
+          </a:stretch>
+        </p:blipFill>
+        <p:spPr>
+          <a:xfrm>
+            <a:off x="8742977" y="4289437"/>
+            <a:ext cx="1715222" cy="1715222"/>
+          </a:xfrm>
+          <a:prstGeom prst="rect">
+            <a:avLst/>
+          </a:prstGeom>
+        </p:spPr>
+      </p:pic>
+      <p:sp>
+        <p:nvSpPr>
+          <p:cNvPr id="5" name="文字方塊 4">
+            <a:extLst>
+              <a:ext uri="{FF2B5EF4-FFF2-40B4-BE49-F238E27FC236}">
+                <a16:creationId xmlns:a16="http://schemas.microsoft.com/office/drawing/2014/main" id="{88AE713F-5D46-4D48-8A4B-B449196D51BB}"/>
+              </a:ext>
+            </a:extLst>
+          </p:cNvPr>
+          <p:cNvSpPr txBox="1"/>
+          <p:nvPr/>
+        </p:nvSpPr>
+        <p:spPr>
+          <a:xfrm>
+            <a:off x="9098687" y="6125592"/>
+            <a:ext cx="1003801" cy="369332"/>
+          </a:xfrm>
+          <a:prstGeom prst="rect">
+            <a:avLst/>
+          </a:prstGeom>
+          <a:noFill/>
+        </p:spPr>
+        <p:txBody>
+          <a:bodyPr wrap="none" rtlCol="0">
+            <a:spAutoFit/>
+          </a:bodyPr>
+          <a:lstStyle/>
+          <a:p>
+            <a:r>
+              <a:rPr lang="en-US" altLang="zh-TW" b="1" dirty="0">
+                <a:latin typeface="微軟正黑體" panose="020B0604030504040204" pitchFamily="34" charset="-120"/>
+                <a:ea typeface="微軟正黑體" panose="020B0604030504040204" pitchFamily="34" charset="-120"/>
+              </a:rPr>
+              <a:t>Copilot</a:t>
             </a:r>
           </a:p>
         </p:txBody>
@@ -4215,7 +4092,7 @@
     </p:spTree>
     <p:extLst>
       <p:ext uri="{BB962C8B-B14F-4D97-AF65-F5344CB8AC3E}">
-        <p14:creationId xmlns:p14="http://schemas.microsoft.com/office/powerpoint/2010/main" val="653149730"/>
+        <p14:creationId xmlns:p14="http://schemas.microsoft.com/office/powerpoint/2010/main" val="3908993717"/>
       </p:ext>
     </p:extLst>
   </p:cSld>
@@ -4242,226 +4119,216 @@
           <a:chExt cx="0" cy="0"/>
         </a:xfrm>
       </p:grpSpPr>
-      <p:pic>
-        <p:nvPicPr>
-          <p:cNvPr id="4" name="圖片 3">
-            <a:extLst>
-              <a:ext uri="{FF2B5EF4-FFF2-40B4-BE49-F238E27FC236}">
-                <a16:creationId xmlns:a16="http://schemas.microsoft.com/office/drawing/2014/main" id="{96B271D0-BB4F-49C5-A28E-6C20BCB17C40}"/>
-              </a:ext>
-            </a:extLst>
-          </p:cNvPr>
-          <p:cNvPicPr>
-            <a:picLocks noChangeAspect="1"/>
-          </p:cNvPicPr>
-          <p:nvPr/>
-        </p:nvPicPr>
-        <p:blipFill>
-          <a:blip r:embed="rId2"/>
-          <a:stretch>
-            <a:fillRect/>
-          </a:stretch>
-        </p:blipFill>
-        <p:spPr>
-          <a:xfrm>
-            <a:off x="758301" y="1415989"/>
-            <a:ext cx="4355746" cy="2075154"/>
-          </a:xfrm>
-          <a:prstGeom prst="roundRect">
-            <a:avLst>
-              <a:gd name="adj" fmla="val 16667"/>
-            </a:avLst>
-          </a:prstGeom>
-          <a:ln>
-            <a:noFill/>
-          </a:ln>
-          <a:effectLst>
-            <a:outerShdw blurRad="76200" dist="38100" dir="7800000" algn="tl" rotWithShape="0">
-              <a:srgbClr val="000000">
-                <a:alpha val="40000"/>
-              </a:srgbClr>
-            </a:outerShdw>
-          </a:effectLst>
-          <a:scene3d>
-            <a:camera prst="orthographicFront"/>
-            <a:lightRig rig="contrasting" dir="t">
-              <a:rot lat="0" lon="0" rev="4200000"/>
-            </a:lightRig>
-          </a:scene3d>
-          <a:sp3d prstMaterial="plastic">
-            <a:bevelT w="381000" h="114300" prst="relaxedInset"/>
-            <a:contourClr>
-              <a:srgbClr val="969696"/>
-            </a:contourClr>
-          </a:sp3d>
-        </p:spPr>
-      </p:pic>
-      <p:pic>
-        <p:nvPicPr>
-          <p:cNvPr id="6" name="圖片 5">
-            <a:extLst>
-              <a:ext uri="{FF2B5EF4-FFF2-40B4-BE49-F238E27FC236}">
-                <a16:creationId xmlns:a16="http://schemas.microsoft.com/office/drawing/2014/main" id="{AB7B2DB4-282B-4775-A07E-1C16F27C4AB3}"/>
-              </a:ext>
-            </a:extLst>
-          </p:cNvPr>
-          <p:cNvPicPr>
-            <a:picLocks noChangeAspect="1"/>
-          </p:cNvPicPr>
-          <p:nvPr/>
-        </p:nvPicPr>
-        <p:blipFill rotWithShape="1">
-          <a:blip r:embed="rId3"/>
-          <a:srcRect l="5070" r="5494"/>
-          <a:stretch/>
-        </p:blipFill>
-        <p:spPr>
-          <a:xfrm>
-            <a:off x="5769745" y="1384917"/>
-            <a:ext cx="5663954" cy="2137297"/>
-          </a:xfrm>
-          <a:prstGeom prst="roundRect">
-            <a:avLst>
-              <a:gd name="adj" fmla="val 16667"/>
-            </a:avLst>
-          </a:prstGeom>
-          <a:ln>
-            <a:noFill/>
-          </a:ln>
-          <a:effectLst>
-            <a:outerShdw blurRad="76200" dist="38100" dir="7800000" algn="tl" rotWithShape="0">
-              <a:srgbClr val="000000">
-                <a:alpha val="40000"/>
-              </a:srgbClr>
-            </a:outerShdw>
-          </a:effectLst>
-          <a:scene3d>
-            <a:camera prst="orthographicFront"/>
-            <a:lightRig rig="contrasting" dir="t">
-              <a:rot lat="0" lon="0" rev="4200000"/>
-            </a:lightRig>
-          </a:scene3d>
-          <a:sp3d prstMaterial="plastic">
-            <a:bevelT w="381000" h="114300" prst="relaxedInset"/>
-            <a:contourClr>
-              <a:srgbClr val="969696"/>
-            </a:contourClr>
-          </a:sp3d>
-        </p:spPr>
-      </p:pic>
-      <p:pic>
-        <p:nvPicPr>
-          <p:cNvPr id="7" name="圖片 6">
-            <a:extLst>
-              <a:ext uri="{FF2B5EF4-FFF2-40B4-BE49-F238E27FC236}">
-                <a16:creationId xmlns:a16="http://schemas.microsoft.com/office/drawing/2014/main" id="{84F9CDF0-3743-488A-9FE6-2A7E0A0BC5E8}"/>
-              </a:ext>
-            </a:extLst>
-          </p:cNvPr>
-          <p:cNvPicPr>
-            <a:picLocks noChangeAspect="1"/>
-          </p:cNvPicPr>
-          <p:nvPr/>
-        </p:nvPicPr>
-        <p:blipFill>
-          <a:blip r:embed="rId4"/>
-          <a:stretch>
-            <a:fillRect/>
-          </a:stretch>
-        </p:blipFill>
-        <p:spPr>
-          <a:xfrm>
-            <a:off x="937181" y="4315483"/>
-            <a:ext cx="3997985" cy="2356086"/>
-          </a:xfrm>
-          <a:prstGeom prst="roundRect">
-            <a:avLst>
-              <a:gd name="adj" fmla="val 16667"/>
-            </a:avLst>
-          </a:prstGeom>
-          <a:ln>
-            <a:noFill/>
-          </a:ln>
-          <a:effectLst>
-            <a:outerShdw blurRad="76200" dist="38100" dir="7800000" algn="tl" rotWithShape="0">
-              <a:srgbClr val="000000">
-                <a:alpha val="40000"/>
-              </a:srgbClr>
-            </a:outerShdw>
-          </a:effectLst>
-          <a:scene3d>
-            <a:camera prst="orthographicFront"/>
-            <a:lightRig rig="contrasting" dir="t">
-              <a:rot lat="0" lon="0" rev="4200000"/>
-            </a:lightRig>
-          </a:scene3d>
-          <a:sp3d prstMaterial="plastic">
-            <a:bevelT w="381000" h="114300" prst="relaxedInset"/>
-            <a:contourClr>
-              <a:srgbClr val="969696"/>
-            </a:contourClr>
-          </a:sp3d>
-        </p:spPr>
-      </p:pic>
-      <p:pic>
-        <p:nvPicPr>
-          <p:cNvPr id="8" name="圖片 7">
-            <a:extLst>
-              <a:ext uri="{FF2B5EF4-FFF2-40B4-BE49-F238E27FC236}">
-                <a16:creationId xmlns:a16="http://schemas.microsoft.com/office/drawing/2014/main" id="{E3CF6BA6-057D-4539-9D65-462FD8A2CF3B}"/>
-              </a:ext>
-            </a:extLst>
-          </p:cNvPr>
-          <p:cNvPicPr>
-            <a:picLocks noChangeAspect="1"/>
-          </p:cNvPicPr>
-          <p:nvPr/>
-        </p:nvPicPr>
-        <p:blipFill rotWithShape="1">
-          <a:blip r:embed="rId5"/>
-          <a:srcRect l="1627" r="2354"/>
-          <a:stretch/>
-        </p:blipFill>
-        <p:spPr>
-          <a:xfrm>
-            <a:off x="5645087" y="4487552"/>
-            <a:ext cx="5913269" cy="1971061"/>
-          </a:xfrm>
-          <a:prstGeom prst="roundRect">
-            <a:avLst>
-              <a:gd name="adj" fmla="val 16667"/>
-            </a:avLst>
-          </a:prstGeom>
-          <a:ln>
-            <a:noFill/>
-          </a:ln>
-          <a:effectLst>
-            <a:outerShdw blurRad="76200" dist="38100" dir="7800000" algn="tl" rotWithShape="0">
-              <a:srgbClr val="000000">
-                <a:alpha val="40000"/>
-              </a:srgbClr>
-            </a:outerShdw>
-          </a:effectLst>
-          <a:scene3d>
-            <a:camera prst="orthographicFront"/>
-            <a:lightRig rig="contrasting" dir="t">
-              <a:rot lat="0" lon="0" rev="4200000"/>
-            </a:lightRig>
-          </a:scene3d>
-          <a:sp3d prstMaterial="plastic">
-            <a:bevelT w="381000" h="114300" prst="relaxedInset"/>
-            <a:contourClr>
-              <a:srgbClr val="969696"/>
-            </a:contourClr>
-          </a:sp3d>
-        </p:spPr>
-      </p:pic>
-      <p:sp>
-        <p:nvSpPr>
-          <p:cNvPr id="9" name="文字方塊 8">
-            <a:extLst>
-              <a:ext uri="{FF2B5EF4-FFF2-40B4-BE49-F238E27FC236}">
-                <a16:creationId xmlns:a16="http://schemas.microsoft.com/office/drawing/2014/main" id="{5FA21DEE-389B-41CE-8608-03ABFE1102FC}"/>
+      <p:sp>
+        <p:nvSpPr>
+          <p:cNvPr id="3" name="內容版面配置區 2">
+            <a:extLst>
+              <a:ext uri="{FF2B5EF4-FFF2-40B4-BE49-F238E27FC236}">
+                <a16:creationId xmlns:a16="http://schemas.microsoft.com/office/drawing/2014/main" id="{77E64AB2-40B6-4851-A41F-639C62CBF540}"/>
+              </a:ext>
+            </a:extLst>
+          </p:cNvPr>
+          <p:cNvSpPr>
+            <a:spLocks noGrp="1"/>
+          </p:cNvSpPr>
+          <p:nvPr>
+            <p:ph idx="1"/>
+          </p:nvPr>
+        </p:nvSpPr>
+        <p:spPr>
+          <a:xfrm>
+            <a:off x="577049" y="1825625"/>
+            <a:ext cx="10776751" cy="4610686"/>
+          </a:xfrm>
+        </p:spPr>
+        <p:txBody>
+          <a:bodyPr>
+            <a:normAutofit/>
+          </a:bodyPr>
+          <a:lstStyle/>
+          <a:p>
+            <a:r>
+              <a:rPr lang="zh-TW" altLang="en-US" sz="2000" dirty="0">
+                <a:latin typeface="微軟正黑體" panose="020B0604030504040204" pitchFamily="34" charset="-120"/>
+                <a:ea typeface="微軟正黑體" panose="020B0604030504040204" pitchFamily="34" charset="-120"/>
+              </a:rPr>
+              <a:t>遠大售票系統：</a:t>
+            </a:r>
+            <a:endParaRPr lang="en-US" altLang="zh-TW" sz="2000" dirty="0">
+              <a:latin typeface="微軟正黑體" panose="020B0604030504040204" pitchFamily="34" charset="-120"/>
+              <a:ea typeface="微軟正黑體" panose="020B0604030504040204" pitchFamily="34" charset="-120"/>
+            </a:endParaRPr>
+          </a:p>
+          <a:p>
+            <a:pPr marL="0" indent="0">
+              <a:buNone/>
+            </a:pPr>
+            <a:r>
+              <a:rPr lang="zh-TW" altLang="en-US" sz="2000" dirty="0">
+                <a:latin typeface="微軟正黑體" panose="020B0604030504040204" pitchFamily="34" charset="-120"/>
+                <a:ea typeface="微軟正黑體" panose="020B0604030504040204" pitchFamily="34" charset="-120"/>
+              </a:rPr>
+              <a:t>　</a:t>
+            </a:r>
+            <a:r>
+              <a:rPr lang="en-US" altLang="zh-TW" sz="2000" dirty="0">
+                <a:latin typeface="微軟正黑體" panose="020B0604030504040204" pitchFamily="34" charset="-120"/>
+                <a:ea typeface="微軟正黑體" panose="020B0604030504040204" pitchFamily="34" charset="-120"/>
+                <a:hlinkClick r:id="rId2"/>
+              </a:rPr>
+              <a:t>https://ticketplus.com.tw/</a:t>
+            </a:r>
+            <a:endParaRPr lang="en-US" altLang="zh-TW" sz="2000" dirty="0">
+              <a:latin typeface="微軟正黑體" panose="020B0604030504040204" pitchFamily="34" charset="-120"/>
+              <a:ea typeface="微軟正黑體" panose="020B0604030504040204" pitchFamily="34" charset="-120"/>
+            </a:endParaRPr>
+          </a:p>
+          <a:p>
+            <a:endParaRPr lang="en-US" altLang="zh-TW" sz="2000" dirty="0">
+              <a:latin typeface="微軟正黑體" panose="020B0604030504040204" pitchFamily="34" charset="-120"/>
+              <a:ea typeface="微軟正黑體" panose="020B0604030504040204" pitchFamily="34" charset="-120"/>
+            </a:endParaRPr>
+          </a:p>
+          <a:p>
+            <a:r>
+              <a:rPr lang="zh-TW" altLang="en-US" sz="2000" dirty="0">
+                <a:latin typeface="微軟正黑體" panose="020B0604030504040204" pitchFamily="34" charset="-120"/>
+                <a:ea typeface="微軟正黑體" panose="020B0604030504040204" pitchFamily="34" charset="-120"/>
+              </a:rPr>
+              <a:t>寬宏售票系統：</a:t>
+            </a:r>
+            <a:r>
+              <a:rPr lang="en-US" altLang="zh-TW" sz="2000" dirty="0">
+                <a:latin typeface="微軟正黑體" panose="020B0604030504040204" pitchFamily="34" charset="-120"/>
+                <a:ea typeface="微軟正黑體" panose="020B0604030504040204" pitchFamily="34" charset="-120"/>
+                <a:hlinkClick r:id="rId3"/>
+              </a:rPr>
+              <a:t>https://kham.com.tw/application/UTK02/UTK0201_00.aspx?PRODUCT_ID=P0VYZORJ</a:t>
+            </a:r>
+            <a:endParaRPr lang="en-US" altLang="zh-TW" sz="2000" dirty="0">
+              <a:latin typeface="微軟正黑體" panose="020B0604030504040204" pitchFamily="34" charset="-120"/>
+              <a:ea typeface="微軟正黑體" panose="020B0604030504040204" pitchFamily="34" charset="-120"/>
+            </a:endParaRPr>
+          </a:p>
+          <a:p>
+            <a:endParaRPr lang="en-US" altLang="zh-TW" sz="2000" dirty="0">
+              <a:latin typeface="微軟正黑體" panose="020B0604030504040204" pitchFamily="34" charset="-120"/>
+              <a:ea typeface="微軟正黑體" panose="020B0604030504040204" pitchFamily="34" charset="-120"/>
+            </a:endParaRPr>
+          </a:p>
+          <a:p>
+            <a:r>
+              <a:rPr lang="en-US" altLang="zh-TW" sz="2000" dirty="0">
+                <a:latin typeface="微軟正黑體" panose="020B0604030504040204" pitchFamily="34" charset="-120"/>
+                <a:ea typeface="微軟正黑體" panose="020B0604030504040204" pitchFamily="34" charset="-120"/>
+              </a:rPr>
+              <a:t>KKTIX</a:t>
+            </a:r>
+            <a:r>
+              <a:rPr lang="zh-TW" altLang="en-US" sz="2000" dirty="0">
+                <a:latin typeface="微軟正黑體" panose="020B0604030504040204" pitchFamily="34" charset="-120"/>
+                <a:ea typeface="微軟正黑體" panose="020B0604030504040204" pitchFamily="34" charset="-120"/>
+              </a:rPr>
+              <a:t>售票系統：</a:t>
+            </a:r>
+            <a:endParaRPr lang="en-US" altLang="zh-TW" sz="2000" dirty="0">
+              <a:latin typeface="微軟正黑體" panose="020B0604030504040204" pitchFamily="34" charset="-120"/>
+              <a:ea typeface="微軟正黑體" panose="020B0604030504040204" pitchFamily="34" charset="-120"/>
+            </a:endParaRPr>
+          </a:p>
+          <a:p>
+            <a:pPr marL="0" indent="0">
+              <a:buNone/>
+            </a:pPr>
+            <a:r>
+              <a:rPr lang="zh-TW" altLang="en-US" sz="2000" dirty="0">
+                <a:latin typeface="微軟正黑體" panose="020B0604030504040204" pitchFamily="34" charset="-120"/>
+                <a:ea typeface="微軟正黑體" panose="020B0604030504040204" pitchFamily="34" charset="-120"/>
+              </a:rPr>
+              <a:t>　</a:t>
+            </a:r>
+            <a:r>
+              <a:rPr lang="en-US" altLang="zh-TW" sz="2000" dirty="0">
+                <a:latin typeface="微軟正黑體" panose="020B0604030504040204" pitchFamily="34" charset="-120"/>
+                <a:ea typeface="微軟正黑體" panose="020B0604030504040204" pitchFamily="34" charset="-120"/>
+                <a:hlinkClick r:id="rId4"/>
+              </a:rPr>
+              <a:t>https://kktix.com/</a:t>
+            </a:r>
+            <a:endParaRPr lang="en-US" altLang="zh-TW" sz="2000" dirty="0">
+              <a:latin typeface="微軟正黑體" panose="020B0604030504040204" pitchFamily="34" charset="-120"/>
+              <a:ea typeface="微軟正黑體" panose="020B0604030504040204" pitchFamily="34" charset="-120"/>
+            </a:endParaRPr>
+          </a:p>
+          <a:p>
+            <a:pPr marL="0" indent="0">
+              <a:buNone/>
+            </a:pPr>
+            <a:endParaRPr lang="en-US" altLang="zh-TW" sz="2000" dirty="0">
+              <a:latin typeface="微軟正黑體" panose="020B0604030504040204" pitchFamily="34" charset="-120"/>
+              <a:ea typeface="微軟正黑體" panose="020B0604030504040204" pitchFamily="34" charset="-120"/>
+            </a:endParaRPr>
+          </a:p>
+          <a:p>
+            <a:r>
+              <a:rPr lang="en-US" altLang="zh-TW" sz="2000" dirty="0" err="1">
+                <a:latin typeface="Arial" panose="020B0604020202020204" pitchFamily="34" charset="0"/>
+                <a:cs typeface="Arial" panose="020B0604020202020204" pitchFamily="34" charset="0"/>
+              </a:rPr>
+              <a:t>Vaundy</a:t>
+            </a:r>
+            <a:r>
+              <a:rPr lang="en-US" altLang="zh-TW" sz="2000" dirty="0">
+                <a:latin typeface="Arial" panose="020B0604020202020204" pitchFamily="34" charset="0"/>
+                <a:cs typeface="Arial" panose="020B0604020202020204" pitchFamily="34" charset="0"/>
+              </a:rPr>
+              <a:t> DOME TOUR 2026</a:t>
+            </a:r>
+            <a:r>
+              <a:rPr lang="zh-TW" altLang="en-US" sz="2000" dirty="0">
+                <a:latin typeface="Arial" panose="020B0604020202020204" pitchFamily="34" charset="0"/>
+                <a:cs typeface="Arial" panose="020B0604020202020204" pitchFamily="34" charset="0"/>
+              </a:rPr>
+              <a:t>：</a:t>
+            </a:r>
+            <a:endParaRPr lang="en-US" altLang="zh-TW" sz="2000" dirty="0">
+              <a:latin typeface="Arial" panose="020B0604020202020204" pitchFamily="34" charset="0"/>
+              <a:ea typeface="微軟正黑體" panose="020B0604030504040204" pitchFamily="34" charset="-120"/>
+              <a:cs typeface="Arial" panose="020B0604020202020204" pitchFamily="34" charset="0"/>
+            </a:endParaRPr>
+          </a:p>
+          <a:p>
+            <a:pPr marL="0" indent="0">
+              <a:buNone/>
+            </a:pPr>
+            <a:r>
+              <a:rPr lang="zh-TW" altLang="en-US" sz="2000" dirty="0">
+                <a:latin typeface="微軟正黑體" panose="020B0604030504040204" pitchFamily="34" charset="-120"/>
+                <a:ea typeface="微軟正黑體" panose="020B0604030504040204" pitchFamily="34" charset="-120"/>
+              </a:rPr>
+              <a:t>　</a:t>
+            </a:r>
+            <a:r>
+              <a:rPr lang="en-US" altLang="zh-TW" sz="2000" dirty="0">
+                <a:latin typeface="微軟正黑體" panose="020B0604030504040204" pitchFamily="34" charset="-120"/>
+                <a:ea typeface="微軟正黑體" panose="020B0604030504040204" pitchFamily="34" charset="-120"/>
+                <a:hlinkClick r:id="rId5"/>
+              </a:rPr>
+              <a:t>https://member.vaundy.jp/feature/dome_tour_2026</a:t>
+            </a:r>
+            <a:endParaRPr lang="en-US" altLang="zh-TW" sz="2000" dirty="0">
+              <a:latin typeface="微軟正黑體" panose="020B0604030504040204" pitchFamily="34" charset="-120"/>
+              <a:ea typeface="微軟正黑體" panose="020B0604030504040204" pitchFamily="34" charset="-120"/>
+            </a:endParaRPr>
+          </a:p>
+        </p:txBody>
+      </p:sp>
+      <p:sp>
+        <p:nvSpPr>
+          <p:cNvPr id="4" name="文字方塊 3">
+            <a:extLst>
+              <a:ext uri="{FF2B5EF4-FFF2-40B4-BE49-F238E27FC236}">
+                <a16:creationId xmlns:a16="http://schemas.microsoft.com/office/drawing/2014/main" id="{FEDF4467-23CB-487A-B52A-65AB6E6D31DA}"/>
               </a:ext>
             </a:extLst>
           </p:cNvPr>
@@ -4470,8 +4337,8 @@
         </p:nvSpPr>
         <p:spPr>
           <a:xfrm>
-            <a:off x="2636668" y="861134"/>
-            <a:ext cx="646331" cy="369332"/>
+            <a:off x="5080337" y="357871"/>
+            <a:ext cx="2031325" cy="646331"/>
           </a:xfrm>
           <a:prstGeom prst="rect">
             <a:avLst/>
@@ -4485,163 +4352,11 @@
           <a:lstStyle/>
           <a:p>
             <a:r>
-              <a:rPr lang="zh-TW" altLang="en-US" b="1" dirty="0">
-                <a:latin typeface="微軟正黑體" panose="020B0604030504040204" pitchFamily="34" charset="-120"/>
-                <a:ea typeface="微軟正黑體" panose="020B0604030504040204" pitchFamily="34" charset="-120"/>
-              </a:rPr>
-              <a:t>主頁</a:t>
-            </a:r>
-          </a:p>
-        </p:txBody>
-      </p:sp>
-      <p:sp>
-        <p:nvSpPr>
-          <p:cNvPr id="10" name="文字方塊 9">
-            <a:extLst>
-              <a:ext uri="{FF2B5EF4-FFF2-40B4-BE49-F238E27FC236}">
-                <a16:creationId xmlns:a16="http://schemas.microsoft.com/office/drawing/2014/main" id="{6DDBCB06-D5A5-4E29-8CD4-20DFEB1793DD}"/>
-              </a:ext>
-            </a:extLst>
-          </p:cNvPr>
-          <p:cNvSpPr txBox="1"/>
-          <p:nvPr/>
-        </p:nvSpPr>
-        <p:spPr>
-          <a:xfrm>
-            <a:off x="8047723" y="861134"/>
-            <a:ext cx="1107996" cy="369332"/>
-          </a:xfrm>
-          <a:prstGeom prst="rect">
-            <a:avLst/>
-          </a:prstGeom>
-          <a:noFill/>
-        </p:spPr>
-        <p:txBody>
-          <a:bodyPr wrap="none" rtlCol="0">
-            <a:spAutoFit/>
-          </a:bodyPr>
-          <a:lstStyle/>
-          <a:p>
-            <a:r>
-              <a:rPr lang="zh-TW" altLang="en-US" b="1" dirty="0">
-                <a:latin typeface="微軟正黑體" panose="020B0604030504040204" pitchFamily="34" charset="-120"/>
-                <a:ea typeface="微軟正黑體" panose="020B0604030504040204" pitchFamily="34" charset="-120"/>
-              </a:rPr>
-              <a:t>活動一覽</a:t>
-            </a:r>
-          </a:p>
-        </p:txBody>
-      </p:sp>
-      <p:sp>
-        <p:nvSpPr>
-          <p:cNvPr id="11" name="文字方塊 10">
-            <a:extLst>
-              <a:ext uri="{FF2B5EF4-FFF2-40B4-BE49-F238E27FC236}">
-                <a16:creationId xmlns:a16="http://schemas.microsoft.com/office/drawing/2014/main" id="{73FE07F6-5693-4ACE-85E2-41448459228B}"/>
-              </a:ext>
-            </a:extLst>
-          </p:cNvPr>
-          <p:cNvSpPr txBox="1"/>
-          <p:nvPr/>
-        </p:nvSpPr>
-        <p:spPr>
-          <a:xfrm>
-            <a:off x="2382175" y="3861786"/>
-            <a:ext cx="1107996" cy="369332"/>
-          </a:xfrm>
-          <a:prstGeom prst="rect">
-            <a:avLst/>
-          </a:prstGeom>
-          <a:noFill/>
-        </p:spPr>
-        <p:txBody>
-          <a:bodyPr wrap="none" rtlCol="0">
-            <a:spAutoFit/>
-          </a:bodyPr>
-          <a:lstStyle/>
-          <a:p>
-            <a:r>
-              <a:rPr lang="zh-TW" altLang="en-US" b="1" dirty="0">
-                <a:latin typeface="微軟正黑體" panose="020B0604030504040204" pitchFamily="34" charset="-120"/>
-                <a:ea typeface="微軟正黑體" panose="020B0604030504040204" pitchFamily="34" charset="-120"/>
-              </a:rPr>
-              <a:t>購票頁面</a:t>
-            </a:r>
-          </a:p>
-        </p:txBody>
-      </p:sp>
-      <p:sp>
-        <p:nvSpPr>
-          <p:cNvPr id="12" name="文字方塊 11">
-            <a:extLst>
-              <a:ext uri="{FF2B5EF4-FFF2-40B4-BE49-F238E27FC236}">
-                <a16:creationId xmlns:a16="http://schemas.microsoft.com/office/drawing/2014/main" id="{3069EA28-173A-4447-B1B2-040202477BFE}"/>
-              </a:ext>
-            </a:extLst>
-          </p:cNvPr>
-          <p:cNvSpPr txBox="1"/>
-          <p:nvPr/>
-        </p:nvSpPr>
-        <p:spPr>
-          <a:xfrm>
-            <a:off x="8163139" y="3884888"/>
-            <a:ext cx="877163" cy="369332"/>
-          </a:xfrm>
-          <a:prstGeom prst="rect">
-            <a:avLst/>
-          </a:prstGeom>
-          <a:noFill/>
-        </p:spPr>
-        <p:txBody>
-          <a:bodyPr wrap="none" rtlCol="0">
-            <a:spAutoFit/>
-          </a:bodyPr>
-          <a:lstStyle/>
-          <a:p>
-            <a:r>
-              <a:rPr lang="zh-TW" altLang="en-US" b="1" dirty="0">
-                <a:latin typeface="微軟正黑體" panose="020B0604030504040204" pitchFamily="34" charset="-120"/>
-                <a:ea typeface="微軟正黑體" panose="020B0604030504040204" pitchFamily="34" charset="-120"/>
-              </a:rPr>
-              <a:t>購物車</a:t>
-            </a:r>
-          </a:p>
-        </p:txBody>
-      </p:sp>
-      <p:sp>
-        <p:nvSpPr>
-          <p:cNvPr id="13" name="文字方塊 12">
-            <a:extLst>
-              <a:ext uri="{FF2B5EF4-FFF2-40B4-BE49-F238E27FC236}">
-                <a16:creationId xmlns:a16="http://schemas.microsoft.com/office/drawing/2014/main" id="{8C1708DB-4560-48E8-A6DB-B6E78DD37876}"/>
-              </a:ext>
-            </a:extLst>
-          </p:cNvPr>
-          <p:cNvSpPr txBox="1"/>
-          <p:nvPr/>
-        </p:nvSpPr>
-        <p:spPr>
-          <a:xfrm>
-            <a:off x="4754082" y="96413"/>
-            <a:ext cx="2031325" cy="646331"/>
-          </a:xfrm>
-          <a:prstGeom prst="rect">
-            <a:avLst/>
-          </a:prstGeom>
-          <a:noFill/>
-        </p:spPr>
-        <p:txBody>
-          <a:bodyPr wrap="none" rtlCol="0">
-            <a:spAutoFit/>
-          </a:bodyPr>
-          <a:lstStyle/>
-          <a:p>
-            <a:r>
               <a:rPr lang="zh-TW" altLang="en-US" sz="3600" b="1" dirty="0">
                 <a:latin typeface="微軟正黑體" panose="020B0604030504040204" pitchFamily="34" charset="-120"/>
                 <a:ea typeface="微軟正黑體" panose="020B0604030504040204" pitchFamily="34" charset="-120"/>
               </a:rPr>
-              <a:t>主要功能</a:t>
+              <a:t>參考網站</a:t>
             </a:r>
           </a:p>
         </p:txBody>
@@ -4649,7 +4364,7 @@
     </p:spTree>
     <p:extLst>
       <p:ext uri="{BB962C8B-B14F-4D97-AF65-F5344CB8AC3E}">
-        <p14:creationId xmlns:p14="http://schemas.microsoft.com/office/powerpoint/2010/main" val="387432726"/>
+        <p14:creationId xmlns:p14="http://schemas.microsoft.com/office/powerpoint/2010/main" val="653149730"/>
       </p:ext>
     </p:extLst>
   </p:cSld>
@@ -4678,6 +4393,440 @@
       </p:grpSpPr>
       <p:pic>
         <p:nvPicPr>
+          <p:cNvPr id="4" name="圖片 3">
+            <a:extLst>
+              <a:ext uri="{FF2B5EF4-FFF2-40B4-BE49-F238E27FC236}">
+                <a16:creationId xmlns:a16="http://schemas.microsoft.com/office/drawing/2014/main" id="{96B271D0-BB4F-49C5-A28E-6C20BCB17C40}"/>
+              </a:ext>
+            </a:extLst>
+          </p:cNvPr>
+          <p:cNvPicPr>
+            <a:picLocks noChangeAspect="1"/>
+          </p:cNvPicPr>
+          <p:nvPr/>
+        </p:nvPicPr>
+        <p:blipFill>
+          <a:blip r:embed="rId2"/>
+          <a:stretch>
+            <a:fillRect/>
+          </a:stretch>
+        </p:blipFill>
+        <p:spPr>
+          <a:xfrm>
+            <a:off x="758301" y="1415989"/>
+            <a:ext cx="4355746" cy="2075154"/>
+          </a:xfrm>
+          <a:prstGeom prst="roundRect">
+            <a:avLst>
+              <a:gd name="adj" fmla="val 16667"/>
+            </a:avLst>
+          </a:prstGeom>
+          <a:ln>
+            <a:noFill/>
+          </a:ln>
+          <a:effectLst>
+            <a:outerShdw blurRad="76200" dist="38100" dir="7800000" algn="tl" rotWithShape="0">
+              <a:srgbClr val="000000">
+                <a:alpha val="40000"/>
+              </a:srgbClr>
+            </a:outerShdw>
+          </a:effectLst>
+          <a:scene3d>
+            <a:camera prst="orthographicFront"/>
+            <a:lightRig rig="contrasting" dir="t">
+              <a:rot lat="0" lon="0" rev="4200000"/>
+            </a:lightRig>
+          </a:scene3d>
+          <a:sp3d prstMaterial="plastic">
+            <a:bevelT w="381000" h="114300" prst="relaxedInset"/>
+            <a:contourClr>
+              <a:srgbClr val="969696"/>
+            </a:contourClr>
+          </a:sp3d>
+        </p:spPr>
+      </p:pic>
+      <p:pic>
+        <p:nvPicPr>
+          <p:cNvPr id="6" name="圖片 5">
+            <a:extLst>
+              <a:ext uri="{FF2B5EF4-FFF2-40B4-BE49-F238E27FC236}">
+                <a16:creationId xmlns:a16="http://schemas.microsoft.com/office/drawing/2014/main" id="{AB7B2DB4-282B-4775-A07E-1C16F27C4AB3}"/>
+              </a:ext>
+            </a:extLst>
+          </p:cNvPr>
+          <p:cNvPicPr>
+            <a:picLocks noChangeAspect="1"/>
+          </p:cNvPicPr>
+          <p:nvPr/>
+        </p:nvPicPr>
+        <p:blipFill rotWithShape="1">
+          <a:blip r:embed="rId3"/>
+          <a:srcRect l="5070" r="5494"/>
+          <a:stretch/>
+        </p:blipFill>
+        <p:spPr>
+          <a:xfrm>
+            <a:off x="5769745" y="1384917"/>
+            <a:ext cx="5663954" cy="2137297"/>
+          </a:xfrm>
+          <a:prstGeom prst="roundRect">
+            <a:avLst>
+              <a:gd name="adj" fmla="val 16667"/>
+            </a:avLst>
+          </a:prstGeom>
+          <a:ln>
+            <a:noFill/>
+          </a:ln>
+          <a:effectLst>
+            <a:outerShdw blurRad="76200" dist="38100" dir="7800000" algn="tl" rotWithShape="0">
+              <a:srgbClr val="000000">
+                <a:alpha val="40000"/>
+              </a:srgbClr>
+            </a:outerShdw>
+          </a:effectLst>
+          <a:scene3d>
+            <a:camera prst="orthographicFront"/>
+            <a:lightRig rig="contrasting" dir="t">
+              <a:rot lat="0" lon="0" rev="4200000"/>
+            </a:lightRig>
+          </a:scene3d>
+          <a:sp3d prstMaterial="plastic">
+            <a:bevelT w="381000" h="114300" prst="relaxedInset"/>
+            <a:contourClr>
+              <a:srgbClr val="969696"/>
+            </a:contourClr>
+          </a:sp3d>
+        </p:spPr>
+      </p:pic>
+      <p:pic>
+        <p:nvPicPr>
+          <p:cNvPr id="7" name="圖片 6">
+            <a:extLst>
+              <a:ext uri="{FF2B5EF4-FFF2-40B4-BE49-F238E27FC236}">
+                <a16:creationId xmlns:a16="http://schemas.microsoft.com/office/drawing/2014/main" id="{84F9CDF0-3743-488A-9FE6-2A7E0A0BC5E8}"/>
+              </a:ext>
+            </a:extLst>
+          </p:cNvPr>
+          <p:cNvPicPr>
+            <a:picLocks noChangeAspect="1"/>
+          </p:cNvPicPr>
+          <p:nvPr/>
+        </p:nvPicPr>
+        <p:blipFill>
+          <a:blip r:embed="rId4"/>
+          <a:stretch>
+            <a:fillRect/>
+          </a:stretch>
+        </p:blipFill>
+        <p:spPr>
+          <a:xfrm>
+            <a:off x="937181" y="4315483"/>
+            <a:ext cx="3997985" cy="2356086"/>
+          </a:xfrm>
+          <a:prstGeom prst="roundRect">
+            <a:avLst>
+              <a:gd name="adj" fmla="val 16667"/>
+            </a:avLst>
+          </a:prstGeom>
+          <a:ln>
+            <a:noFill/>
+          </a:ln>
+          <a:effectLst>
+            <a:outerShdw blurRad="76200" dist="38100" dir="7800000" algn="tl" rotWithShape="0">
+              <a:srgbClr val="000000">
+                <a:alpha val="40000"/>
+              </a:srgbClr>
+            </a:outerShdw>
+          </a:effectLst>
+          <a:scene3d>
+            <a:camera prst="orthographicFront"/>
+            <a:lightRig rig="contrasting" dir="t">
+              <a:rot lat="0" lon="0" rev="4200000"/>
+            </a:lightRig>
+          </a:scene3d>
+          <a:sp3d prstMaterial="plastic">
+            <a:bevelT w="381000" h="114300" prst="relaxedInset"/>
+            <a:contourClr>
+              <a:srgbClr val="969696"/>
+            </a:contourClr>
+          </a:sp3d>
+        </p:spPr>
+      </p:pic>
+      <p:pic>
+        <p:nvPicPr>
+          <p:cNvPr id="8" name="圖片 7">
+            <a:extLst>
+              <a:ext uri="{FF2B5EF4-FFF2-40B4-BE49-F238E27FC236}">
+                <a16:creationId xmlns:a16="http://schemas.microsoft.com/office/drawing/2014/main" id="{E3CF6BA6-057D-4539-9D65-462FD8A2CF3B}"/>
+              </a:ext>
+            </a:extLst>
+          </p:cNvPr>
+          <p:cNvPicPr>
+            <a:picLocks noChangeAspect="1"/>
+          </p:cNvPicPr>
+          <p:nvPr/>
+        </p:nvPicPr>
+        <p:blipFill rotWithShape="1">
+          <a:blip r:embed="rId5"/>
+          <a:srcRect l="1627" r="2354"/>
+          <a:stretch/>
+        </p:blipFill>
+        <p:spPr>
+          <a:xfrm>
+            <a:off x="5645087" y="4487552"/>
+            <a:ext cx="5913269" cy="1971061"/>
+          </a:xfrm>
+          <a:prstGeom prst="roundRect">
+            <a:avLst>
+              <a:gd name="adj" fmla="val 16667"/>
+            </a:avLst>
+          </a:prstGeom>
+          <a:ln>
+            <a:noFill/>
+          </a:ln>
+          <a:effectLst>
+            <a:outerShdw blurRad="76200" dist="38100" dir="7800000" algn="tl" rotWithShape="0">
+              <a:srgbClr val="000000">
+                <a:alpha val="40000"/>
+              </a:srgbClr>
+            </a:outerShdw>
+          </a:effectLst>
+          <a:scene3d>
+            <a:camera prst="orthographicFront"/>
+            <a:lightRig rig="contrasting" dir="t">
+              <a:rot lat="0" lon="0" rev="4200000"/>
+            </a:lightRig>
+          </a:scene3d>
+          <a:sp3d prstMaterial="plastic">
+            <a:bevelT w="381000" h="114300" prst="relaxedInset"/>
+            <a:contourClr>
+              <a:srgbClr val="969696"/>
+            </a:contourClr>
+          </a:sp3d>
+        </p:spPr>
+      </p:pic>
+      <p:sp>
+        <p:nvSpPr>
+          <p:cNvPr id="9" name="文字方塊 8">
+            <a:extLst>
+              <a:ext uri="{FF2B5EF4-FFF2-40B4-BE49-F238E27FC236}">
+                <a16:creationId xmlns:a16="http://schemas.microsoft.com/office/drawing/2014/main" id="{5FA21DEE-389B-41CE-8608-03ABFE1102FC}"/>
+              </a:ext>
+            </a:extLst>
+          </p:cNvPr>
+          <p:cNvSpPr txBox="1"/>
+          <p:nvPr/>
+        </p:nvSpPr>
+        <p:spPr>
+          <a:xfrm>
+            <a:off x="2636668" y="861134"/>
+            <a:ext cx="646331" cy="369332"/>
+          </a:xfrm>
+          <a:prstGeom prst="rect">
+            <a:avLst/>
+          </a:prstGeom>
+          <a:noFill/>
+        </p:spPr>
+        <p:txBody>
+          <a:bodyPr wrap="none" rtlCol="0">
+            <a:spAutoFit/>
+          </a:bodyPr>
+          <a:lstStyle/>
+          <a:p>
+            <a:r>
+              <a:rPr lang="zh-TW" altLang="en-US" b="1" dirty="0">
+                <a:latin typeface="微軟正黑體" panose="020B0604030504040204" pitchFamily="34" charset="-120"/>
+                <a:ea typeface="微軟正黑體" panose="020B0604030504040204" pitchFamily="34" charset="-120"/>
+              </a:rPr>
+              <a:t>主頁</a:t>
+            </a:r>
+          </a:p>
+        </p:txBody>
+      </p:sp>
+      <p:sp>
+        <p:nvSpPr>
+          <p:cNvPr id="10" name="文字方塊 9">
+            <a:extLst>
+              <a:ext uri="{FF2B5EF4-FFF2-40B4-BE49-F238E27FC236}">
+                <a16:creationId xmlns:a16="http://schemas.microsoft.com/office/drawing/2014/main" id="{6DDBCB06-D5A5-4E29-8CD4-20DFEB1793DD}"/>
+              </a:ext>
+            </a:extLst>
+          </p:cNvPr>
+          <p:cNvSpPr txBox="1"/>
+          <p:nvPr/>
+        </p:nvSpPr>
+        <p:spPr>
+          <a:xfrm>
+            <a:off x="8047723" y="861134"/>
+            <a:ext cx="1107996" cy="369332"/>
+          </a:xfrm>
+          <a:prstGeom prst="rect">
+            <a:avLst/>
+          </a:prstGeom>
+          <a:noFill/>
+        </p:spPr>
+        <p:txBody>
+          <a:bodyPr wrap="none" rtlCol="0">
+            <a:spAutoFit/>
+          </a:bodyPr>
+          <a:lstStyle/>
+          <a:p>
+            <a:r>
+              <a:rPr lang="zh-TW" altLang="en-US" b="1" dirty="0">
+                <a:latin typeface="微軟正黑體" panose="020B0604030504040204" pitchFamily="34" charset="-120"/>
+                <a:ea typeface="微軟正黑體" panose="020B0604030504040204" pitchFamily="34" charset="-120"/>
+              </a:rPr>
+              <a:t>活動一覽</a:t>
+            </a:r>
+          </a:p>
+        </p:txBody>
+      </p:sp>
+      <p:sp>
+        <p:nvSpPr>
+          <p:cNvPr id="11" name="文字方塊 10">
+            <a:extLst>
+              <a:ext uri="{FF2B5EF4-FFF2-40B4-BE49-F238E27FC236}">
+                <a16:creationId xmlns:a16="http://schemas.microsoft.com/office/drawing/2014/main" id="{73FE07F6-5693-4ACE-85E2-41448459228B}"/>
+              </a:ext>
+            </a:extLst>
+          </p:cNvPr>
+          <p:cNvSpPr txBox="1"/>
+          <p:nvPr/>
+        </p:nvSpPr>
+        <p:spPr>
+          <a:xfrm>
+            <a:off x="2382175" y="3861786"/>
+            <a:ext cx="1107996" cy="369332"/>
+          </a:xfrm>
+          <a:prstGeom prst="rect">
+            <a:avLst/>
+          </a:prstGeom>
+          <a:noFill/>
+        </p:spPr>
+        <p:txBody>
+          <a:bodyPr wrap="none" rtlCol="0">
+            <a:spAutoFit/>
+          </a:bodyPr>
+          <a:lstStyle/>
+          <a:p>
+            <a:r>
+              <a:rPr lang="zh-TW" altLang="en-US" b="1" dirty="0">
+                <a:latin typeface="微軟正黑體" panose="020B0604030504040204" pitchFamily="34" charset="-120"/>
+                <a:ea typeface="微軟正黑體" panose="020B0604030504040204" pitchFamily="34" charset="-120"/>
+              </a:rPr>
+              <a:t>購票頁面</a:t>
+            </a:r>
+          </a:p>
+        </p:txBody>
+      </p:sp>
+      <p:sp>
+        <p:nvSpPr>
+          <p:cNvPr id="12" name="文字方塊 11">
+            <a:extLst>
+              <a:ext uri="{FF2B5EF4-FFF2-40B4-BE49-F238E27FC236}">
+                <a16:creationId xmlns:a16="http://schemas.microsoft.com/office/drawing/2014/main" id="{3069EA28-173A-4447-B1B2-040202477BFE}"/>
+              </a:ext>
+            </a:extLst>
+          </p:cNvPr>
+          <p:cNvSpPr txBox="1"/>
+          <p:nvPr/>
+        </p:nvSpPr>
+        <p:spPr>
+          <a:xfrm>
+            <a:off x="8163139" y="3884888"/>
+            <a:ext cx="877163" cy="369332"/>
+          </a:xfrm>
+          <a:prstGeom prst="rect">
+            <a:avLst/>
+          </a:prstGeom>
+          <a:noFill/>
+        </p:spPr>
+        <p:txBody>
+          <a:bodyPr wrap="none" rtlCol="0">
+            <a:spAutoFit/>
+          </a:bodyPr>
+          <a:lstStyle/>
+          <a:p>
+            <a:r>
+              <a:rPr lang="zh-TW" altLang="en-US" b="1" dirty="0">
+                <a:latin typeface="微軟正黑體" panose="020B0604030504040204" pitchFamily="34" charset="-120"/>
+                <a:ea typeface="微軟正黑體" panose="020B0604030504040204" pitchFamily="34" charset="-120"/>
+              </a:rPr>
+              <a:t>購物車</a:t>
+            </a:r>
+          </a:p>
+        </p:txBody>
+      </p:sp>
+      <p:sp>
+        <p:nvSpPr>
+          <p:cNvPr id="13" name="文字方塊 12">
+            <a:extLst>
+              <a:ext uri="{FF2B5EF4-FFF2-40B4-BE49-F238E27FC236}">
+                <a16:creationId xmlns:a16="http://schemas.microsoft.com/office/drawing/2014/main" id="{8C1708DB-4560-48E8-A6DB-B6E78DD37876}"/>
+              </a:ext>
+            </a:extLst>
+          </p:cNvPr>
+          <p:cNvSpPr txBox="1"/>
+          <p:nvPr/>
+        </p:nvSpPr>
+        <p:spPr>
+          <a:xfrm>
+            <a:off x="4754082" y="96413"/>
+            <a:ext cx="2031325" cy="646331"/>
+          </a:xfrm>
+          <a:prstGeom prst="rect">
+            <a:avLst/>
+          </a:prstGeom>
+          <a:noFill/>
+        </p:spPr>
+        <p:txBody>
+          <a:bodyPr wrap="none" rtlCol="0">
+            <a:spAutoFit/>
+          </a:bodyPr>
+          <a:lstStyle/>
+          <a:p>
+            <a:r>
+              <a:rPr lang="zh-TW" altLang="en-US" sz="3600" b="1" dirty="0">
+                <a:latin typeface="微軟正黑體" panose="020B0604030504040204" pitchFamily="34" charset="-120"/>
+                <a:ea typeface="微軟正黑體" panose="020B0604030504040204" pitchFamily="34" charset="-120"/>
+              </a:rPr>
+              <a:t>主要功能</a:t>
+            </a:r>
+          </a:p>
+        </p:txBody>
+      </p:sp>
+    </p:spTree>
+    <p:extLst>
+      <p:ext uri="{BB962C8B-B14F-4D97-AF65-F5344CB8AC3E}">
+        <p14:creationId xmlns:p14="http://schemas.microsoft.com/office/powerpoint/2010/main" val="387432726"/>
+      </p:ext>
+    </p:extLst>
+  </p:cSld>
+  <p:clrMapOvr>
+    <a:masterClrMapping/>
+  </p:clrMapOvr>
+</p:sld>
+</file>
+
+<file path=ppt/slides/slide6.xml><?xml version="1.0" encoding="utf-8"?>
+<p:sld xmlns:a="http://schemas.openxmlformats.org/drawingml/2006/main" xmlns:r="http://schemas.openxmlformats.org/officeDocument/2006/relationships" xmlns:p="http://schemas.openxmlformats.org/presentationml/2006/main">
+  <p:cSld>
+    <p:spTree>
+      <p:nvGrpSpPr>
+        <p:cNvPr id="1" name=""/>
+        <p:cNvGrpSpPr/>
+        <p:nvPr/>
+      </p:nvGrpSpPr>
+      <p:grpSpPr>
+        <a:xfrm>
+          <a:off x="0" y="0"/>
+          <a:ext cx="0" cy="0"/>
+          <a:chOff x="0" y="0"/>
+          <a:chExt cx="0" cy="0"/>
+        </a:xfrm>
+      </p:grpSpPr>
+      <p:pic>
+        <p:nvPicPr>
           <p:cNvPr id="9" name="圖片 8">
             <a:extLst>
               <a:ext uri="{FF2B5EF4-FFF2-40B4-BE49-F238E27FC236}">
@@ -4768,7 +4917,7 @@
 </p:sld>
 </file>
 
-<file path=ppt/slides/slide6.xml><?xml version="1.0" encoding="utf-8"?>
+<file path=ppt/slides/slide7.xml><?xml version="1.0" encoding="utf-8"?>
 <p:sld xmlns:a="http://schemas.openxmlformats.org/drawingml/2006/main" xmlns:r="http://schemas.openxmlformats.org/officeDocument/2006/relationships" xmlns:p="http://schemas.openxmlformats.org/presentationml/2006/main">
   <p:cSld>
     <p:spTree>

--- a/MyProjects/PPT/售票.pptx
+++ b/MyProjects/PPT/售票.pptx
@@ -10,8 +10,13 @@
     <p:sldId id="258" r:id="rId4"/>
     <p:sldId id="260" r:id="rId5"/>
     <p:sldId id="259" r:id="rId6"/>
-    <p:sldId id="256" r:id="rId7"/>
-    <p:sldId id="261" r:id="rId8"/>
+    <p:sldId id="263" r:id="rId7"/>
+    <p:sldId id="264" r:id="rId8"/>
+    <p:sldId id="265" r:id="rId9"/>
+    <p:sldId id="267" r:id="rId10"/>
+    <p:sldId id="266" r:id="rId11"/>
+    <p:sldId id="256" r:id="rId12"/>
+    <p:sldId id="261" r:id="rId13"/>
   </p:sldIdLst>
   <p:sldSz cx="12192000" cy="6858000"/>
   <p:notesSz cx="6858000" cy="9144000"/>
@@ -3427,6 +3432,972 @@
 </p:sld>
 </file>
 
+<file path=ppt/slides/slide10.xml><?xml version="1.0" encoding="utf-8"?>
+<p:sld xmlns:a="http://schemas.openxmlformats.org/drawingml/2006/main" xmlns:r="http://schemas.openxmlformats.org/officeDocument/2006/relationships" xmlns:p="http://schemas.openxmlformats.org/presentationml/2006/main">
+  <p:cSld>
+    <p:spTree>
+      <p:nvGrpSpPr>
+        <p:cNvPr id="1" name=""/>
+        <p:cNvGrpSpPr/>
+        <p:nvPr/>
+      </p:nvGrpSpPr>
+      <p:grpSpPr>
+        <a:xfrm>
+          <a:off x="0" y="0"/>
+          <a:ext cx="0" cy="0"/>
+          <a:chOff x="0" y="0"/>
+          <a:chExt cx="0" cy="0"/>
+        </a:xfrm>
+      </p:grpSpPr>
+      <p:sp>
+        <p:nvSpPr>
+          <p:cNvPr id="5" name="文字方塊 4">
+            <a:extLst>
+              <a:ext uri="{FF2B5EF4-FFF2-40B4-BE49-F238E27FC236}">
+                <a16:creationId xmlns:a16="http://schemas.microsoft.com/office/drawing/2014/main" id="{2A66D22B-4570-4876-B1C3-A4E04EA274C7}"/>
+              </a:ext>
+            </a:extLst>
+          </p:cNvPr>
+          <p:cNvSpPr txBox="1"/>
+          <p:nvPr/>
+        </p:nvSpPr>
+        <p:spPr>
+          <a:xfrm>
+            <a:off x="949911" y="4358937"/>
+            <a:ext cx="9951868" cy="1015663"/>
+          </a:xfrm>
+          <a:prstGeom prst="rect">
+            <a:avLst/>
+          </a:prstGeom>
+          <a:noFill/>
+        </p:spPr>
+        <p:txBody>
+          <a:bodyPr wrap="square" rtlCol="0">
+            <a:spAutoFit/>
+          </a:bodyPr>
+          <a:lstStyle/>
+          <a:p>
+            <a:r>
+              <a:rPr lang="zh-TW" altLang="en-US" sz="2400" b="1" dirty="0">
+                <a:latin typeface="微軟正黑體" panose="020B0604030504040204" pitchFamily="34" charset="-120"/>
+                <a:ea typeface="微軟正黑體" panose="020B0604030504040204" pitchFamily="34" charset="-120"/>
+              </a:rPr>
+              <a:t>購物車</a:t>
+            </a:r>
+            <a:endParaRPr lang="en-US" altLang="zh-TW" sz="2400" b="1" dirty="0">
+              <a:latin typeface="微軟正黑體" panose="020B0604030504040204" pitchFamily="34" charset="-120"/>
+              <a:ea typeface="微軟正黑體" panose="020B0604030504040204" pitchFamily="34" charset="-120"/>
+            </a:endParaRPr>
+          </a:p>
+          <a:p>
+            <a:r>
+              <a:rPr lang="zh-TW" altLang="en-US" dirty="0">
+                <a:latin typeface="微軟正黑體" panose="020B0604030504040204" pitchFamily="34" charset="-120"/>
+                <a:ea typeface="微軟正黑體" panose="020B0604030504040204" pitchFamily="34" charset="-120"/>
+              </a:rPr>
+              <a:t>使用 </a:t>
+            </a:r>
+            <a:r>
+              <a:rPr lang="en-US" altLang="zh-TW" dirty="0">
+                <a:latin typeface="微軟正黑體" panose="020B0604030504040204" pitchFamily="34" charset="-120"/>
+                <a:ea typeface="微軟正黑體" panose="020B0604030504040204" pitchFamily="34" charset="-120"/>
+              </a:rPr>
+              <a:t>Bootstrap </a:t>
+            </a:r>
+            <a:r>
+              <a:rPr lang="zh-TW" altLang="en-US" dirty="0">
+                <a:latin typeface="微軟正黑體" panose="020B0604030504040204" pitchFamily="34" charset="-120"/>
+                <a:ea typeface="微軟正黑體" panose="020B0604030504040204" pitchFamily="34" charset="-120"/>
+              </a:rPr>
+              <a:t>結構搭配 </a:t>
+            </a:r>
+            <a:r>
+              <a:rPr lang="en-US" altLang="zh-TW" dirty="0">
+                <a:latin typeface="微軟正黑體" panose="020B0604030504040204" pitchFamily="34" charset="-120"/>
+                <a:ea typeface="微軟正黑體" panose="020B0604030504040204" pitchFamily="34" charset="-120"/>
+              </a:rPr>
+              <a:t>JavaScript </a:t>
+            </a:r>
+            <a:r>
+              <a:rPr lang="zh-TW" altLang="en-US" dirty="0">
+                <a:latin typeface="微軟正黑體" panose="020B0604030504040204" pitchFamily="34" charset="-120"/>
+                <a:ea typeface="微軟正黑體" panose="020B0604030504040204" pitchFamily="34" charset="-120"/>
+              </a:rPr>
+              <a:t>來 動態顯示購物車內容與總金額，讓</a:t>
+            </a:r>
+            <a:r>
+              <a:rPr lang="zh-TW" altLang="en-US" dirty="0"/>
+              <a:t>使用者可即時查看加入的票券項目，可清空、計算總價並前往結帳。</a:t>
+            </a:r>
+            <a:endParaRPr lang="zh-TW" altLang="en-US" dirty="0">
+              <a:latin typeface="微軟正黑體" panose="020B0604030504040204" pitchFamily="34" charset="-120"/>
+              <a:ea typeface="微軟正黑體" panose="020B0604030504040204" pitchFamily="34" charset="-120"/>
+            </a:endParaRPr>
+          </a:p>
+        </p:txBody>
+      </p:sp>
+      <p:pic>
+        <p:nvPicPr>
+          <p:cNvPr id="8" name="圖片 7">
+            <a:extLst>
+              <a:ext uri="{FF2B5EF4-FFF2-40B4-BE49-F238E27FC236}">
+                <a16:creationId xmlns:a16="http://schemas.microsoft.com/office/drawing/2014/main" id="{3C7C6187-50A1-40B2-9BA4-17A2A3A97A44}"/>
+              </a:ext>
+            </a:extLst>
+          </p:cNvPr>
+          <p:cNvPicPr>
+            <a:picLocks noChangeAspect="1"/>
+          </p:cNvPicPr>
+          <p:nvPr/>
+        </p:nvPicPr>
+        <p:blipFill>
+          <a:blip r:embed="rId2"/>
+          <a:stretch>
+            <a:fillRect/>
+          </a:stretch>
+        </p:blipFill>
+        <p:spPr>
+          <a:xfrm>
+            <a:off x="949911" y="525017"/>
+            <a:ext cx="9923708" cy="3265748"/>
+          </a:xfrm>
+          <a:prstGeom prst="rect">
+            <a:avLst/>
+          </a:prstGeom>
+        </p:spPr>
+      </p:pic>
+    </p:spTree>
+    <p:extLst>
+      <p:ext uri="{BB962C8B-B14F-4D97-AF65-F5344CB8AC3E}">
+        <p14:creationId xmlns:p14="http://schemas.microsoft.com/office/powerpoint/2010/main" val="1895479441"/>
+      </p:ext>
+    </p:extLst>
+  </p:cSld>
+  <p:clrMapOvr>
+    <a:masterClrMapping/>
+  </p:clrMapOvr>
+</p:sld>
+</file>
+
+<file path=ppt/slides/slide11.xml><?xml version="1.0" encoding="utf-8"?>
+<p:sld xmlns:a="http://schemas.openxmlformats.org/drawingml/2006/main" xmlns:r="http://schemas.openxmlformats.org/officeDocument/2006/relationships" xmlns:p="http://schemas.openxmlformats.org/presentationml/2006/main">
+  <p:cSld>
+    <p:spTree>
+      <p:nvGrpSpPr>
+        <p:cNvPr id="1" name=""/>
+        <p:cNvGrpSpPr/>
+        <p:nvPr/>
+      </p:nvGrpSpPr>
+      <p:grpSpPr>
+        <a:xfrm>
+          <a:off x="0" y="0"/>
+          <a:ext cx="0" cy="0"/>
+          <a:chOff x="0" y="0"/>
+          <a:chExt cx="0" cy="0"/>
+        </a:xfrm>
+      </p:grpSpPr>
+      <p:pic>
+        <p:nvPicPr>
+          <p:cNvPr id="9" name="圖片 8">
+            <a:extLst>
+              <a:ext uri="{FF2B5EF4-FFF2-40B4-BE49-F238E27FC236}">
+                <a16:creationId xmlns:a16="http://schemas.microsoft.com/office/drawing/2014/main" id="{02B6266E-0A91-4F0E-9174-293C992FFD10}"/>
+              </a:ext>
+            </a:extLst>
+          </p:cNvPr>
+          <p:cNvPicPr>
+            <a:picLocks noChangeAspect="1"/>
+          </p:cNvPicPr>
+          <p:nvPr/>
+        </p:nvPicPr>
+        <p:blipFill>
+          <a:blip r:embed="rId2"/>
+          <a:stretch>
+            <a:fillRect/>
+          </a:stretch>
+        </p:blipFill>
+        <p:spPr>
+          <a:xfrm>
+            <a:off x="365913" y="1579524"/>
+            <a:ext cx="11460174" cy="4696480"/>
+          </a:xfrm>
+          <a:prstGeom prst="rect">
+            <a:avLst/>
+          </a:prstGeom>
+        </p:spPr>
+      </p:pic>
+      <p:sp>
+        <p:nvSpPr>
+          <p:cNvPr id="2" name="文字方塊 1">
+            <a:extLst>
+              <a:ext uri="{FF2B5EF4-FFF2-40B4-BE49-F238E27FC236}">
+                <a16:creationId xmlns:a16="http://schemas.microsoft.com/office/drawing/2014/main" id="{39B720F2-ECBE-4BA3-95F1-E6C3224FBF9D}"/>
+              </a:ext>
+            </a:extLst>
+          </p:cNvPr>
+          <p:cNvSpPr txBox="1"/>
+          <p:nvPr/>
+        </p:nvSpPr>
+        <p:spPr>
+          <a:xfrm>
+            <a:off x="5359260" y="840510"/>
+            <a:ext cx="1473480" cy="461665"/>
+          </a:xfrm>
+          <a:prstGeom prst="rect">
+            <a:avLst/>
+          </a:prstGeom>
+          <a:noFill/>
+        </p:spPr>
+        <p:txBody>
+          <a:bodyPr wrap="none" rtlCol="0">
+            <a:spAutoFit/>
+          </a:bodyPr>
+          <a:lstStyle/>
+          <a:p>
+            <a:r>
+              <a:rPr lang="zh-TW" altLang="en-US" sz="2400" dirty="0">
+                <a:latin typeface="微軟正黑體" panose="020B0604030504040204" pitchFamily="34" charset="-120"/>
+                <a:ea typeface="微軟正黑體" panose="020B0604030504040204" pitchFamily="34" charset="-120"/>
+              </a:rPr>
+              <a:t>資料庫</a:t>
+            </a:r>
+            <a:r>
+              <a:rPr lang="en-US" altLang="zh-TW" sz="2400" dirty="0">
+                <a:latin typeface="微軟正黑體" panose="020B0604030504040204" pitchFamily="34" charset="-120"/>
+                <a:ea typeface="微軟正黑體" panose="020B0604030504040204" pitchFamily="34" charset="-120"/>
+              </a:rPr>
+              <a:t>ER</a:t>
+            </a:r>
+            <a:endParaRPr lang="zh-TW" altLang="en-US" sz="2400" dirty="0">
+              <a:latin typeface="微軟正黑體" panose="020B0604030504040204" pitchFamily="34" charset="-120"/>
+              <a:ea typeface="微軟正黑體" panose="020B0604030504040204" pitchFamily="34" charset="-120"/>
+            </a:endParaRPr>
+          </a:p>
+        </p:txBody>
+      </p:sp>
+    </p:spTree>
+    <p:extLst>
+      <p:ext uri="{BB962C8B-B14F-4D97-AF65-F5344CB8AC3E}">
+        <p14:creationId xmlns:p14="http://schemas.microsoft.com/office/powerpoint/2010/main" val="2648189449"/>
+      </p:ext>
+    </p:extLst>
+  </p:cSld>
+  <p:clrMapOvr>
+    <a:masterClrMapping/>
+  </p:clrMapOvr>
+</p:sld>
+</file>
+
+<file path=ppt/slides/slide12.xml><?xml version="1.0" encoding="utf-8"?>
+<p:sld xmlns:a="http://schemas.openxmlformats.org/drawingml/2006/main" xmlns:r="http://schemas.openxmlformats.org/officeDocument/2006/relationships" xmlns:p="http://schemas.openxmlformats.org/presentationml/2006/main">
+  <p:cSld>
+    <p:spTree>
+      <p:nvGrpSpPr>
+        <p:cNvPr id="1" name=""/>
+        <p:cNvGrpSpPr/>
+        <p:nvPr/>
+      </p:nvGrpSpPr>
+      <p:grpSpPr>
+        <a:xfrm>
+          <a:off x="0" y="0"/>
+          <a:ext cx="0" cy="0"/>
+          <a:chOff x="0" y="0"/>
+          <a:chExt cx="0" cy="0"/>
+        </a:xfrm>
+      </p:grpSpPr>
+      <p:pic>
+        <p:nvPicPr>
+          <p:cNvPr id="4" name="圖片 3">
+            <a:extLst>
+              <a:ext uri="{FF2B5EF4-FFF2-40B4-BE49-F238E27FC236}">
+                <a16:creationId xmlns:a16="http://schemas.microsoft.com/office/drawing/2014/main" id="{FE572E10-4311-452F-B7AC-A35EE0E151EB}"/>
+              </a:ext>
+            </a:extLst>
+          </p:cNvPr>
+          <p:cNvPicPr>
+            <a:picLocks noChangeAspect="1"/>
+          </p:cNvPicPr>
+          <p:nvPr/>
+        </p:nvPicPr>
+        <p:blipFill>
+          <a:blip r:embed="rId2"/>
+          <a:stretch>
+            <a:fillRect/>
+          </a:stretch>
+        </p:blipFill>
+        <p:spPr>
+          <a:xfrm>
+            <a:off x="427103" y="705311"/>
+            <a:ext cx="3969522" cy="1465948"/>
+          </a:xfrm>
+          <a:prstGeom prst="rect">
+            <a:avLst/>
+          </a:prstGeom>
+        </p:spPr>
+      </p:pic>
+      <p:pic>
+        <p:nvPicPr>
+          <p:cNvPr id="5" name="圖片 4">
+            <a:extLst>
+              <a:ext uri="{FF2B5EF4-FFF2-40B4-BE49-F238E27FC236}">
+                <a16:creationId xmlns:a16="http://schemas.microsoft.com/office/drawing/2014/main" id="{6D1AC1F6-5B93-450C-A855-E0A96DC874B9}"/>
+              </a:ext>
+            </a:extLst>
+          </p:cNvPr>
+          <p:cNvPicPr>
+            <a:picLocks noChangeAspect="1"/>
+          </p:cNvPicPr>
+          <p:nvPr/>
+        </p:nvPicPr>
+        <p:blipFill>
+          <a:blip r:embed="rId3"/>
+          <a:stretch>
+            <a:fillRect/>
+          </a:stretch>
+        </p:blipFill>
+        <p:spPr>
+          <a:xfrm>
+            <a:off x="4489622" y="710603"/>
+            <a:ext cx="1186299" cy="480526"/>
+          </a:xfrm>
+          <a:prstGeom prst="rect">
+            <a:avLst/>
+          </a:prstGeom>
+        </p:spPr>
+      </p:pic>
+      <p:pic>
+        <p:nvPicPr>
+          <p:cNvPr id="6" name="圖片 5">
+            <a:extLst>
+              <a:ext uri="{FF2B5EF4-FFF2-40B4-BE49-F238E27FC236}">
+                <a16:creationId xmlns:a16="http://schemas.microsoft.com/office/drawing/2014/main" id="{57ADAEFB-707E-41B9-8356-771C4C6F16F2}"/>
+              </a:ext>
+            </a:extLst>
+          </p:cNvPr>
+          <p:cNvPicPr>
+            <a:picLocks noChangeAspect="1"/>
+          </p:cNvPicPr>
+          <p:nvPr/>
+        </p:nvPicPr>
+        <p:blipFill>
+          <a:blip r:embed="rId4"/>
+          <a:stretch>
+            <a:fillRect/>
+          </a:stretch>
+        </p:blipFill>
+        <p:spPr>
+          <a:xfrm>
+            <a:off x="441981" y="2277580"/>
+            <a:ext cx="3969927" cy="955622"/>
+          </a:xfrm>
+          <a:prstGeom prst="rect">
+            <a:avLst/>
+          </a:prstGeom>
+        </p:spPr>
+      </p:pic>
+      <p:pic>
+        <p:nvPicPr>
+          <p:cNvPr id="7" name="圖片 6">
+            <a:extLst>
+              <a:ext uri="{FF2B5EF4-FFF2-40B4-BE49-F238E27FC236}">
+                <a16:creationId xmlns:a16="http://schemas.microsoft.com/office/drawing/2014/main" id="{8C325835-7A3C-4011-8AD5-8168066FA036}"/>
+              </a:ext>
+            </a:extLst>
+          </p:cNvPr>
+          <p:cNvPicPr>
+            <a:picLocks noChangeAspect="1"/>
+          </p:cNvPicPr>
+          <p:nvPr/>
+        </p:nvPicPr>
+        <p:blipFill>
+          <a:blip r:embed="rId5"/>
+          <a:stretch>
+            <a:fillRect/>
+          </a:stretch>
+        </p:blipFill>
+        <p:spPr>
+          <a:xfrm>
+            <a:off x="4489622" y="2290330"/>
+            <a:ext cx="1094233" cy="795188"/>
+          </a:xfrm>
+          <a:prstGeom prst="rect">
+            <a:avLst/>
+          </a:prstGeom>
+        </p:spPr>
+      </p:pic>
+      <p:pic>
+        <p:nvPicPr>
+          <p:cNvPr id="8" name="圖片 7">
+            <a:extLst>
+              <a:ext uri="{FF2B5EF4-FFF2-40B4-BE49-F238E27FC236}">
+                <a16:creationId xmlns:a16="http://schemas.microsoft.com/office/drawing/2014/main" id="{37AED4B8-D7FD-40F5-8E4F-291DAC5104DD}"/>
+              </a:ext>
+            </a:extLst>
+          </p:cNvPr>
+          <p:cNvPicPr>
+            <a:picLocks noChangeAspect="1"/>
+          </p:cNvPicPr>
+          <p:nvPr/>
+        </p:nvPicPr>
+        <p:blipFill>
+          <a:blip r:embed="rId6"/>
+          <a:stretch>
+            <a:fillRect/>
+          </a:stretch>
+        </p:blipFill>
+        <p:spPr>
+          <a:xfrm>
+            <a:off x="422125" y="3388255"/>
+            <a:ext cx="3989783" cy="1104315"/>
+          </a:xfrm>
+          <a:prstGeom prst="rect">
+            <a:avLst/>
+          </a:prstGeom>
+        </p:spPr>
+      </p:pic>
+      <p:pic>
+        <p:nvPicPr>
+          <p:cNvPr id="9" name="圖片 8">
+            <a:extLst>
+              <a:ext uri="{FF2B5EF4-FFF2-40B4-BE49-F238E27FC236}">
+                <a16:creationId xmlns:a16="http://schemas.microsoft.com/office/drawing/2014/main" id="{C364AEC9-68B8-4DAC-BA53-A3825CEC9FBC}"/>
+              </a:ext>
+            </a:extLst>
+          </p:cNvPr>
+          <p:cNvPicPr>
+            <a:picLocks noChangeAspect="1"/>
+          </p:cNvPicPr>
+          <p:nvPr/>
+        </p:nvPicPr>
+        <p:blipFill>
+          <a:blip r:embed="rId7"/>
+          <a:stretch>
+            <a:fillRect/>
+          </a:stretch>
+        </p:blipFill>
+        <p:spPr>
+          <a:xfrm>
+            <a:off x="422125" y="4636412"/>
+            <a:ext cx="4690492" cy="1187773"/>
+          </a:xfrm>
+          <a:prstGeom prst="rect">
+            <a:avLst/>
+          </a:prstGeom>
+        </p:spPr>
+      </p:pic>
+      <p:pic>
+        <p:nvPicPr>
+          <p:cNvPr id="10" name="圖片 9">
+            <a:extLst>
+              <a:ext uri="{FF2B5EF4-FFF2-40B4-BE49-F238E27FC236}">
+                <a16:creationId xmlns:a16="http://schemas.microsoft.com/office/drawing/2014/main" id="{FB3EB189-07FB-40D6-A8C0-D2F919E184E7}"/>
+              </a:ext>
+            </a:extLst>
+          </p:cNvPr>
+          <p:cNvPicPr>
+            <a:picLocks noChangeAspect="1"/>
+          </p:cNvPicPr>
+          <p:nvPr/>
+        </p:nvPicPr>
+        <p:blipFill>
+          <a:blip r:embed="rId8"/>
+          <a:stretch>
+            <a:fillRect/>
+          </a:stretch>
+        </p:blipFill>
+        <p:spPr>
+          <a:xfrm>
+            <a:off x="422125" y="5968027"/>
+            <a:ext cx="4992960" cy="399191"/>
+          </a:xfrm>
+          <a:prstGeom prst="rect">
+            <a:avLst/>
+          </a:prstGeom>
+        </p:spPr>
+      </p:pic>
+      <p:pic>
+        <p:nvPicPr>
+          <p:cNvPr id="11" name="圖片 10">
+            <a:extLst>
+              <a:ext uri="{FF2B5EF4-FFF2-40B4-BE49-F238E27FC236}">
+                <a16:creationId xmlns:a16="http://schemas.microsoft.com/office/drawing/2014/main" id="{EFDAA9E4-55E9-4443-A2E5-5354B911DBA8}"/>
+              </a:ext>
+            </a:extLst>
+          </p:cNvPr>
+          <p:cNvPicPr>
+            <a:picLocks noChangeAspect="1"/>
+          </p:cNvPicPr>
+          <p:nvPr/>
+        </p:nvPicPr>
+        <p:blipFill>
+          <a:blip r:embed="rId9"/>
+          <a:stretch>
+            <a:fillRect/>
+          </a:stretch>
+        </p:blipFill>
+        <p:spPr>
+          <a:xfrm>
+            <a:off x="6213085" y="703512"/>
+            <a:ext cx="4493218" cy="1120122"/>
+          </a:xfrm>
+          <a:prstGeom prst="rect">
+            <a:avLst/>
+          </a:prstGeom>
+        </p:spPr>
+      </p:pic>
+      <p:pic>
+        <p:nvPicPr>
+          <p:cNvPr id="12" name="圖片 11">
+            <a:extLst>
+              <a:ext uri="{FF2B5EF4-FFF2-40B4-BE49-F238E27FC236}">
+                <a16:creationId xmlns:a16="http://schemas.microsoft.com/office/drawing/2014/main" id="{83B08096-6B49-4407-8F72-AF52C4573FFC}"/>
+              </a:ext>
+            </a:extLst>
+          </p:cNvPr>
+          <p:cNvPicPr>
+            <a:picLocks noChangeAspect="1"/>
+          </p:cNvPicPr>
+          <p:nvPr/>
+        </p:nvPicPr>
+        <p:blipFill>
+          <a:blip r:embed="rId10"/>
+          <a:stretch>
+            <a:fillRect/>
+          </a:stretch>
+        </p:blipFill>
+        <p:spPr>
+          <a:xfrm>
+            <a:off x="10785765" y="710603"/>
+            <a:ext cx="1283151" cy="416861"/>
+          </a:xfrm>
+          <a:prstGeom prst="rect">
+            <a:avLst/>
+          </a:prstGeom>
+        </p:spPr>
+      </p:pic>
+      <p:pic>
+        <p:nvPicPr>
+          <p:cNvPr id="13" name="圖片 12">
+            <a:extLst>
+              <a:ext uri="{FF2B5EF4-FFF2-40B4-BE49-F238E27FC236}">
+                <a16:creationId xmlns:a16="http://schemas.microsoft.com/office/drawing/2014/main" id="{3EC30022-108F-4EBF-BB29-2FB7D56E84A4}"/>
+              </a:ext>
+            </a:extLst>
+          </p:cNvPr>
+          <p:cNvPicPr>
+            <a:picLocks noChangeAspect="1"/>
+          </p:cNvPicPr>
+          <p:nvPr/>
+        </p:nvPicPr>
+        <p:blipFill>
+          <a:blip r:embed="rId11"/>
+          <a:stretch>
+            <a:fillRect/>
+          </a:stretch>
+        </p:blipFill>
+        <p:spPr>
+          <a:xfrm>
+            <a:off x="6213085" y="1958728"/>
+            <a:ext cx="3412108" cy="2246215"/>
+          </a:xfrm>
+          <a:prstGeom prst="rect">
+            <a:avLst/>
+          </a:prstGeom>
+        </p:spPr>
+      </p:pic>
+      <p:pic>
+        <p:nvPicPr>
+          <p:cNvPr id="14" name="圖片 13">
+            <a:extLst>
+              <a:ext uri="{FF2B5EF4-FFF2-40B4-BE49-F238E27FC236}">
+                <a16:creationId xmlns:a16="http://schemas.microsoft.com/office/drawing/2014/main" id="{6F539C6B-ABB4-4D97-B245-9CBC77633688}"/>
+              </a:ext>
+            </a:extLst>
+          </p:cNvPr>
+          <p:cNvPicPr>
+            <a:picLocks noChangeAspect="1"/>
+          </p:cNvPicPr>
+          <p:nvPr/>
+        </p:nvPicPr>
+        <p:blipFill>
+          <a:blip r:embed="rId12"/>
+          <a:stretch>
+            <a:fillRect/>
+          </a:stretch>
+        </p:blipFill>
+        <p:spPr>
+          <a:xfrm>
+            <a:off x="6211001" y="4282445"/>
+            <a:ext cx="5558874" cy="321502"/>
+          </a:xfrm>
+          <a:prstGeom prst="rect">
+            <a:avLst/>
+          </a:prstGeom>
+        </p:spPr>
+      </p:pic>
+      <p:pic>
+        <p:nvPicPr>
+          <p:cNvPr id="15" name="圖片 14">
+            <a:extLst>
+              <a:ext uri="{FF2B5EF4-FFF2-40B4-BE49-F238E27FC236}">
+                <a16:creationId xmlns:a16="http://schemas.microsoft.com/office/drawing/2014/main" id="{8707AAAA-03E7-407C-855E-4576400A848F}"/>
+              </a:ext>
+            </a:extLst>
+          </p:cNvPr>
+          <p:cNvPicPr>
+            <a:picLocks noChangeAspect="1"/>
+          </p:cNvPicPr>
+          <p:nvPr/>
+        </p:nvPicPr>
+        <p:blipFill>
+          <a:blip r:embed="rId13"/>
+          <a:stretch>
+            <a:fillRect/>
+          </a:stretch>
+        </p:blipFill>
+        <p:spPr>
+          <a:xfrm>
+            <a:off x="6211001" y="4726487"/>
+            <a:ext cx="5160820" cy="1097698"/>
+          </a:xfrm>
+          <a:prstGeom prst="rect">
+            <a:avLst/>
+          </a:prstGeom>
+        </p:spPr>
+      </p:pic>
+      <p:pic>
+        <p:nvPicPr>
+          <p:cNvPr id="16" name="圖片 15">
+            <a:extLst>
+              <a:ext uri="{FF2B5EF4-FFF2-40B4-BE49-F238E27FC236}">
+                <a16:creationId xmlns:a16="http://schemas.microsoft.com/office/drawing/2014/main" id="{B6E28281-3124-47EC-90CC-D58CFCE80973}"/>
+              </a:ext>
+            </a:extLst>
+          </p:cNvPr>
+          <p:cNvPicPr>
+            <a:picLocks noChangeAspect="1"/>
+          </p:cNvPicPr>
+          <p:nvPr/>
+        </p:nvPicPr>
+        <p:blipFill>
+          <a:blip r:embed="rId14"/>
+          <a:stretch>
+            <a:fillRect/>
+          </a:stretch>
+        </p:blipFill>
+        <p:spPr>
+          <a:xfrm>
+            <a:off x="6211001" y="5920340"/>
+            <a:ext cx="5576630" cy="494563"/>
+          </a:xfrm>
+          <a:prstGeom prst="rect">
+            <a:avLst/>
+          </a:prstGeom>
+        </p:spPr>
+      </p:pic>
+      <p:sp>
+        <p:nvSpPr>
+          <p:cNvPr id="17" name="文字方塊 16">
+            <a:extLst>
+              <a:ext uri="{FF2B5EF4-FFF2-40B4-BE49-F238E27FC236}">
+                <a16:creationId xmlns:a16="http://schemas.microsoft.com/office/drawing/2014/main" id="{A33830F0-357B-4E76-9788-E0D8AEBAECB6}"/>
+              </a:ext>
+            </a:extLst>
+          </p:cNvPr>
+          <p:cNvSpPr txBox="1"/>
+          <p:nvPr/>
+        </p:nvSpPr>
+        <p:spPr>
+          <a:xfrm>
+            <a:off x="33610" y="703512"/>
+            <a:ext cx="463588" cy="523220"/>
+          </a:xfrm>
+          <a:prstGeom prst="rect">
+            <a:avLst/>
+          </a:prstGeom>
+          <a:noFill/>
+        </p:spPr>
+        <p:txBody>
+          <a:bodyPr wrap="none" rtlCol="0">
+            <a:spAutoFit/>
+          </a:bodyPr>
+          <a:lstStyle/>
+          <a:p>
+            <a:r>
+              <a:rPr lang="en-US" altLang="zh-TW" sz="2800" b="1" dirty="0"/>
+              <a:t>1.</a:t>
+            </a:r>
+            <a:endParaRPr lang="zh-TW" altLang="en-US" sz="2800" b="1" dirty="0"/>
+          </a:p>
+        </p:txBody>
+      </p:sp>
+      <p:sp>
+        <p:nvSpPr>
+          <p:cNvPr id="18" name="文字方塊 17">
+            <a:extLst>
+              <a:ext uri="{FF2B5EF4-FFF2-40B4-BE49-F238E27FC236}">
+                <a16:creationId xmlns:a16="http://schemas.microsoft.com/office/drawing/2014/main" id="{04689A07-CA74-4EEF-98E3-DD801A6082D6}"/>
+              </a:ext>
+            </a:extLst>
+          </p:cNvPr>
+          <p:cNvSpPr txBox="1"/>
+          <p:nvPr/>
+        </p:nvSpPr>
+        <p:spPr>
+          <a:xfrm>
+            <a:off x="33610" y="2146742"/>
+            <a:ext cx="463588" cy="523220"/>
+          </a:xfrm>
+          <a:prstGeom prst="rect">
+            <a:avLst/>
+          </a:prstGeom>
+          <a:noFill/>
+        </p:spPr>
+        <p:txBody>
+          <a:bodyPr wrap="none" rtlCol="0">
+            <a:spAutoFit/>
+          </a:bodyPr>
+          <a:lstStyle/>
+          <a:p>
+            <a:r>
+              <a:rPr lang="en-US" altLang="zh-TW" sz="2800" b="1" dirty="0"/>
+              <a:t>2.</a:t>
+            </a:r>
+            <a:endParaRPr lang="zh-TW" altLang="en-US" sz="2800" b="1" dirty="0"/>
+          </a:p>
+        </p:txBody>
+      </p:sp>
+      <p:sp>
+        <p:nvSpPr>
+          <p:cNvPr id="19" name="文字方塊 18">
+            <a:extLst>
+              <a:ext uri="{FF2B5EF4-FFF2-40B4-BE49-F238E27FC236}">
+                <a16:creationId xmlns:a16="http://schemas.microsoft.com/office/drawing/2014/main" id="{9B73D450-731D-4188-8063-33E7F2329C72}"/>
+              </a:ext>
+            </a:extLst>
+          </p:cNvPr>
+          <p:cNvSpPr txBox="1"/>
+          <p:nvPr/>
+        </p:nvSpPr>
+        <p:spPr>
+          <a:xfrm>
+            <a:off x="33610" y="3388255"/>
+            <a:ext cx="463588" cy="523220"/>
+          </a:xfrm>
+          <a:prstGeom prst="rect">
+            <a:avLst/>
+          </a:prstGeom>
+          <a:noFill/>
+        </p:spPr>
+        <p:txBody>
+          <a:bodyPr wrap="none" rtlCol="0">
+            <a:spAutoFit/>
+          </a:bodyPr>
+          <a:lstStyle/>
+          <a:p>
+            <a:r>
+              <a:rPr lang="en-US" altLang="zh-TW" sz="2800" b="1" dirty="0"/>
+              <a:t>3.</a:t>
+            </a:r>
+            <a:endParaRPr lang="zh-TW" altLang="en-US" sz="2800" b="1" dirty="0"/>
+          </a:p>
+        </p:txBody>
+      </p:sp>
+      <p:sp>
+        <p:nvSpPr>
+          <p:cNvPr id="20" name="文字方塊 19">
+            <a:extLst>
+              <a:ext uri="{FF2B5EF4-FFF2-40B4-BE49-F238E27FC236}">
+                <a16:creationId xmlns:a16="http://schemas.microsoft.com/office/drawing/2014/main" id="{552E6718-927C-4B69-9D4F-913AC41F92A2}"/>
+              </a:ext>
+            </a:extLst>
+          </p:cNvPr>
+          <p:cNvSpPr txBox="1"/>
+          <p:nvPr/>
+        </p:nvSpPr>
+        <p:spPr>
+          <a:xfrm>
+            <a:off x="33610" y="4583277"/>
+            <a:ext cx="463588" cy="523220"/>
+          </a:xfrm>
+          <a:prstGeom prst="rect">
+            <a:avLst/>
+          </a:prstGeom>
+          <a:noFill/>
+        </p:spPr>
+        <p:txBody>
+          <a:bodyPr wrap="none" rtlCol="0">
+            <a:spAutoFit/>
+          </a:bodyPr>
+          <a:lstStyle/>
+          <a:p>
+            <a:r>
+              <a:rPr lang="en-US" altLang="zh-TW" sz="2800" b="1" dirty="0"/>
+              <a:t>4.</a:t>
+            </a:r>
+            <a:endParaRPr lang="zh-TW" altLang="en-US" sz="2800" b="1" dirty="0"/>
+          </a:p>
+        </p:txBody>
+      </p:sp>
+      <p:sp>
+        <p:nvSpPr>
+          <p:cNvPr id="21" name="文字方塊 20">
+            <a:extLst>
+              <a:ext uri="{FF2B5EF4-FFF2-40B4-BE49-F238E27FC236}">
+                <a16:creationId xmlns:a16="http://schemas.microsoft.com/office/drawing/2014/main" id="{BBAD9013-A0AF-4BF9-B058-1D52B82BBF64}"/>
+              </a:ext>
+            </a:extLst>
+          </p:cNvPr>
+          <p:cNvSpPr txBox="1"/>
+          <p:nvPr/>
+        </p:nvSpPr>
+        <p:spPr>
+          <a:xfrm>
+            <a:off x="5768918" y="627847"/>
+            <a:ext cx="463588" cy="523220"/>
+          </a:xfrm>
+          <a:prstGeom prst="rect">
+            <a:avLst/>
+          </a:prstGeom>
+          <a:noFill/>
+        </p:spPr>
+        <p:txBody>
+          <a:bodyPr wrap="none" rtlCol="0">
+            <a:spAutoFit/>
+          </a:bodyPr>
+          <a:lstStyle/>
+          <a:p>
+            <a:r>
+              <a:rPr lang="en-US" altLang="zh-TW" sz="2800" b="1" dirty="0"/>
+              <a:t>5.</a:t>
+            </a:r>
+            <a:endParaRPr lang="zh-TW" altLang="en-US" sz="2800" b="1" dirty="0"/>
+          </a:p>
+        </p:txBody>
+      </p:sp>
+      <p:sp>
+        <p:nvSpPr>
+          <p:cNvPr id="22" name="文字方塊 21">
+            <a:extLst>
+              <a:ext uri="{FF2B5EF4-FFF2-40B4-BE49-F238E27FC236}">
+                <a16:creationId xmlns:a16="http://schemas.microsoft.com/office/drawing/2014/main" id="{07034448-82D4-4D69-9E3C-24E5F1DF4849}"/>
+              </a:ext>
+            </a:extLst>
+          </p:cNvPr>
+          <p:cNvSpPr txBox="1"/>
+          <p:nvPr/>
+        </p:nvSpPr>
+        <p:spPr>
+          <a:xfrm>
+            <a:off x="5768918" y="1880549"/>
+            <a:ext cx="463588" cy="523220"/>
+          </a:xfrm>
+          <a:prstGeom prst="rect">
+            <a:avLst/>
+          </a:prstGeom>
+          <a:noFill/>
+        </p:spPr>
+        <p:txBody>
+          <a:bodyPr wrap="none" rtlCol="0">
+            <a:spAutoFit/>
+          </a:bodyPr>
+          <a:lstStyle/>
+          <a:p>
+            <a:r>
+              <a:rPr lang="en-US" altLang="zh-TW" sz="2800" b="1" dirty="0"/>
+              <a:t>6.</a:t>
+            </a:r>
+            <a:endParaRPr lang="zh-TW" altLang="en-US" sz="2800" b="1" dirty="0"/>
+          </a:p>
+        </p:txBody>
+      </p:sp>
+      <p:sp>
+        <p:nvSpPr>
+          <p:cNvPr id="23" name="文字方塊 22">
+            <a:extLst>
+              <a:ext uri="{FF2B5EF4-FFF2-40B4-BE49-F238E27FC236}">
+                <a16:creationId xmlns:a16="http://schemas.microsoft.com/office/drawing/2014/main" id="{D8B4EC06-2BD8-4214-822F-04EFF6FCF4F8}"/>
+              </a:ext>
+            </a:extLst>
+          </p:cNvPr>
+          <p:cNvSpPr txBox="1"/>
+          <p:nvPr/>
+        </p:nvSpPr>
+        <p:spPr>
+          <a:xfrm>
+            <a:off x="5768918" y="4610745"/>
+            <a:ext cx="463588" cy="523220"/>
+          </a:xfrm>
+          <a:prstGeom prst="rect">
+            <a:avLst/>
+          </a:prstGeom>
+          <a:noFill/>
+        </p:spPr>
+        <p:txBody>
+          <a:bodyPr wrap="none" rtlCol="0">
+            <a:spAutoFit/>
+          </a:bodyPr>
+          <a:lstStyle/>
+          <a:p>
+            <a:r>
+              <a:rPr lang="en-US" altLang="zh-TW" sz="2800" b="1" dirty="0"/>
+              <a:t>7.</a:t>
+            </a:r>
+            <a:endParaRPr lang="zh-TW" altLang="en-US" sz="2800" b="1" dirty="0"/>
+          </a:p>
+        </p:txBody>
+      </p:sp>
+      <p:sp>
+        <p:nvSpPr>
+          <p:cNvPr id="24" name="文字方塊 23">
+            <a:extLst>
+              <a:ext uri="{FF2B5EF4-FFF2-40B4-BE49-F238E27FC236}">
+                <a16:creationId xmlns:a16="http://schemas.microsoft.com/office/drawing/2014/main" id="{624BC3D4-EF42-427F-8A23-A3552F52AE68}"/>
+              </a:ext>
+            </a:extLst>
+          </p:cNvPr>
+          <p:cNvSpPr txBox="1"/>
+          <p:nvPr/>
+        </p:nvSpPr>
+        <p:spPr>
+          <a:xfrm>
+            <a:off x="4907143" y="169926"/>
+            <a:ext cx="1723549" cy="461665"/>
+          </a:xfrm>
+          <a:prstGeom prst="rect">
+            <a:avLst/>
+          </a:prstGeom>
+          <a:noFill/>
+        </p:spPr>
+        <p:txBody>
+          <a:bodyPr wrap="none" rtlCol="0">
+            <a:spAutoFit/>
+          </a:bodyPr>
+          <a:lstStyle/>
+          <a:p>
+            <a:r>
+              <a:rPr lang="zh-TW" altLang="en-US" sz="2400" b="1" dirty="0">
+                <a:latin typeface="微軟正黑體" panose="020B0604030504040204" pitchFamily="34" charset="-120"/>
+                <a:ea typeface="微軟正黑體" panose="020B0604030504040204" pitchFamily="34" charset="-120"/>
+              </a:rPr>
+              <a:t>資料庫流程</a:t>
+            </a:r>
+          </a:p>
+        </p:txBody>
+      </p:sp>
+    </p:spTree>
+    <p:extLst>
+      <p:ext uri="{BB962C8B-B14F-4D97-AF65-F5344CB8AC3E}">
+        <p14:creationId xmlns:p14="http://schemas.microsoft.com/office/powerpoint/2010/main" val="4194600555"/>
+      </p:ext>
+    </p:extLst>
+  </p:cSld>
+  <p:clrMapOvr>
+    <a:masterClrMapping/>
+  </p:clrMapOvr>
+</p:sld>
+</file>
+
 <file path=ppt/slides/slide2.xml><?xml version="1.0" encoding="utf-8"?>
 <p:sld xmlns:a="http://schemas.openxmlformats.org/drawingml/2006/main" xmlns:r="http://schemas.openxmlformats.org/officeDocument/2006/relationships" xmlns:p="http://schemas.openxmlformats.org/presentationml/2006/main">
   <p:cSld>
@@ -4827,10 +5798,10 @@
       </p:grpSpPr>
       <p:pic>
         <p:nvPicPr>
-          <p:cNvPr id="9" name="圖片 8">
-            <a:extLst>
-              <a:ext uri="{FF2B5EF4-FFF2-40B4-BE49-F238E27FC236}">
-                <a16:creationId xmlns:a16="http://schemas.microsoft.com/office/drawing/2014/main" id="{02B6266E-0A91-4F0E-9174-293C992FFD10}"/>
+          <p:cNvPr id="8" name="圖片 7">
+            <a:extLst>
+              <a:ext uri="{FF2B5EF4-FFF2-40B4-BE49-F238E27FC236}">
+                <a16:creationId xmlns:a16="http://schemas.microsoft.com/office/drawing/2014/main" id="{45C6FE26-D0A3-4B17-9914-ACB352D3996D}"/>
               </a:ext>
             </a:extLst>
           </p:cNvPr>
@@ -4847,8 +5818,8 @@
         </p:blipFill>
         <p:spPr>
           <a:xfrm>
-            <a:off x="365913" y="1579524"/>
-            <a:ext cx="11460174" cy="4696480"/>
+            <a:off x="5574925" y="1238890"/>
+            <a:ext cx="5690838" cy="4380220"/>
           </a:xfrm>
           <a:prstGeom prst="rect">
             <a:avLst/>
@@ -4857,10 +5828,10 @@
       </p:pic>
       <p:sp>
         <p:nvSpPr>
-          <p:cNvPr id="2" name="文字方塊 1">
-            <a:extLst>
-              <a:ext uri="{FF2B5EF4-FFF2-40B4-BE49-F238E27FC236}">
-                <a16:creationId xmlns:a16="http://schemas.microsoft.com/office/drawing/2014/main" id="{39B720F2-ECBE-4BA3-95F1-E6C3224FBF9D}"/>
+          <p:cNvPr id="9" name="文字方塊 8">
+            <a:extLst>
+              <a:ext uri="{FF2B5EF4-FFF2-40B4-BE49-F238E27FC236}">
+                <a16:creationId xmlns:a16="http://schemas.microsoft.com/office/drawing/2014/main" id="{68BCE90D-668D-4B65-9D5F-B28677E21E2E}"/>
               </a:ext>
             </a:extLst>
           </p:cNvPr>
@@ -4869,8 +5840,8 @@
         </p:nvSpPr>
         <p:spPr>
           <a:xfrm>
-            <a:off x="5359260" y="840510"/>
-            <a:ext cx="1473480" cy="461665"/>
+            <a:off x="585926" y="2472394"/>
+            <a:ext cx="4545367" cy="1569660"/>
           </a:xfrm>
           <a:prstGeom prst="rect">
             <a:avLst/>
@@ -4878,36 +5849,65 @@
           <a:noFill/>
         </p:spPr>
         <p:txBody>
-          <a:bodyPr wrap="none" rtlCol="0">
+          <a:bodyPr wrap="square" rtlCol="0">
             <a:spAutoFit/>
           </a:bodyPr>
           <a:lstStyle/>
           <a:p>
             <a:r>
-              <a:rPr lang="zh-TW" altLang="en-US" sz="2400" dirty="0">
-                <a:latin typeface="微軟正黑體" panose="020B0604030504040204" pitchFamily="34" charset="-120"/>
-                <a:ea typeface="微軟正黑體" panose="020B0604030504040204" pitchFamily="34" charset="-120"/>
-              </a:rPr>
-              <a:t>資料庫</a:t>
-            </a:r>
-            <a:r>
-              <a:rPr lang="en-US" altLang="zh-TW" sz="2400" dirty="0">
-                <a:latin typeface="微軟正黑體" panose="020B0604030504040204" pitchFamily="34" charset="-120"/>
-                <a:ea typeface="微軟正黑體" panose="020B0604030504040204" pitchFamily="34" charset="-120"/>
-              </a:rPr>
-              <a:t>ER</a:t>
-            </a:r>
-            <a:endParaRPr lang="zh-TW" altLang="en-US" sz="2400" dirty="0">
+              <a:rPr lang="en-US" altLang="zh-TW" sz="2400" b="1" dirty="0">
+                <a:latin typeface="微軟正黑體" panose="020B0604030504040204" pitchFamily="34" charset="-120"/>
+                <a:ea typeface="微軟正黑體" panose="020B0604030504040204" pitchFamily="34" charset="-120"/>
+              </a:rPr>
+              <a:t>Bootstrap –</a:t>
+            </a:r>
+            <a:r>
+              <a:rPr lang="zh-TW" altLang="en-US" sz="2400" b="1" dirty="0">
+                <a:latin typeface="微軟正黑體" panose="020B0604030504040204" pitchFamily="34" charset="-120"/>
+                <a:ea typeface="微軟正黑體" panose="020B0604030504040204" pitchFamily="34" charset="-120"/>
+              </a:rPr>
+              <a:t> </a:t>
+            </a:r>
+            <a:r>
+              <a:rPr lang="en-US" altLang="zh-TW" sz="2400" b="1" dirty="0">
+                <a:latin typeface="微軟正黑體" panose="020B0604030504040204" pitchFamily="34" charset="-120"/>
+                <a:ea typeface="微軟正黑體" panose="020B0604030504040204" pitchFamily="34" charset="-120"/>
+              </a:rPr>
+              <a:t>Modal</a:t>
+            </a:r>
+            <a:r>
+              <a:rPr lang="zh-TW" altLang="en-US" sz="2400" b="1" dirty="0">
+                <a:latin typeface="微軟正黑體" panose="020B0604030504040204" pitchFamily="34" charset="-120"/>
+                <a:ea typeface="微軟正黑體" panose="020B0604030504040204" pitchFamily="34" charset="-120"/>
+              </a:rPr>
+              <a:t> 彈出式視窗</a:t>
+            </a:r>
+            <a:endParaRPr lang="en-US" altLang="zh-TW" sz="2400" b="1" dirty="0">
               <a:latin typeface="微軟正黑體" panose="020B0604030504040204" pitchFamily="34" charset="-120"/>
               <a:ea typeface="微軟正黑體" panose="020B0604030504040204" pitchFamily="34" charset="-120"/>
             </a:endParaRPr>
           </a:p>
+          <a:p>
+            <a:endParaRPr lang="en-US" altLang="zh-TW" dirty="0">
+              <a:latin typeface="微軟正黑體" panose="020B0604030504040204" pitchFamily="34" charset="-120"/>
+              <a:ea typeface="微軟正黑體" panose="020B0604030504040204" pitchFamily="34" charset="-120"/>
+            </a:endParaRPr>
+          </a:p>
+          <a:p>
+            <a:r>
+              <a:rPr lang="zh-TW" altLang="en-US" dirty="0">
+                <a:latin typeface="微軟正黑體" panose="020B0604030504040204" pitchFamily="34" charset="-120"/>
+                <a:ea typeface="微軟正黑體" panose="020B0604030504040204" pitchFamily="34" charset="-120"/>
+              </a:rPr>
+              <a:t>使用者打開頁面時，會看到一個置中的彈出視窗，提供即時重要訊息，並可點擊圖片進入購票頁面。</a:t>
+            </a:r>
+          </a:p>
         </p:txBody>
       </p:sp>
     </p:spTree>
     <p:extLst>
       <p:ext uri="{BB962C8B-B14F-4D97-AF65-F5344CB8AC3E}">
-        <p14:creationId xmlns:p14="http://schemas.microsoft.com/office/powerpoint/2010/main" val="2648189449"/>
+        <p14:creationId xmlns:p14="http://schemas.microsoft.com/office/powerpoint/2010/main" val="2452505249"/>
       </p:ext>
     </p:extLst>
   </p:cSld>
@@ -4934,12 +5934,269 @@
           <a:chExt cx="0" cy="0"/>
         </a:xfrm>
       </p:grpSpPr>
+      <p:sp>
+        <p:nvSpPr>
+          <p:cNvPr id="3" name="內容版面配置區 2">
+            <a:extLst>
+              <a:ext uri="{FF2B5EF4-FFF2-40B4-BE49-F238E27FC236}">
+                <a16:creationId xmlns:a16="http://schemas.microsoft.com/office/drawing/2014/main" id="{FE50A96D-0716-44FF-8179-6067C7CA8209}"/>
+              </a:ext>
+            </a:extLst>
+          </p:cNvPr>
+          <p:cNvSpPr>
+            <a:spLocks noGrp="1"/>
+          </p:cNvSpPr>
+          <p:nvPr>
+            <p:ph idx="1"/>
+          </p:nvPr>
+        </p:nvSpPr>
+        <p:spPr>
+          <a:xfrm>
+            <a:off x="399495" y="798990"/>
+            <a:ext cx="4580878" cy="5610688"/>
+          </a:xfrm>
+        </p:spPr>
+        <p:txBody>
+          <a:bodyPr>
+            <a:normAutofit/>
+          </a:bodyPr>
+          <a:lstStyle/>
+          <a:p>
+            <a:pPr marL="0" indent="0">
+              <a:buNone/>
+            </a:pPr>
+            <a:r>
+              <a:rPr lang="zh-TW" altLang="en-US" sz="2400" b="1" dirty="0">
+                <a:latin typeface="微軟正黑體" panose="020B0604030504040204" pitchFamily="34" charset="-120"/>
+                <a:ea typeface="微軟正黑體" panose="020B0604030504040204" pitchFamily="34" charset="-120"/>
+              </a:rPr>
+              <a:t>網站導覽列（</a:t>
+            </a:r>
+            <a:r>
+              <a:rPr lang="en-US" altLang="zh-TW" sz="2400" b="1" dirty="0">
+                <a:latin typeface="微軟正黑體" panose="020B0604030504040204" pitchFamily="34" charset="-120"/>
+                <a:ea typeface="微軟正黑體" panose="020B0604030504040204" pitchFamily="34" charset="-120"/>
+              </a:rPr>
+              <a:t>Navbar</a:t>
+            </a:r>
+            <a:r>
+              <a:rPr lang="zh-TW" altLang="en-US" sz="2400" b="1" dirty="0">
+                <a:latin typeface="微軟正黑體" panose="020B0604030504040204" pitchFamily="34" charset="-120"/>
+                <a:ea typeface="微軟正黑體" panose="020B0604030504040204" pitchFamily="34" charset="-120"/>
+              </a:rPr>
+              <a:t>）</a:t>
+            </a:r>
+            <a:endParaRPr lang="en-US" altLang="zh-TW" sz="2400" dirty="0">
+              <a:latin typeface="微軟正黑體" panose="020B0604030504040204" pitchFamily="34" charset="-120"/>
+              <a:ea typeface="微軟正黑體" panose="020B0604030504040204" pitchFamily="34" charset="-120"/>
+            </a:endParaRPr>
+          </a:p>
+          <a:p>
+            <a:pPr marL="0" indent="0">
+              <a:buNone/>
+            </a:pPr>
+            <a:r>
+              <a:rPr lang="zh-TW" altLang="en-US" sz="1800" dirty="0">
+                <a:latin typeface="微軟正黑體" panose="020B0604030504040204" pitchFamily="34" charset="-120"/>
+                <a:ea typeface="微軟正黑體" panose="020B0604030504040204" pitchFamily="34" charset="-120"/>
+              </a:rPr>
+              <a:t>提供使用者快速導覽整個網站的頁面，</a:t>
+            </a:r>
+            <a:r>
+              <a:rPr lang="zh-TW" altLang="en-US" sz="1800" dirty="0"/>
+              <a:t>包含：網站 </a:t>
+            </a:r>
+            <a:r>
+              <a:rPr lang="en-US" altLang="zh-TW" sz="1800" dirty="0"/>
+              <a:t>Logo</a:t>
+            </a:r>
+            <a:r>
+              <a:rPr lang="zh-TW" altLang="en-US" sz="1800" dirty="0"/>
+              <a:t>、導覽連結、購物車按鈕、登入與註冊，響應式設計（在手機會自動收合為漢堡選單）</a:t>
+            </a:r>
+            <a:endParaRPr lang="en-US" altLang="zh-TW" sz="1800" dirty="0"/>
+          </a:p>
+          <a:p>
+            <a:pPr marL="0" indent="0">
+              <a:buNone/>
+            </a:pPr>
+            <a:endParaRPr lang="en-US" altLang="zh-TW" sz="1800" dirty="0"/>
+          </a:p>
+          <a:p>
+            <a:pPr marL="0" indent="0">
+              <a:buNone/>
+            </a:pPr>
+            <a:r>
+              <a:rPr lang="zh-TW" altLang="en-US" sz="2400" b="1" dirty="0">
+                <a:latin typeface="微軟正黑體" panose="020B0604030504040204" pitchFamily="34" charset="-120"/>
+                <a:ea typeface="微軟正黑體" panose="020B0604030504040204" pitchFamily="34" charset="-120"/>
+              </a:rPr>
+              <a:t>垂直跑馬燈（</a:t>
+            </a:r>
+            <a:r>
+              <a:rPr lang="en-US" altLang="zh-TW" sz="2400" b="1" dirty="0">
+                <a:latin typeface="微軟正黑體" panose="020B0604030504040204" pitchFamily="34" charset="-120"/>
+                <a:ea typeface="微軟正黑體" panose="020B0604030504040204" pitchFamily="34" charset="-120"/>
+              </a:rPr>
+              <a:t>Vertical Marquee</a:t>
+            </a:r>
+            <a:r>
+              <a:rPr lang="zh-TW" altLang="en-US" sz="2400" b="1" dirty="0">
+                <a:latin typeface="微軟正黑體" panose="020B0604030504040204" pitchFamily="34" charset="-120"/>
+                <a:ea typeface="微軟正黑體" panose="020B0604030504040204" pitchFamily="34" charset="-120"/>
+              </a:rPr>
+              <a:t>）</a:t>
+            </a:r>
+            <a:endParaRPr lang="en-US" altLang="zh-TW" sz="2400" b="1" dirty="0">
+              <a:latin typeface="微軟正黑體" panose="020B0604030504040204" pitchFamily="34" charset="-120"/>
+              <a:ea typeface="微軟正黑體" panose="020B0604030504040204" pitchFamily="34" charset="-120"/>
+            </a:endParaRPr>
+          </a:p>
+          <a:p>
+            <a:pPr marL="0" indent="0">
+              <a:buNone/>
+            </a:pPr>
+            <a:r>
+              <a:rPr lang="zh-TW" altLang="en-US" sz="1800" dirty="0">
+                <a:latin typeface="微軟正黑體" panose="020B0604030504040204" pitchFamily="34" charset="-120"/>
+                <a:ea typeface="微軟正黑體" panose="020B0604030504040204" pitchFamily="34" charset="-120"/>
+              </a:rPr>
+              <a:t>一個上下無限滾動、循環播放清單的效果，用來展示最新活動或公告，利用 </a:t>
+            </a:r>
+            <a:r>
+              <a:rPr lang="en-US" altLang="zh-TW" sz="1800" dirty="0">
+                <a:latin typeface="微軟正黑體" panose="020B0604030504040204" pitchFamily="34" charset="-120"/>
+                <a:ea typeface="微軟正黑體" panose="020B0604030504040204" pitchFamily="34" charset="-120"/>
+              </a:rPr>
+              <a:t>CSS </a:t>
+            </a:r>
+            <a:r>
+              <a:rPr lang="zh-TW" altLang="en-US" sz="1800" dirty="0">
+                <a:latin typeface="微軟正黑體" panose="020B0604030504040204" pitchFamily="34" charset="-120"/>
+                <a:ea typeface="微軟正黑體" panose="020B0604030504040204" pitchFamily="34" charset="-120"/>
+              </a:rPr>
+              <a:t>將項目裡的內容從底部往上滑，達到垂直滾動效果。</a:t>
+            </a:r>
+            <a:endParaRPr lang="en-US" altLang="zh-TW" sz="1800" dirty="0">
+              <a:latin typeface="微軟正黑體" panose="020B0604030504040204" pitchFamily="34" charset="-120"/>
+              <a:ea typeface="微軟正黑體" panose="020B0604030504040204" pitchFamily="34" charset="-120"/>
+            </a:endParaRPr>
+          </a:p>
+          <a:p>
+            <a:pPr marL="0" indent="0">
+              <a:buNone/>
+            </a:pPr>
+            <a:endParaRPr lang="en-US" altLang="zh-TW" sz="1800" dirty="0">
+              <a:latin typeface="微軟正黑體" panose="020B0604030504040204" pitchFamily="34" charset="-120"/>
+              <a:ea typeface="微軟正黑體" panose="020B0604030504040204" pitchFamily="34" charset="-120"/>
+            </a:endParaRPr>
+          </a:p>
+          <a:p>
+            <a:pPr marL="0" indent="0">
+              <a:buNone/>
+            </a:pPr>
+            <a:r>
+              <a:rPr lang="en-US" altLang="zh-TW" sz="2400" b="1" dirty="0">
+                <a:latin typeface="微軟正黑體" panose="020B0604030504040204" pitchFamily="34" charset="-120"/>
+                <a:ea typeface="微軟正黑體" panose="020B0604030504040204" pitchFamily="34" charset="-120"/>
+              </a:rPr>
+              <a:t>Carousel</a:t>
+            </a:r>
+            <a:r>
+              <a:rPr lang="zh-TW" altLang="en-US" sz="2400" b="1" dirty="0">
+                <a:latin typeface="微軟正黑體" panose="020B0604030504040204" pitchFamily="34" charset="-120"/>
+                <a:ea typeface="微軟正黑體" panose="020B0604030504040204" pitchFamily="34" charset="-120"/>
+              </a:rPr>
+              <a:t>（輪播圖）</a:t>
+            </a:r>
+            <a:endParaRPr lang="en-US" altLang="zh-TW" sz="2400" b="1" dirty="0">
+              <a:latin typeface="微軟正黑體" panose="020B0604030504040204" pitchFamily="34" charset="-120"/>
+              <a:ea typeface="微軟正黑體" panose="020B0604030504040204" pitchFamily="34" charset="-120"/>
+            </a:endParaRPr>
+          </a:p>
+          <a:p>
+            <a:pPr marL="0" indent="0">
+              <a:buNone/>
+            </a:pPr>
+            <a:r>
+              <a:rPr lang="zh-TW" altLang="en-US" sz="1800" dirty="0">
+                <a:latin typeface="微軟正黑體" panose="020B0604030504040204" pitchFamily="34" charset="-120"/>
+                <a:ea typeface="微軟正黑體" panose="020B0604030504040204" pitchFamily="34" charset="-120"/>
+              </a:rPr>
+              <a:t>用來展示多場演唱會或活動，使用者每次看到一張卡片，</a:t>
+            </a:r>
+            <a:r>
+              <a:rPr lang="en-US" altLang="zh-TW" sz="1800" dirty="0">
+                <a:latin typeface="微軟正黑體" panose="020B0604030504040204" pitchFamily="34" charset="-120"/>
+                <a:ea typeface="微軟正黑體" panose="020B0604030504040204" pitchFamily="34" charset="-120"/>
+              </a:rPr>
+              <a:t>3 </a:t>
+            </a:r>
+            <a:r>
+              <a:rPr lang="zh-TW" altLang="en-US" sz="1800" dirty="0">
+                <a:latin typeface="微軟正黑體" panose="020B0604030504040204" pitchFamily="34" charset="-120"/>
+                <a:ea typeface="微軟正黑體" panose="020B0604030504040204" pitchFamily="34" charset="-120"/>
+              </a:rPr>
+              <a:t>秒自動切換，可直接點擊進入購票頁面。</a:t>
+            </a:r>
+            <a:endParaRPr lang="en-US" altLang="zh-TW" sz="1800" b="1" dirty="0">
+              <a:latin typeface="微軟正黑體" panose="020B0604030504040204" pitchFamily="34" charset="-120"/>
+              <a:ea typeface="微軟正黑體" panose="020B0604030504040204" pitchFamily="34" charset="-120"/>
+            </a:endParaRPr>
+          </a:p>
+          <a:p>
+            <a:pPr marL="0" indent="0">
+              <a:buNone/>
+            </a:pPr>
+            <a:endParaRPr lang="en-US" altLang="zh-TW" sz="2400" b="1" dirty="0">
+              <a:latin typeface="微軟正黑體" panose="020B0604030504040204" pitchFamily="34" charset="-120"/>
+              <a:ea typeface="微軟正黑體" panose="020B0604030504040204" pitchFamily="34" charset="-120"/>
+            </a:endParaRPr>
+          </a:p>
+          <a:p>
+            <a:pPr marL="0" indent="0">
+              <a:buNone/>
+            </a:pPr>
+            <a:endParaRPr lang="zh-TW" altLang="en-US" sz="2400" b="1" dirty="0">
+              <a:latin typeface="微軟正黑體" panose="020B0604030504040204" pitchFamily="34" charset="-120"/>
+              <a:ea typeface="微軟正黑體" panose="020B0604030504040204" pitchFamily="34" charset="-120"/>
+            </a:endParaRPr>
+          </a:p>
+          <a:p>
+            <a:pPr marL="0" indent="0">
+              <a:buNone/>
+            </a:pPr>
+            <a:endParaRPr lang="en-US" altLang="zh-TW" sz="1800" dirty="0">
+              <a:latin typeface="微軟正黑體" panose="020B0604030504040204" pitchFamily="34" charset="-120"/>
+              <a:ea typeface="微軟正黑體" panose="020B0604030504040204" pitchFamily="34" charset="-120"/>
+            </a:endParaRPr>
+          </a:p>
+          <a:p>
+            <a:pPr marL="0" indent="0">
+              <a:buNone/>
+            </a:pPr>
+            <a:endParaRPr lang="en-US" altLang="zh-TW" sz="2400" dirty="0">
+              <a:latin typeface="微軟正黑體" panose="020B0604030504040204" pitchFamily="34" charset="-120"/>
+              <a:ea typeface="微軟正黑體" panose="020B0604030504040204" pitchFamily="34" charset="-120"/>
+            </a:endParaRPr>
+          </a:p>
+          <a:p>
+            <a:pPr marL="0" indent="0">
+              <a:buNone/>
+            </a:pPr>
+            <a:endParaRPr lang="zh-TW" altLang="en-US" sz="1800" dirty="0">
+              <a:latin typeface="微軟正黑體" panose="020B0604030504040204" pitchFamily="34" charset="-120"/>
+              <a:ea typeface="微軟正黑體" panose="020B0604030504040204" pitchFamily="34" charset="-120"/>
+            </a:endParaRPr>
+          </a:p>
+        </p:txBody>
+      </p:sp>
       <p:pic>
         <p:nvPicPr>
           <p:cNvPr id="4" name="圖片 3">
             <a:extLst>
               <a:ext uri="{FF2B5EF4-FFF2-40B4-BE49-F238E27FC236}">
-                <a16:creationId xmlns:a16="http://schemas.microsoft.com/office/drawing/2014/main" id="{FE572E10-4311-452F-B7AC-A35EE0E151EB}"/>
+                <a16:creationId xmlns:a16="http://schemas.microsoft.com/office/drawing/2014/main" id="{9F0BE085-2F67-443C-B73B-AD93E93E165D}"/>
               </a:ext>
             </a:extLst>
           </p:cNvPr>
@@ -4956,8 +6213,153 @@
         </p:blipFill>
         <p:spPr>
           <a:xfrm>
-            <a:off x="427103" y="705311"/>
-            <a:ext cx="3969522" cy="1465948"/>
+            <a:off x="5110592" y="798990"/>
+            <a:ext cx="6862358" cy="4935984"/>
+          </a:xfrm>
+          <a:prstGeom prst="rect">
+            <a:avLst/>
+          </a:prstGeom>
+        </p:spPr>
+      </p:pic>
+    </p:spTree>
+    <p:extLst>
+      <p:ext uri="{BB962C8B-B14F-4D97-AF65-F5344CB8AC3E}">
+        <p14:creationId xmlns:p14="http://schemas.microsoft.com/office/powerpoint/2010/main" val="3021666094"/>
+      </p:ext>
+    </p:extLst>
+  </p:cSld>
+  <p:clrMapOvr>
+    <a:masterClrMapping/>
+  </p:clrMapOvr>
+</p:sld>
+</file>
+
+<file path=ppt/slides/slide8.xml><?xml version="1.0" encoding="utf-8"?>
+<p:sld xmlns:a="http://schemas.openxmlformats.org/drawingml/2006/main" xmlns:r="http://schemas.openxmlformats.org/officeDocument/2006/relationships" xmlns:p="http://schemas.openxmlformats.org/presentationml/2006/main">
+  <p:cSld>
+    <p:spTree>
+      <p:nvGrpSpPr>
+        <p:cNvPr id="1" name=""/>
+        <p:cNvGrpSpPr/>
+        <p:nvPr/>
+      </p:nvGrpSpPr>
+      <p:grpSpPr>
+        <a:xfrm>
+          <a:off x="0" y="0"/>
+          <a:ext cx="0" cy="0"/>
+          <a:chOff x="0" y="0"/>
+          <a:chExt cx="0" cy="0"/>
+        </a:xfrm>
+      </p:grpSpPr>
+      <p:sp>
+        <p:nvSpPr>
+          <p:cNvPr id="3" name="內容版面配置區 2">
+            <a:extLst>
+              <a:ext uri="{FF2B5EF4-FFF2-40B4-BE49-F238E27FC236}">
+                <a16:creationId xmlns:a16="http://schemas.microsoft.com/office/drawing/2014/main" id="{A5F60217-FE14-449C-8FC9-929831BFDDD5}"/>
+              </a:ext>
+            </a:extLst>
+          </p:cNvPr>
+          <p:cNvSpPr>
+            <a:spLocks noGrp="1"/>
+          </p:cNvSpPr>
+          <p:nvPr>
+            <p:ph idx="1"/>
+          </p:nvPr>
+        </p:nvSpPr>
+        <p:spPr>
+          <a:xfrm>
+            <a:off x="1162975" y="5344357"/>
+            <a:ext cx="10093910" cy="2155378"/>
+          </a:xfrm>
+        </p:spPr>
+        <p:txBody>
+          <a:bodyPr>
+            <a:normAutofit/>
+          </a:bodyPr>
+          <a:lstStyle/>
+          <a:p>
+            <a:pPr marL="0" indent="0">
+              <a:buNone/>
+            </a:pPr>
+            <a:r>
+              <a:rPr lang="zh-TW" altLang="en-US" sz="2400" b="1" dirty="0">
+                <a:latin typeface="微軟正黑體" panose="020B0604030504040204" pitchFamily="34" charset="-120"/>
+                <a:ea typeface="微軟正黑體" panose="020B0604030504040204" pitchFamily="34" charset="-120"/>
+              </a:rPr>
+              <a:t>覆蓋式浮動表單（</a:t>
+            </a:r>
+            <a:r>
+              <a:rPr lang="en-US" altLang="zh-TW" sz="2400" b="1" dirty="0">
+                <a:latin typeface="微軟正黑體" panose="020B0604030504040204" pitchFamily="34" charset="-120"/>
+                <a:ea typeface="微軟正黑體" panose="020B0604030504040204" pitchFamily="34" charset="-120"/>
+              </a:rPr>
+              <a:t>overlay popup form</a:t>
+            </a:r>
+            <a:r>
+              <a:rPr lang="zh-TW" altLang="en-US" sz="2400" b="1" dirty="0">
+                <a:latin typeface="微軟正黑體" panose="020B0604030504040204" pitchFamily="34" charset="-120"/>
+                <a:ea typeface="微軟正黑體" panose="020B0604030504040204" pitchFamily="34" charset="-120"/>
+              </a:rPr>
+              <a:t>）</a:t>
+            </a:r>
+            <a:endParaRPr lang="en-US" altLang="zh-TW" sz="2400" b="1" dirty="0">
+              <a:latin typeface="微軟正黑體" panose="020B0604030504040204" pitchFamily="34" charset="-120"/>
+              <a:ea typeface="微軟正黑體" panose="020B0604030504040204" pitchFamily="34" charset="-120"/>
+            </a:endParaRPr>
+          </a:p>
+          <a:p>
+            <a:pPr marL="0" indent="0">
+              <a:buNone/>
+            </a:pPr>
+            <a:r>
+              <a:rPr lang="zh-TW" altLang="en-US" sz="1800" dirty="0">
+                <a:latin typeface="微軟正黑體" panose="020B0604030504040204" pitchFamily="34" charset="-120"/>
+                <a:ea typeface="微軟正黑體" panose="020B0604030504040204" pitchFamily="34" charset="-120"/>
+              </a:rPr>
+              <a:t>視窗開啟後可輸入</a:t>
+            </a:r>
+            <a:r>
+              <a:rPr lang="en-US" altLang="zh-TW" sz="1800" dirty="0">
+                <a:latin typeface="微軟正黑體" panose="020B0604030504040204" pitchFamily="34" charset="-120"/>
+                <a:ea typeface="微軟正黑體" panose="020B0604030504040204" pitchFamily="34" charset="-120"/>
+              </a:rPr>
+              <a:t>Email</a:t>
+            </a:r>
+            <a:r>
+              <a:rPr lang="zh-TW" altLang="en-US" sz="1800" dirty="0">
+                <a:latin typeface="微軟正黑體" panose="020B0604030504040204" pitchFamily="34" charset="-120"/>
+                <a:ea typeface="微軟正黑體" panose="020B0604030504040204" pitchFamily="34" charset="-120"/>
+              </a:rPr>
+              <a:t>及密碼，若切換為「註冊模式」，會動態顯示更多欄位包含：姓名、電話。</a:t>
+            </a:r>
+          </a:p>
+        </p:txBody>
+      </p:sp>
+      <p:pic>
+        <p:nvPicPr>
+          <p:cNvPr id="4" name="圖片 3">
+            <a:extLst>
+              <a:ext uri="{FF2B5EF4-FFF2-40B4-BE49-F238E27FC236}">
+                <a16:creationId xmlns:a16="http://schemas.microsoft.com/office/drawing/2014/main" id="{F89083AA-F58D-4B5B-BFC6-24C246C9DB43}"/>
+              </a:ext>
+            </a:extLst>
+          </p:cNvPr>
+          <p:cNvPicPr>
+            <a:picLocks noChangeAspect="1"/>
+          </p:cNvPicPr>
+          <p:nvPr/>
+        </p:nvPicPr>
+        <p:blipFill>
+          <a:blip r:embed="rId2"/>
+          <a:stretch>
+            <a:fillRect/>
+          </a:stretch>
+        </p:blipFill>
+        <p:spPr>
+          <a:xfrm>
+            <a:off x="6427433" y="322972"/>
+            <a:ext cx="3079447" cy="4701790"/>
           </a:xfrm>
           <a:prstGeom prst="rect">
             <a:avLst/>
@@ -4969,7 +6371,7 @@
           <p:cNvPr id="5" name="圖片 4">
             <a:extLst>
               <a:ext uri="{FF2B5EF4-FFF2-40B4-BE49-F238E27FC236}">
-                <a16:creationId xmlns:a16="http://schemas.microsoft.com/office/drawing/2014/main" id="{6D1AC1F6-5B93-450C-A855-E0A96DC874B9}"/>
+                <a16:creationId xmlns:a16="http://schemas.microsoft.com/office/drawing/2014/main" id="{0F263BAD-F2A5-4DB2-A9B1-2F7702C08DD6}"/>
               </a:ext>
             </a:extLst>
           </p:cNvPr>
@@ -4986,20 +6388,153 @@
         </p:blipFill>
         <p:spPr>
           <a:xfrm>
-            <a:off x="4489622" y="710603"/>
-            <a:ext cx="1186299" cy="480526"/>
+            <a:off x="2059388" y="689915"/>
+            <a:ext cx="3287930" cy="3174831"/>
           </a:xfrm>
           <a:prstGeom prst="rect">
             <a:avLst/>
           </a:prstGeom>
         </p:spPr>
       </p:pic>
+    </p:spTree>
+    <p:extLst>
+      <p:ext uri="{BB962C8B-B14F-4D97-AF65-F5344CB8AC3E}">
+        <p14:creationId xmlns:p14="http://schemas.microsoft.com/office/powerpoint/2010/main" val="1993164422"/>
+      </p:ext>
+    </p:extLst>
+  </p:cSld>
+  <p:clrMapOvr>
+    <a:masterClrMapping/>
+  </p:clrMapOvr>
+</p:sld>
+</file>
+
+<file path=ppt/slides/slide9.xml><?xml version="1.0" encoding="utf-8"?>
+<p:sld xmlns:a="http://schemas.openxmlformats.org/drawingml/2006/main" xmlns:r="http://schemas.openxmlformats.org/officeDocument/2006/relationships" xmlns:p="http://schemas.openxmlformats.org/presentationml/2006/main">
+  <p:cSld>
+    <p:spTree>
+      <p:nvGrpSpPr>
+        <p:cNvPr id="1" name=""/>
+        <p:cNvGrpSpPr/>
+        <p:nvPr/>
+      </p:nvGrpSpPr>
+      <p:grpSpPr>
+        <a:xfrm>
+          <a:off x="0" y="0"/>
+          <a:ext cx="0" cy="0"/>
+          <a:chOff x="0" y="0"/>
+          <a:chExt cx="0" cy="0"/>
+        </a:xfrm>
+      </p:grpSpPr>
+      <p:sp>
+        <p:nvSpPr>
+          <p:cNvPr id="3" name="內容版面配置區 2">
+            <a:extLst>
+              <a:ext uri="{FF2B5EF4-FFF2-40B4-BE49-F238E27FC236}">
+                <a16:creationId xmlns:a16="http://schemas.microsoft.com/office/drawing/2014/main" id="{0F17D82F-660D-4404-86DB-492F3FCD5BB7}"/>
+              </a:ext>
+            </a:extLst>
+          </p:cNvPr>
+          <p:cNvSpPr>
+            <a:spLocks noGrp="1"/>
+          </p:cNvSpPr>
+          <p:nvPr>
+            <p:ph idx="1"/>
+          </p:nvPr>
+        </p:nvSpPr>
+        <p:spPr>
+          <a:xfrm>
+            <a:off x="838200" y="4891595"/>
+            <a:ext cx="10515600" cy="1677881"/>
+          </a:xfrm>
+        </p:spPr>
+        <p:txBody>
+          <a:bodyPr>
+            <a:normAutofit/>
+          </a:bodyPr>
+          <a:lstStyle/>
+          <a:p>
+            <a:pPr marL="0" indent="0">
+              <a:buNone/>
+            </a:pPr>
+            <a:r>
+              <a:rPr lang="zh-TW" altLang="en-US" sz="2400" b="1" dirty="0">
+                <a:latin typeface="微軟正黑體" panose="020B0604030504040204" pitchFamily="34" charset="-120"/>
+                <a:ea typeface="微軟正黑體" panose="020B0604030504040204" pitchFamily="34" charset="-120"/>
+              </a:rPr>
+              <a:t>票券選擇與購買表單區塊</a:t>
+            </a:r>
+            <a:endParaRPr lang="en-US" altLang="zh-TW" sz="2400" b="1" dirty="0">
+              <a:latin typeface="微軟正黑體" panose="020B0604030504040204" pitchFamily="34" charset="-120"/>
+              <a:ea typeface="微軟正黑體" panose="020B0604030504040204" pitchFamily="34" charset="-120"/>
+            </a:endParaRPr>
+          </a:p>
+          <a:p>
+            <a:pPr marL="0" indent="0">
+              <a:buNone/>
+            </a:pPr>
+            <a:r>
+              <a:rPr lang="zh-TW" altLang="en-US" sz="1800" dirty="0">
+                <a:latin typeface="微軟正黑體" panose="020B0604030504040204" pitchFamily="34" charset="-120"/>
+                <a:ea typeface="微軟正黑體" panose="020B0604030504040204" pitchFamily="34" charset="-120"/>
+              </a:rPr>
+              <a:t>結合了使用者互動、票價邏輯與動態顯示，使用 </a:t>
+            </a:r>
+            <a:r>
+              <a:rPr lang="en-US" altLang="zh-TW" sz="1800" dirty="0">
+                <a:latin typeface="微軟正黑體" panose="020B0604030504040204" pitchFamily="34" charset="-120"/>
+                <a:ea typeface="微軟正黑體" panose="020B0604030504040204" pitchFamily="34" charset="-120"/>
+              </a:rPr>
+              <a:t>Bootstrap </a:t>
+            </a:r>
+            <a:r>
+              <a:rPr lang="zh-TW" altLang="en-US" sz="1800" dirty="0">
+                <a:latin typeface="微軟正黑體" panose="020B0604030504040204" pitchFamily="34" charset="-120"/>
+                <a:ea typeface="微軟正黑體" panose="020B0604030504040204" pitchFamily="34" charset="-120"/>
+              </a:rPr>
+              <a:t>按鈕群組與表單組件，結合 </a:t>
+            </a:r>
+            <a:r>
+              <a:rPr lang="en-US" altLang="zh-TW" sz="1800" dirty="0">
+                <a:latin typeface="微軟正黑體" panose="020B0604030504040204" pitchFamily="34" charset="-120"/>
+                <a:ea typeface="微軟正黑體" panose="020B0604030504040204" pitchFamily="34" charset="-120"/>
+              </a:rPr>
+              <a:t>JavaScript</a:t>
+            </a:r>
+            <a:r>
+              <a:rPr lang="zh-TW" altLang="en-US" sz="1800" dirty="0">
+                <a:latin typeface="微軟正黑體" panose="020B0604030504040204" pitchFamily="34" charset="-120"/>
+                <a:ea typeface="微軟正黑體" panose="020B0604030504040204" pitchFamily="34" charset="-120"/>
+              </a:rPr>
+              <a:t>顯示對應日期的票價，計算「小計」金額：票價 </a:t>
+            </a:r>
+            <a:r>
+              <a:rPr lang="en-US" altLang="zh-TW" sz="1800" dirty="0">
+                <a:latin typeface="微軟正黑體" panose="020B0604030504040204" pitchFamily="34" charset="-120"/>
+                <a:ea typeface="微軟正黑體" panose="020B0604030504040204" pitchFamily="34" charset="-120"/>
+              </a:rPr>
+              <a:t>× </a:t>
+            </a:r>
+            <a:r>
+              <a:rPr lang="zh-TW" altLang="en-US" sz="1800" dirty="0">
+                <a:latin typeface="微軟正黑體" panose="020B0604030504040204" pitchFamily="34" charset="-120"/>
+                <a:ea typeface="微軟正黑體" panose="020B0604030504040204" pitchFamily="34" charset="-120"/>
+              </a:rPr>
+              <a:t>張數</a:t>
+            </a:r>
+            <a:endParaRPr lang="en-US" altLang="zh-TW" sz="1800" dirty="0">
+              <a:latin typeface="微軟正黑體" panose="020B0604030504040204" pitchFamily="34" charset="-120"/>
+              <a:ea typeface="微軟正黑體" panose="020B0604030504040204" pitchFamily="34" charset="-120"/>
+            </a:endParaRPr>
+          </a:p>
+        </p:txBody>
+      </p:sp>
       <p:pic>
         <p:nvPicPr>
-          <p:cNvPr id="6" name="圖片 5">
-            <a:extLst>
-              <a:ext uri="{FF2B5EF4-FFF2-40B4-BE49-F238E27FC236}">
-                <a16:creationId xmlns:a16="http://schemas.microsoft.com/office/drawing/2014/main" id="{57ADAEFB-707E-41B9-8356-771C4C6F16F2}"/>
+          <p:cNvPr id="4" name="圖片 3">
+            <a:extLst>
+              <a:ext uri="{FF2B5EF4-FFF2-40B4-BE49-F238E27FC236}">
+                <a16:creationId xmlns:a16="http://schemas.microsoft.com/office/drawing/2014/main" id="{EA1D6FC0-9B22-47D6-9611-5F78E5A4646E}"/>
               </a:ext>
             </a:extLst>
           </p:cNvPr>
@@ -5009,615 +6544,25 @@
           <p:nvPr/>
         </p:nvPicPr>
         <p:blipFill>
-          <a:blip r:embed="rId4"/>
+          <a:blip r:embed="rId2"/>
           <a:stretch>
             <a:fillRect/>
           </a:stretch>
         </p:blipFill>
         <p:spPr>
           <a:xfrm>
-            <a:off x="427103" y="2301946"/>
-            <a:ext cx="3969927" cy="955622"/>
+            <a:off x="2707927" y="428855"/>
+            <a:ext cx="6776145" cy="4294066"/>
           </a:xfrm>
           <a:prstGeom prst="rect">
             <a:avLst/>
           </a:prstGeom>
         </p:spPr>
       </p:pic>
-      <p:pic>
-        <p:nvPicPr>
-          <p:cNvPr id="7" name="圖片 6">
-            <a:extLst>
-              <a:ext uri="{FF2B5EF4-FFF2-40B4-BE49-F238E27FC236}">
-                <a16:creationId xmlns:a16="http://schemas.microsoft.com/office/drawing/2014/main" id="{8C325835-7A3C-4011-8AD5-8168066FA036}"/>
-              </a:ext>
-            </a:extLst>
-          </p:cNvPr>
-          <p:cNvPicPr>
-            <a:picLocks noChangeAspect="1"/>
-          </p:cNvPicPr>
-          <p:nvPr/>
-        </p:nvPicPr>
-        <p:blipFill>
-          <a:blip r:embed="rId5"/>
-          <a:stretch>
-            <a:fillRect/>
-          </a:stretch>
-        </p:blipFill>
-        <p:spPr>
-          <a:xfrm>
-            <a:off x="4489622" y="2290330"/>
-            <a:ext cx="1094233" cy="795188"/>
-          </a:xfrm>
-          <a:prstGeom prst="rect">
-            <a:avLst/>
-          </a:prstGeom>
-        </p:spPr>
-      </p:pic>
-      <p:pic>
-        <p:nvPicPr>
-          <p:cNvPr id="8" name="圖片 7">
-            <a:extLst>
-              <a:ext uri="{FF2B5EF4-FFF2-40B4-BE49-F238E27FC236}">
-                <a16:creationId xmlns:a16="http://schemas.microsoft.com/office/drawing/2014/main" id="{37AED4B8-D7FD-40F5-8E4F-291DAC5104DD}"/>
-              </a:ext>
-            </a:extLst>
-          </p:cNvPr>
-          <p:cNvPicPr>
-            <a:picLocks noChangeAspect="1"/>
-          </p:cNvPicPr>
-          <p:nvPr/>
-        </p:nvPicPr>
-        <p:blipFill>
-          <a:blip r:embed="rId6"/>
-          <a:stretch>
-            <a:fillRect/>
-          </a:stretch>
-        </p:blipFill>
-        <p:spPr>
-          <a:xfrm>
-            <a:off x="422125" y="3388255"/>
-            <a:ext cx="3989783" cy="1104315"/>
-          </a:xfrm>
-          <a:prstGeom prst="rect">
-            <a:avLst/>
-          </a:prstGeom>
-        </p:spPr>
-      </p:pic>
-      <p:pic>
-        <p:nvPicPr>
-          <p:cNvPr id="9" name="圖片 8">
-            <a:extLst>
-              <a:ext uri="{FF2B5EF4-FFF2-40B4-BE49-F238E27FC236}">
-                <a16:creationId xmlns:a16="http://schemas.microsoft.com/office/drawing/2014/main" id="{C364AEC9-68B8-4DAC-BA53-A3825CEC9FBC}"/>
-              </a:ext>
-            </a:extLst>
-          </p:cNvPr>
-          <p:cNvPicPr>
-            <a:picLocks noChangeAspect="1"/>
-          </p:cNvPicPr>
-          <p:nvPr/>
-        </p:nvPicPr>
-        <p:blipFill>
-          <a:blip r:embed="rId7"/>
-          <a:stretch>
-            <a:fillRect/>
-          </a:stretch>
-        </p:blipFill>
-        <p:spPr>
-          <a:xfrm>
-            <a:off x="422125" y="4636412"/>
-            <a:ext cx="4690492" cy="1187773"/>
-          </a:xfrm>
-          <a:prstGeom prst="rect">
-            <a:avLst/>
-          </a:prstGeom>
-        </p:spPr>
-      </p:pic>
-      <p:pic>
-        <p:nvPicPr>
-          <p:cNvPr id="10" name="圖片 9">
-            <a:extLst>
-              <a:ext uri="{FF2B5EF4-FFF2-40B4-BE49-F238E27FC236}">
-                <a16:creationId xmlns:a16="http://schemas.microsoft.com/office/drawing/2014/main" id="{FB3EB189-07FB-40D6-A8C0-D2F919E184E7}"/>
-              </a:ext>
-            </a:extLst>
-          </p:cNvPr>
-          <p:cNvPicPr>
-            <a:picLocks noChangeAspect="1"/>
-          </p:cNvPicPr>
-          <p:nvPr/>
-        </p:nvPicPr>
-        <p:blipFill>
-          <a:blip r:embed="rId8"/>
-          <a:stretch>
-            <a:fillRect/>
-          </a:stretch>
-        </p:blipFill>
-        <p:spPr>
-          <a:xfrm>
-            <a:off x="422125" y="5968027"/>
-            <a:ext cx="4992960" cy="399191"/>
-          </a:xfrm>
-          <a:prstGeom prst="rect">
-            <a:avLst/>
-          </a:prstGeom>
-        </p:spPr>
-      </p:pic>
-      <p:pic>
-        <p:nvPicPr>
-          <p:cNvPr id="11" name="圖片 10">
-            <a:extLst>
-              <a:ext uri="{FF2B5EF4-FFF2-40B4-BE49-F238E27FC236}">
-                <a16:creationId xmlns:a16="http://schemas.microsoft.com/office/drawing/2014/main" id="{EFDAA9E4-55E9-4443-A2E5-5354B911DBA8}"/>
-              </a:ext>
-            </a:extLst>
-          </p:cNvPr>
-          <p:cNvPicPr>
-            <a:picLocks noChangeAspect="1"/>
-          </p:cNvPicPr>
-          <p:nvPr/>
-        </p:nvPicPr>
-        <p:blipFill>
-          <a:blip r:embed="rId9"/>
-          <a:stretch>
-            <a:fillRect/>
-          </a:stretch>
-        </p:blipFill>
-        <p:spPr>
-          <a:xfrm>
-            <a:off x="6213085" y="703512"/>
-            <a:ext cx="4493218" cy="1120122"/>
-          </a:xfrm>
-          <a:prstGeom prst="rect">
-            <a:avLst/>
-          </a:prstGeom>
-        </p:spPr>
-      </p:pic>
-      <p:pic>
-        <p:nvPicPr>
-          <p:cNvPr id="12" name="圖片 11">
-            <a:extLst>
-              <a:ext uri="{FF2B5EF4-FFF2-40B4-BE49-F238E27FC236}">
-                <a16:creationId xmlns:a16="http://schemas.microsoft.com/office/drawing/2014/main" id="{83B08096-6B49-4407-8F72-AF52C4573FFC}"/>
-              </a:ext>
-            </a:extLst>
-          </p:cNvPr>
-          <p:cNvPicPr>
-            <a:picLocks noChangeAspect="1"/>
-          </p:cNvPicPr>
-          <p:nvPr/>
-        </p:nvPicPr>
-        <p:blipFill>
-          <a:blip r:embed="rId10"/>
-          <a:stretch>
-            <a:fillRect/>
-          </a:stretch>
-        </p:blipFill>
-        <p:spPr>
-          <a:xfrm>
-            <a:off x="10785765" y="710603"/>
-            <a:ext cx="1283151" cy="416861"/>
-          </a:xfrm>
-          <a:prstGeom prst="rect">
-            <a:avLst/>
-          </a:prstGeom>
-        </p:spPr>
-      </p:pic>
-      <p:pic>
-        <p:nvPicPr>
-          <p:cNvPr id="13" name="圖片 12">
-            <a:extLst>
-              <a:ext uri="{FF2B5EF4-FFF2-40B4-BE49-F238E27FC236}">
-                <a16:creationId xmlns:a16="http://schemas.microsoft.com/office/drawing/2014/main" id="{3EC30022-108F-4EBF-BB29-2FB7D56E84A4}"/>
-              </a:ext>
-            </a:extLst>
-          </p:cNvPr>
-          <p:cNvPicPr>
-            <a:picLocks noChangeAspect="1"/>
-          </p:cNvPicPr>
-          <p:nvPr/>
-        </p:nvPicPr>
-        <p:blipFill>
-          <a:blip r:embed="rId11"/>
-          <a:stretch>
-            <a:fillRect/>
-          </a:stretch>
-        </p:blipFill>
-        <p:spPr>
-          <a:xfrm>
-            <a:off x="6213085" y="1958728"/>
-            <a:ext cx="3412108" cy="2246215"/>
-          </a:xfrm>
-          <a:prstGeom prst="rect">
-            <a:avLst/>
-          </a:prstGeom>
-        </p:spPr>
-      </p:pic>
-      <p:pic>
-        <p:nvPicPr>
-          <p:cNvPr id="14" name="圖片 13">
-            <a:extLst>
-              <a:ext uri="{FF2B5EF4-FFF2-40B4-BE49-F238E27FC236}">
-                <a16:creationId xmlns:a16="http://schemas.microsoft.com/office/drawing/2014/main" id="{6F539C6B-ABB4-4D97-B245-9CBC77633688}"/>
-              </a:ext>
-            </a:extLst>
-          </p:cNvPr>
-          <p:cNvPicPr>
-            <a:picLocks noChangeAspect="1"/>
-          </p:cNvPicPr>
-          <p:nvPr/>
-        </p:nvPicPr>
-        <p:blipFill>
-          <a:blip r:embed="rId12"/>
-          <a:stretch>
-            <a:fillRect/>
-          </a:stretch>
-        </p:blipFill>
-        <p:spPr>
-          <a:xfrm>
-            <a:off x="6211001" y="4282445"/>
-            <a:ext cx="5558874" cy="321502"/>
-          </a:xfrm>
-          <a:prstGeom prst="rect">
-            <a:avLst/>
-          </a:prstGeom>
-        </p:spPr>
-      </p:pic>
-      <p:pic>
-        <p:nvPicPr>
-          <p:cNvPr id="15" name="圖片 14">
-            <a:extLst>
-              <a:ext uri="{FF2B5EF4-FFF2-40B4-BE49-F238E27FC236}">
-                <a16:creationId xmlns:a16="http://schemas.microsoft.com/office/drawing/2014/main" id="{8707AAAA-03E7-407C-855E-4576400A848F}"/>
-              </a:ext>
-            </a:extLst>
-          </p:cNvPr>
-          <p:cNvPicPr>
-            <a:picLocks noChangeAspect="1"/>
-          </p:cNvPicPr>
-          <p:nvPr/>
-        </p:nvPicPr>
-        <p:blipFill>
-          <a:blip r:embed="rId13"/>
-          <a:stretch>
-            <a:fillRect/>
-          </a:stretch>
-        </p:blipFill>
-        <p:spPr>
-          <a:xfrm>
-            <a:off x="6211001" y="4681449"/>
-            <a:ext cx="5160820" cy="1097698"/>
-          </a:xfrm>
-          <a:prstGeom prst="rect">
-            <a:avLst/>
-          </a:prstGeom>
-        </p:spPr>
-      </p:pic>
-      <p:pic>
-        <p:nvPicPr>
-          <p:cNvPr id="16" name="圖片 15">
-            <a:extLst>
-              <a:ext uri="{FF2B5EF4-FFF2-40B4-BE49-F238E27FC236}">
-                <a16:creationId xmlns:a16="http://schemas.microsoft.com/office/drawing/2014/main" id="{B6E28281-3124-47EC-90CC-D58CFCE80973}"/>
-              </a:ext>
-            </a:extLst>
-          </p:cNvPr>
-          <p:cNvPicPr>
-            <a:picLocks noChangeAspect="1"/>
-          </p:cNvPicPr>
-          <p:nvPr/>
-        </p:nvPicPr>
-        <p:blipFill>
-          <a:blip r:embed="rId14"/>
-          <a:stretch>
-            <a:fillRect/>
-          </a:stretch>
-        </p:blipFill>
-        <p:spPr>
-          <a:xfrm>
-            <a:off x="6211001" y="5856649"/>
-            <a:ext cx="5576630" cy="494563"/>
-          </a:xfrm>
-          <a:prstGeom prst="rect">
-            <a:avLst/>
-          </a:prstGeom>
-        </p:spPr>
-      </p:pic>
-      <p:sp>
-        <p:nvSpPr>
-          <p:cNvPr id="17" name="文字方塊 16">
-            <a:extLst>
-              <a:ext uri="{FF2B5EF4-FFF2-40B4-BE49-F238E27FC236}">
-                <a16:creationId xmlns:a16="http://schemas.microsoft.com/office/drawing/2014/main" id="{A33830F0-357B-4E76-9788-E0D8AEBAECB6}"/>
-              </a:ext>
-            </a:extLst>
-          </p:cNvPr>
-          <p:cNvSpPr txBox="1"/>
-          <p:nvPr/>
-        </p:nvSpPr>
-        <p:spPr>
-          <a:xfrm>
-            <a:off x="33610" y="703512"/>
-            <a:ext cx="463588" cy="523220"/>
-          </a:xfrm>
-          <a:prstGeom prst="rect">
-            <a:avLst/>
-          </a:prstGeom>
-          <a:noFill/>
-        </p:spPr>
-        <p:txBody>
-          <a:bodyPr wrap="none" rtlCol="0">
-            <a:spAutoFit/>
-          </a:bodyPr>
-          <a:lstStyle/>
-          <a:p>
-            <a:r>
-              <a:rPr lang="en-US" altLang="zh-TW" sz="2800" b="1" dirty="0"/>
-              <a:t>1.</a:t>
-            </a:r>
-            <a:endParaRPr lang="zh-TW" altLang="en-US" sz="2800" b="1" dirty="0"/>
-          </a:p>
-        </p:txBody>
-      </p:sp>
-      <p:sp>
-        <p:nvSpPr>
-          <p:cNvPr id="18" name="文字方塊 17">
-            <a:extLst>
-              <a:ext uri="{FF2B5EF4-FFF2-40B4-BE49-F238E27FC236}">
-                <a16:creationId xmlns:a16="http://schemas.microsoft.com/office/drawing/2014/main" id="{04689A07-CA74-4EEF-98E3-DD801A6082D6}"/>
-              </a:ext>
-            </a:extLst>
-          </p:cNvPr>
-          <p:cNvSpPr txBox="1"/>
-          <p:nvPr/>
-        </p:nvSpPr>
-        <p:spPr>
-          <a:xfrm>
-            <a:off x="33610" y="2146742"/>
-            <a:ext cx="463588" cy="523220"/>
-          </a:xfrm>
-          <a:prstGeom prst="rect">
-            <a:avLst/>
-          </a:prstGeom>
-          <a:noFill/>
-        </p:spPr>
-        <p:txBody>
-          <a:bodyPr wrap="none" rtlCol="0">
-            <a:spAutoFit/>
-          </a:bodyPr>
-          <a:lstStyle/>
-          <a:p>
-            <a:r>
-              <a:rPr lang="en-US" altLang="zh-TW" sz="2800" b="1" dirty="0"/>
-              <a:t>2.</a:t>
-            </a:r>
-            <a:endParaRPr lang="zh-TW" altLang="en-US" sz="2800" b="1" dirty="0"/>
-          </a:p>
-        </p:txBody>
-      </p:sp>
-      <p:sp>
-        <p:nvSpPr>
-          <p:cNvPr id="19" name="文字方塊 18">
-            <a:extLst>
-              <a:ext uri="{FF2B5EF4-FFF2-40B4-BE49-F238E27FC236}">
-                <a16:creationId xmlns:a16="http://schemas.microsoft.com/office/drawing/2014/main" id="{9B73D450-731D-4188-8063-33E7F2329C72}"/>
-              </a:ext>
-            </a:extLst>
-          </p:cNvPr>
-          <p:cNvSpPr txBox="1"/>
-          <p:nvPr/>
-        </p:nvSpPr>
-        <p:spPr>
-          <a:xfrm>
-            <a:off x="33610" y="3388255"/>
-            <a:ext cx="463588" cy="523220"/>
-          </a:xfrm>
-          <a:prstGeom prst="rect">
-            <a:avLst/>
-          </a:prstGeom>
-          <a:noFill/>
-        </p:spPr>
-        <p:txBody>
-          <a:bodyPr wrap="none" rtlCol="0">
-            <a:spAutoFit/>
-          </a:bodyPr>
-          <a:lstStyle/>
-          <a:p>
-            <a:r>
-              <a:rPr lang="en-US" altLang="zh-TW" sz="2800" b="1" dirty="0"/>
-              <a:t>3.</a:t>
-            </a:r>
-            <a:endParaRPr lang="zh-TW" altLang="en-US" sz="2800" b="1" dirty="0"/>
-          </a:p>
-        </p:txBody>
-      </p:sp>
-      <p:sp>
-        <p:nvSpPr>
-          <p:cNvPr id="20" name="文字方塊 19">
-            <a:extLst>
-              <a:ext uri="{FF2B5EF4-FFF2-40B4-BE49-F238E27FC236}">
-                <a16:creationId xmlns:a16="http://schemas.microsoft.com/office/drawing/2014/main" id="{552E6718-927C-4B69-9D4F-913AC41F92A2}"/>
-              </a:ext>
-            </a:extLst>
-          </p:cNvPr>
-          <p:cNvSpPr txBox="1"/>
-          <p:nvPr/>
-        </p:nvSpPr>
-        <p:spPr>
-          <a:xfrm>
-            <a:off x="33610" y="4583277"/>
-            <a:ext cx="463588" cy="523220"/>
-          </a:xfrm>
-          <a:prstGeom prst="rect">
-            <a:avLst/>
-          </a:prstGeom>
-          <a:noFill/>
-        </p:spPr>
-        <p:txBody>
-          <a:bodyPr wrap="none" rtlCol="0">
-            <a:spAutoFit/>
-          </a:bodyPr>
-          <a:lstStyle/>
-          <a:p>
-            <a:r>
-              <a:rPr lang="en-US" altLang="zh-TW" sz="2800" b="1" dirty="0"/>
-              <a:t>4.</a:t>
-            </a:r>
-            <a:endParaRPr lang="zh-TW" altLang="en-US" sz="2800" b="1" dirty="0"/>
-          </a:p>
-        </p:txBody>
-      </p:sp>
-      <p:sp>
-        <p:nvSpPr>
-          <p:cNvPr id="21" name="文字方塊 20">
-            <a:extLst>
-              <a:ext uri="{FF2B5EF4-FFF2-40B4-BE49-F238E27FC236}">
-                <a16:creationId xmlns:a16="http://schemas.microsoft.com/office/drawing/2014/main" id="{BBAD9013-A0AF-4BF9-B058-1D52B82BBF64}"/>
-              </a:ext>
-            </a:extLst>
-          </p:cNvPr>
-          <p:cNvSpPr txBox="1"/>
-          <p:nvPr/>
-        </p:nvSpPr>
-        <p:spPr>
-          <a:xfrm>
-            <a:off x="5768918" y="627847"/>
-            <a:ext cx="463588" cy="523220"/>
-          </a:xfrm>
-          <a:prstGeom prst="rect">
-            <a:avLst/>
-          </a:prstGeom>
-          <a:noFill/>
-        </p:spPr>
-        <p:txBody>
-          <a:bodyPr wrap="none" rtlCol="0">
-            <a:spAutoFit/>
-          </a:bodyPr>
-          <a:lstStyle/>
-          <a:p>
-            <a:r>
-              <a:rPr lang="en-US" altLang="zh-TW" sz="2800" b="1" dirty="0"/>
-              <a:t>5.</a:t>
-            </a:r>
-            <a:endParaRPr lang="zh-TW" altLang="en-US" sz="2800" b="1" dirty="0"/>
-          </a:p>
-        </p:txBody>
-      </p:sp>
-      <p:sp>
-        <p:nvSpPr>
-          <p:cNvPr id="22" name="文字方塊 21">
-            <a:extLst>
-              <a:ext uri="{FF2B5EF4-FFF2-40B4-BE49-F238E27FC236}">
-                <a16:creationId xmlns:a16="http://schemas.microsoft.com/office/drawing/2014/main" id="{07034448-82D4-4D69-9E3C-24E5F1DF4849}"/>
-              </a:ext>
-            </a:extLst>
-          </p:cNvPr>
-          <p:cNvSpPr txBox="1"/>
-          <p:nvPr/>
-        </p:nvSpPr>
-        <p:spPr>
-          <a:xfrm>
-            <a:off x="5768918" y="1880549"/>
-            <a:ext cx="463588" cy="523220"/>
-          </a:xfrm>
-          <a:prstGeom prst="rect">
-            <a:avLst/>
-          </a:prstGeom>
-          <a:noFill/>
-        </p:spPr>
-        <p:txBody>
-          <a:bodyPr wrap="none" rtlCol="0">
-            <a:spAutoFit/>
-          </a:bodyPr>
-          <a:lstStyle/>
-          <a:p>
-            <a:r>
-              <a:rPr lang="en-US" altLang="zh-TW" sz="2800" b="1" dirty="0"/>
-              <a:t>6.</a:t>
-            </a:r>
-            <a:endParaRPr lang="zh-TW" altLang="en-US" sz="2800" b="1" dirty="0"/>
-          </a:p>
-        </p:txBody>
-      </p:sp>
-      <p:sp>
-        <p:nvSpPr>
-          <p:cNvPr id="23" name="文字方塊 22">
-            <a:extLst>
-              <a:ext uri="{FF2B5EF4-FFF2-40B4-BE49-F238E27FC236}">
-                <a16:creationId xmlns:a16="http://schemas.microsoft.com/office/drawing/2014/main" id="{D8B4EC06-2BD8-4214-822F-04EFF6FCF4F8}"/>
-              </a:ext>
-            </a:extLst>
-          </p:cNvPr>
-          <p:cNvSpPr txBox="1"/>
-          <p:nvPr/>
-        </p:nvSpPr>
-        <p:spPr>
-          <a:xfrm>
-            <a:off x="5768918" y="4610745"/>
-            <a:ext cx="463588" cy="523220"/>
-          </a:xfrm>
-          <a:prstGeom prst="rect">
-            <a:avLst/>
-          </a:prstGeom>
-          <a:noFill/>
-        </p:spPr>
-        <p:txBody>
-          <a:bodyPr wrap="none" rtlCol="0">
-            <a:spAutoFit/>
-          </a:bodyPr>
-          <a:lstStyle/>
-          <a:p>
-            <a:r>
-              <a:rPr lang="en-US" altLang="zh-TW" sz="2800" b="1" dirty="0"/>
-              <a:t>7.</a:t>
-            </a:r>
-            <a:endParaRPr lang="zh-TW" altLang="en-US" sz="2800" b="1" dirty="0"/>
-          </a:p>
-        </p:txBody>
-      </p:sp>
-      <p:sp>
-        <p:nvSpPr>
-          <p:cNvPr id="24" name="文字方塊 23">
-            <a:extLst>
-              <a:ext uri="{FF2B5EF4-FFF2-40B4-BE49-F238E27FC236}">
-                <a16:creationId xmlns:a16="http://schemas.microsoft.com/office/drawing/2014/main" id="{624BC3D4-EF42-427F-8A23-A3552F52AE68}"/>
-              </a:ext>
-            </a:extLst>
-          </p:cNvPr>
-          <p:cNvSpPr txBox="1"/>
-          <p:nvPr/>
-        </p:nvSpPr>
-        <p:spPr>
-          <a:xfrm>
-            <a:off x="4907143" y="169926"/>
-            <a:ext cx="1723549" cy="461665"/>
-          </a:xfrm>
-          <a:prstGeom prst="rect">
-            <a:avLst/>
-          </a:prstGeom>
-          <a:noFill/>
-        </p:spPr>
-        <p:txBody>
-          <a:bodyPr wrap="none" rtlCol="0">
-            <a:spAutoFit/>
-          </a:bodyPr>
-          <a:lstStyle/>
-          <a:p>
-            <a:r>
-              <a:rPr lang="zh-TW" altLang="en-US" sz="2400" b="1" dirty="0">
-                <a:latin typeface="微軟正黑體" panose="020B0604030504040204" pitchFamily="34" charset="-120"/>
-                <a:ea typeface="微軟正黑體" panose="020B0604030504040204" pitchFamily="34" charset="-120"/>
-              </a:rPr>
-              <a:t>資料庫流程</a:t>
-            </a:r>
-          </a:p>
-        </p:txBody>
-      </p:sp>
     </p:spTree>
     <p:extLst>
       <p:ext uri="{BB962C8B-B14F-4D97-AF65-F5344CB8AC3E}">
-        <p14:creationId xmlns:p14="http://schemas.microsoft.com/office/powerpoint/2010/main" val="4194600555"/>
+        <p14:creationId xmlns:p14="http://schemas.microsoft.com/office/powerpoint/2010/main" val="327830090"/>
       </p:ext>
     </p:extLst>
   </p:cSld>

--- a/MyProjects/PPT/售票.pptx
+++ b/MyProjects/PPT/售票.pptx
@@ -270,7 +270,7 @@
           <a:p>
             <a:fld id="{DE20C015-D30B-43F1-8CB9-EB610B5B649D}" type="datetimeFigureOut">
               <a:rPr lang="zh-TW" altLang="en-US" smtClean="0"/>
-              <a:t>2025/6/10</a:t>
+              <a:t>2025/6/11</a:t>
             </a:fld>
             <a:endParaRPr lang="zh-TW" altLang="en-US"/>
           </a:p>
@@ -468,7 +468,7 @@
           <a:p>
             <a:fld id="{DE20C015-D30B-43F1-8CB9-EB610B5B649D}" type="datetimeFigureOut">
               <a:rPr lang="zh-TW" altLang="en-US" smtClean="0"/>
-              <a:t>2025/6/10</a:t>
+              <a:t>2025/6/11</a:t>
             </a:fld>
             <a:endParaRPr lang="zh-TW" altLang="en-US"/>
           </a:p>
@@ -676,7 +676,7 @@
           <a:p>
             <a:fld id="{DE20C015-D30B-43F1-8CB9-EB610B5B649D}" type="datetimeFigureOut">
               <a:rPr lang="zh-TW" altLang="en-US" smtClean="0"/>
-              <a:t>2025/6/10</a:t>
+              <a:t>2025/6/11</a:t>
             </a:fld>
             <a:endParaRPr lang="zh-TW" altLang="en-US"/>
           </a:p>
@@ -874,7 +874,7 @@
           <a:p>
             <a:fld id="{DE20C015-D30B-43F1-8CB9-EB610B5B649D}" type="datetimeFigureOut">
               <a:rPr lang="zh-TW" altLang="en-US" smtClean="0"/>
-              <a:t>2025/6/10</a:t>
+              <a:t>2025/6/11</a:t>
             </a:fld>
             <a:endParaRPr lang="zh-TW" altLang="en-US"/>
           </a:p>
@@ -1149,7 +1149,7 @@
           <a:p>
             <a:fld id="{DE20C015-D30B-43F1-8CB9-EB610B5B649D}" type="datetimeFigureOut">
               <a:rPr lang="zh-TW" altLang="en-US" smtClean="0"/>
-              <a:t>2025/6/10</a:t>
+              <a:t>2025/6/11</a:t>
             </a:fld>
             <a:endParaRPr lang="zh-TW" altLang="en-US"/>
           </a:p>
@@ -1414,7 +1414,7 @@
           <a:p>
             <a:fld id="{DE20C015-D30B-43F1-8CB9-EB610B5B649D}" type="datetimeFigureOut">
               <a:rPr lang="zh-TW" altLang="en-US" smtClean="0"/>
-              <a:t>2025/6/10</a:t>
+              <a:t>2025/6/11</a:t>
             </a:fld>
             <a:endParaRPr lang="zh-TW" altLang="en-US"/>
           </a:p>
@@ -1826,7 +1826,7 @@
           <a:p>
             <a:fld id="{DE20C015-D30B-43F1-8CB9-EB610B5B649D}" type="datetimeFigureOut">
               <a:rPr lang="zh-TW" altLang="en-US" smtClean="0"/>
-              <a:t>2025/6/10</a:t>
+              <a:t>2025/6/11</a:t>
             </a:fld>
             <a:endParaRPr lang="zh-TW" altLang="en-US"/>
           </a:p>
@@ -1967,7 +1967,7 @@
           <a:p>
             <a:fld id="{DE20C015-D30B-43F1-8CB9-EB610B5B649D}" type="datetimeFigureOut">
               <a:rPr lang="zh-TW" altLang="en-US" smtClean="0"/>
-              <a:t>2025/6/10</a:t>
+              <a:t>2025/6/11</a:t>
             </a:fld>
             <a:endParaRPr lang="zh-TW" altLang="en-US"/>
           </a:p>
@@ -2080,7 +2080,7 @@
           <a:p>
             <a:fld id="{DE20C015-D30B-43F1-8CB9-EB610B5B649D}" type="datetimeFigureOut">
               <a:rPr lang="zh-TW" altLang="en-US" smtClean="0"/>
-              <a:t>2025/6/10</a:t>
+              <a:t>2025/6/11</a:t>
             </a:fld>
             <a:endParaRPr lang="zh-TW" altLang="en-US"/>
           </a:p>
@@ -2391,7 +2391,7 @@
           <a:p>
             <a:fld id="{DE20C015-D30B-43F1-8CB9-EB610B5B649D}" type="datetimeFigureOut">
               <a:rPr lang="zh-TW" altLang="en-US" smtClean="0"/>
-              <a:t>2025/6/10</a:t>
+              <a:t>2025/6/11</a:t>
             </a:fld>
             <a:endParaRPr lang="zh-TW" altLang="en-US"/>
           </a:p>
@@ -2679,7 +2679,7 @@
           <a:p>
             <a:fld id="{DE20C015-D30B-43F1-8CB9-EB610B5B649D}" type="datetimeFigureOut">
               <a:rPr lang="zh-TW" altLang="en-US" smtClean="0"/>
-              <a:t>2025/6/10</a:t>
+              <a:t>2025/6/11</a:t>
             </a:fld>
             <a:endParaRPr lang="zh-TW" altLang="en-US"/>
           </a:p>
@@ -2926,7 +2926,7 @@
           <a:p>
             <a:fld id="{DE20C015-D30B-43F1-8CB9-EB610B5B649D}" type="datetimeFigureOut">
               <a:rPr lang="zh-TW" altLang="en-US" smtClean="0"/>
-              <a:t>2025/6/10</a:t>
+              <a:t>2025/6/11</a:t>
             </a:fld>
             <a:endParaRPr lang="zh-TW" altLang="en-US"/>
           </a:p>
@@ -4490,7 +4490,7 @@
                 <a:latin typeface="微軟正黑體" panose="020B0604030504040204" pitchFamily="34" charset="-120"/>
                 <a:ea typeface="微軟正黑體" panose="020B0604030504040204" pitchFamily="34" charset="-120"/>
               </a:rPr>
-              <a:t>創造一個介面舒服且能簡單操作的售票系統</a:t>
+              <a:t>製作一個介面舒服且能簡單操作的售票系統</a:t>
             </a:r>
           </a:p>
         </p:txBody>
@@ -4700,7 +4700,7 @@
         </p:blipFill>
         <p:spPr>
           <a:xfrm>
-            <a:off x="8643855" y="2050742"/>
+            <a:off x="8729975" y="1878922"/>
             <a:ext cx="1728224" cy="1378258"/>
           </a:xfrm>
           <a:prstGeom prst="rect">
@@ -4874,7 +4874,7 @@
         </p:nvSpPr>
         <p:spPr>
           <a:xfrm>
-            <a:off x="8956822" y="3710866"/>
+            <a:off x="8946831" y="3710866"/>
             <a:ext cx="1287532" cy="369332"/>
           </a:xfrm>
           <a:prstGeom prst="rect">
@@ -5014,7 +5014,7 @@
         </p:blipFill>
         <p:spPr>
           <a:xfrm>
-            <a:off x="8742977" y="4289437"/>
+            <a:off x="8789836" y="4245284"/>
             <a:ext cx="1715222" cy="1715222"/>
           </a:xfrm>
           <a:prstGeom prst="rect">
@@ -5036,7 +5036,7 @@
         </p:nvSpPr>
         <p:spPr>
           <a:xfrm>
-            <a:off x="9098687" y="6125592"/>
+            <a:off x="9088696" y="6125592"/>
             <a:ext cx="1003801" cy="369332"/>
           </a:xfrm>
           <a:prstGeom prst="rect">
